--- a/Documents/RepQuest Project Update.pptx
+++ b/Documents/RepQuest Project Update.pptx
@@ -1,47 +1,48 @@
 
 <file path=ppt/presentation.xml><?xml version="1.0" encoding="utf-8"?>
-<p:presentation xmlns:a="http://schemas.openxmlformats.org/drawingml/2006/main" xmlns:r="http://schemas.openxmlformats.org/officeDocument/2006/relationships" xmlns:mc="http://schemas.openxmlformats.org/markup-compatibility/2006" xmlns:mv="urn:schemas-microsoft-com:mac:vml" xmlns:p="http://schemas.openxmlformats.org/presentationml/2006/main" xmlns:c="http://schemas.openxmlformats.org/drawingml/2006/chart" xmlns:dgm="http://schemas.openxmlformats.org/drawingml/2006/diagram" xmlns:o="urn:schemas-microsoft-com:office:office" xmlns:v="urn:schemas-microsoft-com:vml" xmlns:pvml="urn:schemas-microsoft-com:office:powerpoint" xmlns:com="http://schemas.openxmlformats.org/drawingml/2006/compatibility" xmlns:p14="http://schemas.microsoft.com/office/powerpoint/2010/main" xmlns:p15="http://schemas.microsoft.com/office/powerpoint/2012/main" xmlns:ahyp="http://schemas.microsoft.com/office/drawing/2018/hyperlinkcolor" autoCompressPictures="0" embedTrueTypeFonts="1" strictFirstAndLastChars="0" saveSubsetFonts="1">
+<p:presentation xmlns:a="http://schemas.openxmlformats.org/drawingml/2006/main" xmlns:r="http://schemas.openxmlformats.org/officeDocument/2006/relationships" xmlns:p="http://schemas.openxmlformats.org/presentationml/2006/main" strictFirstAndLastChars="0" embedTrueTypeFonts="1" saveSubsetFonts="1" autoCompressPictures="0">
   <p:sldMasterIdLst>
-    <p:sldMasterId id="2147483659" r:id="rId4"/>
+    <p:sldMasterId id="2147483659" r:id="rId1"/>
   </p:sldMasterIdLst>
   <p:notesMasterIdLst>
-    <p:notesMasterId r:id="rId5"/>
+    <p:notesMasterId r:id="rId21"/>
   </p:notesMasterIdLst>
   <p:sldIdLst>
-    <p:sldId id="256" r:id="rId6"/>
-    <p:sldId id="257" r:id="rId7"/>
-    <p:sldId id="258" r:id="rId8"/>
-    <p:sldId id="259" r:id="rId9"/>
-    <p:sldId id="260" r:id="rId10"/>
-    <p:sldId id="261" r:id="rId11"/>
-    <p:sldId id="262" r:id="rId12"/>
-    <p:sldId id="263" r:id="rId13"/>
-    <p:sldId id="264" r:id="rId14"/>
-    <p:sldId id="265" r:id="rId15"/>
-    <p:sldId id="266" r:id="rId16"/>
-    <p:sldId id="267" r:id="rId17"/>
-    <p:sldId id="268" r:id="rId18"/>
-    <p:sldId id="269" r:id="rId19"/>
-    <p:sldId id="270" r:id="rId20"/>
-    <p:sldId id="271" r:id="rId21"/>
-    <p:sldId id="272" r:id="rId22"/>
-    <p:sldId id="273" r:id="rId23"/>
+    <p:sldId id="256" r:id="rId2"/>
+    <p:sldId id="257" r:id="rId3"/>
+    <p:sldId id="258" r:id="rId4"/>
+    <p:sldId id="259" r:id="rId5"/>
+    <p:sldId id="260" r:id="rId6"/>
+    <p:sldId id="274" r:id="rId7"/>
+    <p:sldId id="261" r:id="rId8"/>
+    <p:sldId id="262" r:id="rId9"/>
+    <p:sldId id="263" r:id="rId10"/>
+    <p:sldId id="264" r:id="rId11"/>
+    <p:sldId id="265" r:id="rId12"/>
+    <p:sldId id="266" r:id="rId13"/>
+    <p:sldId id="267" r:id="rId14"/>
+    <p:sldId id="268" r:id="rId15"/>
+    <p:sldId id="269" r:id="rId16"/>
+    <p:sldId id="270" r:id="rId17"/>
+    <p:sldId id="271" r:id="rId18"/>
+    <p:sldId id="272" r:id="rId19"/>
+    <p:sldId id="273" r:id="rId20"/>
   </p:sldIdLst>
-  <p:sldSz cy="5143500" cx="9144000"/>
+  <p:sldSz cx="9144000" cy="5143500" type="screen16x9"/>
   <p:notesSz cx="6858000" cy="9144000"/>
   <p:embeddedFontLst>
     <p:embeddedFont>
-      <p:font typeface="Average"/>
-      <p:regular r:id="rId24"/>
+      <p:font typeface="Average" panose="020B0604020202020204" charset="0"/>
+      <p:regular r:id="rId22"/>
     </p:embeddedFont>
     <p:embeddedFont>
-      <p:font typeface="Oswald"/>
-      <p:regular r:id="rId25"/>
-      <p:bold r:id="rId26"/>
+      <p:font typeface="Oswald" panose="020F0502020204030204" pitchFamily="2" charset="0"/>
+      <p:regular r:id="rId23"/>
+      <p:bold r:id="rId24"/>
     </p:embeddedFont>
   </p:embeddedFontLst>
   <p:defaultTextStyle>
-    <a:defPPr lvl="0" marR="0" rtl="0" algn="l">
+    <a:defPPr marR="0" lvl="0" algn="l" rtl="0">
       <a:lnSpc>
         <a:spcPct val="100000"/>
       </a:lnSpc>
@@ -52,7 +53,7 @@
         <a:spcPts val="0"/>
       </a:spcAft>
     </a:defPPr>
-    <a:lvl1pPr lvl="0" marR="0" rtl="0" algn="l">
+    <a:lvl1pPr marR="0" lvl="0" algn="l" rtl="0">
       <a:lnSpc>
         <a:spcPct val="100000"/>
       </a:lnSpc>
@@ -66,7 +67,7 @@
         <a:srgbClr val="000000"/>
       </a:buClr>
       <a:buFont typeface="Arial"/>
-      <a:defRPr b="0" i="0" sz="1400" u="none" cap="none" strike="noStrike">
+      <a:defRPr sz="1400" b="0" i="0" u="none" strike="noStrike" cap="none">
         <a:solidFill>
           <a:srgbClr val="000000"/>
         </a:solidFill>
@@ -76,7 +77,7 @@
         <a:sym typeface="Arial"/>
       </a:defRPr>
     </a:lvl1pPr>
-    <a:lvl2pPr lvl="1" marR="0" rtl="0" algn="l">
+    <a:lvl2pPr marR="0" lvl="1" algn="l" rtl="0">
       <a:lnSpc>
         <a:spcPct val="100000"/>
       </a:lnSpc>
@@ -90,7 +91,7 @@
         <a:srgbClr val="000000"/>
       </a:buClr>
       <a:buFont typeface="Arial"/>
-      <a:defRPr b="0" i="0" sz="1400" u="none" cap="none" strike="noStrike">
+      <a:defRPr sz="1400" b="0" i="0" u="none" strike="noStrike" cap="none">
         <a:solidFill>
           <a:srgbClr val="000000"/>
         </a:solidFill>
@@ -100,7 +101,7 @@
         <a:sym typeface="Arial"/>
       </a:defRPr>
     </a:lvl2pPr>
-    <a:lvl3pPr lvl="2" marR="0" rtl="0" algn="l">
+    <a:lvl3pPr marR="0" lvl="2" algn="l" rtl="0">
       <a:lnSpc>
         <a:spcPct val="100000"/>
       </a:lnSpc>
@@ -114,7 +115,7 @@
         <a:srgbClr val="000000"/>
       </a:buClr>
       <a:buFont typeface="Arial"/>
-      <a:defRPr b="0" i="0" sz="1400" u="none" cap="none" strike="noStrike">
+      <a:defRPr sz="1400" b="0" i="0" u="none" strike="noStrike" cap="none">
         <a:solidFill>
           <a:srgbClr val="000000"/>
         </a:solidFill>
@@ -124,7 +125,7 @@
         <a:sym typeface="Arial"/>
       </a:defRPr>
     </a:lvl3pPr>
-    <a:lvl4pPr lvl="3" marR="0" rtl="0" algn="l">
+    <a:lvl4pPr marR="0" lvl="3" algn="l" rtl="0">
       <a:lnSpc>
         <a:spcPct val="100000"/>
       </a:lnSpc>
@@ -138,7 +139,7 @@
         <a:srgbClr val="000000"/>
       </a:buClr>
       <a:buFont typeface="Arial"/>
-      <a:defRPr b="0" i="0" sz="1400" u="none" cap="none" strike="noStrike">
+      <a:defRPr sz="1400" b="0" i="0" u="none" strike="noStrike" cap="none">
         <a:solidFill>
           <a:srgbClr val="000000"/>
         </a:solidFill>
@@ -148,7 +149,7 @@
         <a:sym typeface="Arial"/>
       </a:defRPr>
     </a:lvl4pPr>
-    <a:lvl5pPr lvl="4" marR="0" rtl="0" algn="l">
+    <a:lvl5pPr marR="0" lvl="4" algn="l" rtl="0">
       <a:lnSpc>
         <a:spcPct val="100000"/>
       </a:lnSpc>
@@ -162,7 +163,7 @@
         <a:srgbClr val="000000"/>
       </a:buClr>
       <a:buFont typeface="Arial"/>
-      <a:defRPr b="0" i="0" sz="1400" u="none" cap="none" strike="noStrike">
+      <a:defRPr sz="1400" b="0" i="0" u="none" strike="noStrike" cap="none">
         <a:solidFill>
           <a:srgbClr val="000000"/>
         </a:solidFill>
@@ -172,7 +173,7 @@
         <a:sym typeface="Arial"/>
       </a:defRPr>
     </a:lvl5pPr>
-    <a:lvl6pPr lvl="5" marR="0" rtl="0" algn="l">
+    <a:lvl6pPr marR="0" lvl="5" algn="l" rtl="0">
       <a:lnSpc>
         <a:spcPct val="100000"/>
       </a:lnSpc>
@@ -186,7 +187,7 @@
         <a:srgbClr val="000000"/>
       </a:buClr>
       <a:buFont typeface="Arial"/>
-      <a:defRPr b="0" i="0" sz="1400" u="none" cap="none" strike="noStrike">
+      <a:defRPr sz="1400" b="0" i="0" u="none" strike="noStrike" cap="none">
         <a:solidFill>
           <a:srgbClr val="000000"/>
         </a:solidFill>
@@ -196,7 +197,7 @@
         <a:sym typeface="Arial"/>
       </a:defRPr>
     </a:lvl6pPr>
-    <a:lvl7pPr lvl="6" marR="0" rtl="0" algn="l">
+    <a:lvl7pPr marR="0" lvl="6" algn="l" rtl="0">
       <a:lnSpc>
         <a:spcPct val="100000"/>
       </a:lnSpc>
@@ -210,7 +211,7 @@
         <a:srgbClr val="000000"/>
       </a:buClr>
       <a:buFont typeface="Arial"/>
-      <a:defRPr b="0" i="0" sz="1400" u="none" cap="none" strike="noStrike">
+      <a:defRPr sz="1400" b="0" i="0" u="none" strike="noStrike" cap="none">
         <a:solidFill>
           <a:srgbClr val="000000"/>
         </a:solidFill>
@@ -220,7 +221,7 @@
         <a:sym typeface="Arial"/>
       </a:defRPr>
     </a:lvl7pPr>
-    <a:lvl8pPr lvl="7" marR="0" rtl="0" algn="l">
+    <a:lvl8pPr marR="0" lvl="7" algn="l" rtl="0">
       <a:lnSpc>
         <a:spcPct val="100000"/>
       </a:lnSpc>
@@ -234,7 +235,7 @@
         <a:srgbClr val="000000"/>
       </a:buClr>
       <a:buFont typeface="Arial"/>
-      <a:defRPr b="0" i="0" sz="1400" u="none" cap="none" strike="noStrike">
+      <a:defRPr sz="1400" b="0" i="0" u="none" strike="noStrike" cap="none">
         <a:solidFill>
           <a:srgbClr val="000000"/>
         </a:solidFill>
@@ -244,7 +245,7 @@
         <a:sym typeface="Arial"/>
       </a:defRPr>
     </a:lvl8pPr>
-    <a:lvl9pPr lvl="8" marR="0" rtl="0" algn="l">
+    <a:lvl9pPr marR="0" lvl="8" algn="l" rtl="0">
       <a:lnSpc>
         <a:spcPct val="100000"/>
       </a:lnSpc>
@@ -258,7 +259,7 @@
         <a:srgbClr val="000000"/>
       </a:buClr>
       <a:buFont typeface="Arial"/>
-      <a:defRPr b="0" i="0" sz="1400" u="none" cap="none" strike="noStrike">
+      <a:defRPr sz="1400" b="0" i="0" u="none" strike="noStrike" cap="none">
         <a:solidFill>
           <a:srgbClr val="000000"/>
         </a:solidFill>
@@ -271,7 +272,7 @@
   </p:defaultTextStyle>
   <p:extLst>
     <p:ext uri="{EFAFB233-063F-42B5-8137-9DF3F51BA10A}">
-      <p15:sldGuideLst>
+      <p15:sldGuideLst xmlns:p15="http://schemas.microsoft.com/office/powerpoint/2012/main">
         <p15:guide id="1" orient="horz" pos="1620">
           <p15:clr>
             <a:srgbClr val="747775"/>
@@ -289,11 +290,16 @@
 </file>
 
 <file path=ppt/notesMasters/notesMaster1.xml><?xml version="1.0" encoding="utf-8"?>
-<p:notesMaster xmlns:a="http://schemas.openxmlformats.org/drawingml/2006/main" xmlns:r="http://schemas.openxmlformats.org/officeDocument/2006/relationships" xmlns:mc="http://schemas.openxmlformats.org/markup-compatibility/2006" xmlns:mv="urn:schemas-microsoft-com:mac:vml" xmlns:p="http://schemas.openxmlformats.org/presentationml/2006/main" xmlns:c="http://schemas.openxmlformats.org/drawingml/2006/chart" xmlns:dgm="http://schemas.openxmlformats.org/drawingml/2006/diagram" xmlns:o="urn:schemas-microsoft-com:office:office" xmlns:v="urn:schemas-microsoft-com:vml" xmlns:pvml="urn:schemas-microsoft-com:office:powerpoint" xmlns:com="http://schemas.openxmlformats.org/drawingml/2006/compatibility" xmlns:p14="http://schemas.microsoft.com/office/powerpoint/2010/main" xmlns:p15="http://schemas.microsoft.com/office/powerpoint/2012/main" xmlns:ahyp="http://schemas.microsoft.com/office/drawing/2018/hyperlinkcolor">
+<p:notesMaster xmlns:a="http://schemas.openxmlformats.org/drawingml/2006/main" xmlns:r="http://schemas.openxmlformats.org/officeDocument/2006/relationships" xmlns:p="http://schemas.openxmlformats.org/presentationml/2006/main">
   <p:cSld>
+    <p:bg>
+      <p:bgRef idx="1001">
+        <a:schemeClr val="bg1"/>
+      </p:bgRef>
+    </p:bg>
     <p:spTree>
       <p:nvGrpSpPr>
-        <p:cNvPr id="2" name="Shape 2"/>
+        <p:cNvPr id="1" name="Shape 2"/>
         <p:cNvGrpSpPr/>
         <p:nvPr/>
       </p:nvGrpSpPr>
@@ -308,9 +314,11 @@
       <p:sp>
         <p:nvSpPr>
           <p:cNvPr id="3" name="Google Shape;3;n"/>
-          <p:cNvSpPr/>
+          <p:cNvSpPr>
+            <a:spLocks noGrp="1" noRot="1" noChangeAspect="1"/>
+          </p:cNvSpPr>
           <p:nvPr>
-            <p:ph idx="2" type="sldImg"/>
+            <p:ph type="sldImg" idx="2"/>
           </p:nvPr>
         </p:nvSpPr>
         <p:spPr>
@@ -319,9 +327,13 @@
             <a:ext cx="6096075" cy="3429000"/>
           </a:xfrm>
           <a:custGeom>
-            <a:rect b="b" l="l" r="r" t="t"/>
+            <a:avLst/>
+            <a:gdLst/>
+            <a:ahLst/>
+            <a:cxnLst/>
+            <a:rect l="l" t="t" r="r" b="b"/>
             <a:pathLst>
-              <a:path extrusionOk="0" h="120000" w="120000">
+              <a:path w="120000" h="120000" extrusionOk="0">
                 <a:moveTo>
                   <a:pt x="0" y="0"/>
                 </a:moveTo>
@@ -339,23 +351,25 @@
             </a:pathLst>
           </a:custGeom>
           <a:noFill/>
-          <a:ln cap="flat" cmpd="sng" w="9525">
+          <a:ln w="9525" cap="flat" cmpd="sng">
             <a:solidFill>
               <a:srgbClr val="000000"/>
             </a:solidFill>
             <a:prstDash val="solid"/>
             <a:round/>
-            <a:headEnd len="sm" w="sm" type="none"/>
-            <a:tailEnd len="sm" w="sm" type="none"/>
+            <a:headEnd type="none" w="sm" len="sm"/>
+            <a:tailEnd type="none" w="sm" len="sm"/>
           </a:ln>
         </p:spPr>
       </p:sp>
       <p:sp>
         <p:nvSpPr>
           <p:cNvPr id="4" name="Google Shape;4;n"/>
-          <p:cNvSpPr txBox="1"/>
+          <p:cNvSpPr txBox="1">
+            <a:spLocks noGrp="1"/>
+          </p:cNvSpPr>
           <p:nvPr>
-            <p:ph idx="1" type="body"/>
+            <p:ph type="body" idx="1"/>
           </p:nvPr>
         </p:nvSpPr>
         <p:spPr>
@@ -372,11 +386,11 @@
           </a:ln>
         </p:spPr>
         <p:txBody>
-          <a:bodyPr anchorCtr="0" anchor="t" bIns="91425" lIns="91425" spcFirstLastPara="1" rIns="91425" wrap="square" tIns="91425">
+          <a:bodyPr spcFirstLastPara="1" wrap="square" lIns="91425" tIns="91425" rIns="91425" bIns="91425" anchor="t" anchorCtr="0">
             <a:noAutofit/>
           </a:bodyPr>
           <a:lstStyle>
-            <a:lvl1pPr indent="-298450" lvl="0" marL="457200">
+            <a:lvl1pPr marL="457200" lvl="0" indent="-298450">
               <a:spcBef>
                 <a:spcPts val="0"/>
               </a:spcBef>
@@ -387,7 +401,7 @@
               <a:buChar char="●"/>
               <a:defRPr sz="1100"/>
             </a:lvl1pPr>
-            <a:lvl2pPr indent="-298450" lvl="1" marL="914400">
+            <a:lvl2pPr marL="914400" lvl="1" indent="-298450">
               <a:spcBef>
                 <a:spcPts val="0"/>
               </a:spcBef>
@@ -398,7 +412,7 @@
               <a:buChar char="○"/>
               <a:defRPr sz="1100"/>
             </a:lvl2pPr>
-            <a:lvl3pPr indent="-298450" lvl="2" marL="1371600">
+            <a:lvl3pPr marL="1371600" lvl="2" indent="-298450">
               <a:spcBef>
                 <a:spcPts val="0"/>
               </a:spcBef>
@@ -409,7 +423,7 @@
               <a:buChar char="■"/>
               <a:defRPr sz="1100"/>
             </a:lvl3pPr>
-            <a:lvl4pPr indent="-298450" lvl="3" marL="1828800">
+            <a:lvl4pPr marL="1828800" lvl="3" indent="-298450">
               <a:spcBef>
                 <a:spcPts val="0"/>
               </a:spcBef>
@@ -420,7 +434,7 @@
               <a:buChar char="●"/>
               <a:defRPr sz="1100"/>
             </a:lvl4pPr>
-            <a:lvl5pPr indent="-298450" lvl="4" marL="2286000">
+            <a:lvl5pPr marL="2286000" lvl="4" indent="-298450">
               <a:spcBef>
                 <a:spcPts val="0"/>
               </a:spcBef>
@@ -431,7 +445,7 @@
               <a:buChar char="○"/>
               <a:defRPr sz="1100"/>
             </a:lvl5pPr>
-            <a:lvl6pPr indent="-298450" lvl="5" marL="2743200">
+            <a:lvl6pPr marL="2743200" lvl="5" indent="-298450">
               <a:spcBef>
                 <a:spcPts val="0"/>
               </a:spcBef>
@@ -442,7 +456,7 @@
               <a:buChar char="■"/>
               <a:defRPr sz="1100"/>
             </a:lvl6pPr>
-            <a:lvl7pPr indent="-298450" lvl="6" marL="3200400">
+            <a:lvl7pPr marL="3200400" lvl="6" indent="-298450">
               <a:spcBef>
                 <a:spcPts val="0"/>
               </a:spcBef>
@@ -453,7 +467,7 @@
               <a:buChar char="●"/>
               <a:defRPr sz="1100"/>
             </a:lvl7pPr>
-            <a:lvl8pPr indent="-298450" lvl="7" marL="3657600">
+            <a:lvl8pPr marL="3657600" lvl="7" indent="-298450">
               <a:spcBef>
                 <a:spcPts val="0"/>
               </a:spcBef>
@@ -464,7 +478,7 @@
               <a:buChar char="○"/>
               <a:defRPr sz="1100"/>
             </a:lvl8pPr>
-            <a:lvl9pPr indent="-298450" lvl="8" marL="4114800">
+            <a:lvl9pPr marL="4114800" lvl="8" indent="-298450">
               <a:spcBef>
                 <a:spcPts val="0"/>
               </a:spcBef>
@@ -476,14 +490,16 @@
               <a:defRPr sz="1100"/>
             </a:lvl9pPr>
           </a:lstStyle>
-          <a:p/>
+          <a:p>
+            <a:endParaRPr/>
+          </a:p>
         </p:txBody>
       </p:sp>
     </p:spTree>
   </p:cSld>
-  <p:clrMap accent1="accent1" accent2="accent2" accent3="accent3" accent4="accent4" accent5="accent5" accent6="accent6" bg1="lt1" bg2="dk2" tx1="dk1" tx2="lt2" folHlink="folHlink" hlink="hlink"/>
+  <p:clrMap bg1="lt1" tx1="dk1" bg2="dk2" tx2="lt2" accent1="accent1" accent2="accent2" accent3="accent3" accent4="accent4" accent5="accent5" accent6="accent6" hlink="hlink" folHlink="folHlink"/>
   <p:notesStyle>
-    <a:defPPr lvl="0" marR="0" rtl="0" algn="l">
+    <a:defPPr marR="0" lvl="0" algn="l" rtl="0">
       <a:lnSpc>
         <a:spcPct val="100000"/>
       </a:lnSpc>
@@ -494,7 +510,7 @@
         <a:spcPts val="0"/>
       </a:spcAft>
     </a:defPPr>
-    <a:lvl1pPr lvl="0" marR="0" rtl="0" algn="l">
+    <a:lvl1pPr marR="0" lvl="0" algn="l" rtl="0">
       <a:lnSpc>
         <a:spcPct val="100000"/>
       </a:lnSpc>
@@ -508,7 +524,7 @@
         <a:srgbClr val="000000"/>
       </a:buClr>
       <a:buFont typeface="Arial"/>
-      <a:defRPr b="0" i="0" sz="1400" u="none" cap="none" strike="noStrike">
+      <a:defRPr sz="1400" b="0" i="0" u="none" strike="noStrike" cap="none">
         <a:solidFill>
           <a:srgbClr val="000000"/>
         </a:solidFill>
@@ -518,7 +534,7 @@
         <a:sym typeface="Arial"/>
       </a:defRPr>
     </a:lvl1pPr>
-    <a:lvl2pPr lvl="1" marR="0" rtl="0" algn="l">
+    <a:lvl2pPr marR="0" lvl="1" algn="l" rtl="0">
       <a:lnSpc>
         <a:spcPct val="100000"/>
       </a:lnSpc>
@@ -532,7 +548,7 @@
         <a:srgbClr val="000000"/>
       </a:buClr>
       <a:buFont typeface="Arial"/>
-      <a:defRPr b="0" i="0" sz="1400" u="none" cap="none" strike="noStrike">
+      <a:defRPr sz="1400" b="0" i="0" u="none" strike="noStrike" cap="none">
         <a:solidFill>
           <a:srgbClr val="000000"/>
         </a:solidFill>
@@ -542,7 +558,7 @@
         <a:sym typeface="Arial"/>
       </a:defRPr>
     </a:lvl2pPr>
-    <a:lvl3pPr lvl="2" marR="0" rtl="0" algn="l">
+    <a:lvl3pPr marR="0" lvl="2" algn="l" rtl="0">
       <a:lnSpc>
         <a:spcPct val="100000"/>
       </a:lnSpc>
@@ -556,7 +572,7 @@
         <a:srgbClr val="000000"/>
       </a:buClr>
       <a:buFont typeface="Arial"/>
-      <a:defRPr b="0" i="0" sz="1400" u="none" cap="none" strike="noStrike">
+      <a:defRPr sz="1400" b="0" i="0" u="none" strike="noStrike" cap="none">
         <a:solidFill>
           <a:srgbClr val="000000"/>
         </a:solidFill>
@@ -566,7 +582,7 @@
         <a:sym typeface="Arial"/>
       </a:defRPr>
     </a:lvl3pPr>
-    <a:lvl4pPr lvl="3" marR="0" rtl="0" algn="l">
+    <a:lvl4pPr marR="0" lvl="3" algn="l" rtl="0">
       <a:lnSpc>
         <a:spcPct val="100000"/>
       </a:lnSpc>
@@ -580,7 +596,7 @@
         <a:srgbClr val="000000"/>
       </a:buClr>
       <a:buFont typeface="Arial"/>
-      <a:defRPr b="0" i="0" sz="1400" u="none" cap="none" strike="noStrike">
+      <a:defRPr sz="1400" b="0" i="0" u="none" strike="noStrike" cap="none">
         <a:solidFill>
           <a:srgbClr val="000000"/>
         </a:solidFill>
@@ -590,7 +606,7 @@
         <a:sym typeface="Arial"/>
       </a:defRPr>
     </a:lvl4pPr>
-    <a:lvl5pPr lvl="4" marR="0" rtl="0" algn="l">
+    <a:lvl5pPr marR="0" lvl="4" algn="l" rtl="0">
       <a:lnSpc>
         <a:spcPct val="100000"/>
       </a:lnSpc>
@@ -604,7 +620,7 @@
         <a:srgbClr val="000000"/>
       </a:buClr>
       <a:buFont typeface="Arial"/>
-      <a:defRPr b="0" i="0" sz="1400" u="none" cap="none" strike="noStrike">
+      <a:defRPr sz="1400" b="0" i="0" u="none" strike="noStrike" cap="none">
         <a:solidFill>
           <a:srgbClr val="000000"/>
         </a:solidFill>
@@ -614,7 +630,7 @@
         <a:sym typeface="Arial"/>
       </a:defRPr>
     </a:lvl5pPr>
-    <a:lvl6pPr lvl="5" marR="0" rtl="0" algn="l">
+    <a:lvl6pPr marR="0" lvl="5" algn="l" rtl="0">
       <a:lnSpc>
         <a:spcPct val="100000"/>
       </a:lnSpc>
@@ -628,7 +644,7 @@
         <a:srgbClr val="000000"/>
       </a:buClr>
       <a:buFont typeface="Arial"/>
-      <a:defRPr b="0" i="0" sz="1400" u="none" cap="none" strike="noStrike">
+      <a:defRPr sz="1400" b="0" i="0" u="none" strike="noStrike" cap="none">
         <a:solidFill>
           <a:srgbClr val="000000"/>
         </a:solidFill>
@@ -638,7 +654,7 @@
         <a:sym typeface="Arial"/>
       </a:defRPr>
     </a:lvl6pPr>
-    <a:lvl7pPr lvl="6" marR="0" rtl="0" algn="l">
+    <a:lvl7pPr marR="0" lvl="6" algn="l" rtl="0">
       <a:lnSpc>
         <a:spcPct val="100000"/>
       </a:lnSpc>
@@ -652,7 +668,7 @@
         <a:srgbClr val="000000"/>
       </a:buClr>
       <a:buFont typeface="Arial"/>
-      <a:defRPr b="0" i="0" sz="1400" u="none" cap="none" strike="noStrike">
+      <a:defRPr sz="1400" b="0" i="0" u="none" strike="noStrike" cap="none">
         <a:solidFill>
           <a:srgbClr val="000000"/>
         </a:solidFill>
@@ -662,7 +678,7 @@
         <a:sym typeface="Arial"/>
       </a:defRPr>
     </a:lvl7pPr>
-    <a:lvl8pPr lvl="7" marR="0" rtl="0" algn="l">
+    <a:lvl8pPr marR="0" lvl="7" algn="l" rtl="0">
       <a:lnSpc>
         <a:spcPct val="100000"/>
       </a:lnSpc>
@@ -676,7 +692,7 @@
         <a:srgbClr val="000000"/>
       </a:buClr>
       <a:buFont typeface="Arial"/>
-      <a:defRPr b="0" i="0" sz="1400" u="none" cap="none" strike="noStrike">
+      <a:defRPr sz="1400" b="0" i="0" u="none" strike="noStrike" cap="none">
         <a:solidFill>
           <a:srgbClr val="000000"/>
         </a:solidFill>
@@ -686,7 +702,7 @@
         <a:sym typeface="Arial"/>
       </a:defRPr>
     </a:lvl8pPr>
-    <a:lvl9pPr lvl="8" marR="0" rtl="0" algn="l">
+    <a:lvl9pPr marR="0" lvl="8" algn="l" rtl="0">
       <a:lnSpc>
         <a:spcPct val="100000"/>
       </a:lnSpc>
@@ -700,7 +716,7 @@
         <a:srgbClr val="000000"/>
       </a:buClr>
       <a:buFont typeface="Arial"/>
-      <a:defRPr b="0" i="0" sz="1400" u="none" cap="none" strike="noStrike">
+      <a:defRPr sz="1400" b="0" i="0" u="none" strike="noStrike" cap="none">
         <a:solidFill>
           <a:srgbClr val="000000"/>
         </a:solidFill>
@@ -715,11 +731,11 @@
 </file>
 
 <file path=ppt/notesSlides/notesSlide1.xml><?xml version="1.0" encoding="utf-8"?>
-<p:notes xmlns:a="http://schemas.openxmlformats.org/drawingml/2006/main" xmlns:r="http://schemas.openxmlformats.org/officeDocument/2006/relationships" xmlns:mc="http://schemas.openxmlformats.org/markup-compatibility/2006" xmlns:mv="urn:schemas-microsoft-com:mac:vml" xmlns:p="http://schemas.openxmlformats.org/presentationml/2006/main" xmlns:c="http://schemas.openxmlformats.org/drawingml/2006/chart" xmlns:dgm="http://schemas.openxmlformats.org/drawingml/2006/diagram" xmlns:o="urn:schemas-microsoft-com:office:office" xmlns:v="urn:schemas-microsoft-com:vml" xmlns:pvml="urn:schemas-microsoft-com:office:powerpoint" xmlns:com="http://schemas.openxmlformats.org/drawingml/2006/compatibility" xmlns:p14="http://schemas.microsoft.com/office/powerpoint/2010/main" xmlns:p15="http://schemas.microsoft.com/office/powerpoint/2012/main" xmlns:ahyp="http://schemas.microsoft.com/office/drawing/2018/hyperlinkcolor" showMasterPhAnim="0" showMasterSp="0">
+<p:notes xmlns:a="http://schemas.openxmlformats.org/drawingml/2006/main" xmlns:r="http://schemas.openxmlformats.org/officeDocument/2006/relationships" xmlns:p="http://schemas.openxmlformats.org/presentationml/2006/main" showMasterSp="0" showMasterPhAnim="0">
   <p:cSld>
     <p:spTree>
       <p:nvGrpSpPr>
-        <p:cNvPr id="55" name="Shape 55"/>
+        <p:cNvPr id="1" name="Shape 55"/>
         <p:cNvGrpSpPr/>
         <p:nvPr/>
       </p:nvGrpSpPr>
@@ -734,9 +750,11 @@
       <p:sp>
         <p:nvSpPr>
           <p:cNvPr id="56" name="Google Shape;56;g38928004ca6_0_2377:notes"/>
-          <p:cNvSpPr/>
+          <p:cNvSpPr>
+            <a:spLocks noGrp="1" noRot="1" noChangeAspect="1"/>
+          </p:cNvSpPr>
           <p:nvPr>
-            <p:ph idx="2" type="sldImg"/>
+            <p:ph type="sldImg" idx="2"/>
           </p:nvPr>
         </p:nvSpPr>
         <p:spPr>
@@ -745,9 +763,13 @@
             <a:ext cx="6096000" cy="3429000"/>
           </a:xfrm>
           <a:custGeom>
-            <a:rect b="b" l="l" r="r" t="t"/>
+            <a:avLst/>
+            <a:gdLst/>
+            <a:ahLst/>
+            <a:cxnLst/>
+            <a:rect l="l" t="t" r="r" b="b"/>
             <a:pathLst>
-              <a:path extrusionOk="0" h="120000" w="120000">
+              <a:path w="120000" h="120000" extrusionOk="0">
                 <a:moveTo>
                   <a:pt x="0" y="0"/>
                 </a:moveTo>
@@ -769,9 +791,11 @@
       <p:sp>
         <p:nvSpPr>
           <p:cNvPr id="57" name="Google Shape;57;g38928004ca6_0_2377:notes"/>
-          <p:cNvSpPr txBox="1"/>
+          <p:cNvSpPr txBox="1">
+            <a:spLocks noGrp="1"/>
+          </p:cNvSpPr>
           <p:nvPr>
-            <p:ph idx="1" type="body"/>
+            <p:ph type="body" idx="1"/>
           </p:nvPr>
         </p:nvSpPr>
         <p:spPr>
@@ -784,23 +808,20 @@
           </a:prstGeom>
         </p:spPr>
         <p:txBody>
-          <a:bodyPr anchorCtr="0" anchor="t" bIns="91425" lIns="91425" spcFirstLastPara="1" rIns="91425" wrap="square" tIns="91425">
+          <a:bodyPr spcFirstLastPara="1" wrap="square" lIns="91425" tIns="91425" rIns="91425" bIns="91425" anchor="t" anchorCtr="0">
             <a:noAutofit/>
           </a:bodyPr>
           <a:lstStyle/>
           <a:p>
-            <a:pPr indent="0" lvl="0" marL="0" rtl="0" algn="l">
-              <a:spcBef>
-                <a:spcPts val="0"/>
-              </a:spcBef>
-              <a:spcAft>
-                <a:spcPts val="0"/>
-              </a:spcAft>
-              <a:buNone/>
-            </a:pPr>
-            <a:r>
-              <a:t/>
-            </a:r>
+            <a:pPr marL="0" lvl="0" indent="0" algn="l" rtl="0">
+              <a:spcBef>
+                <a:spcPts val="0"/>
+              </a:spcBef>
+              <a:spcAft>
+                <a:spcPts val="0"/>
+              </a:spcAft>
+              <a:buNone/>
+            </a:pPr>
             <a:endParaRPr/>
           </a:p>
         </p:txBody>
@@ -814,11 +835,11 @@
 </file>
 
 <file path=ppt/notesSlides/notesSlide10.xml><?xml version="1.0" encoding="utf-8"?>
-<p:notes xmlns:a="http://schemas.openxmlformats.org/drawingml/2006/main" xmlns:r="http://schemas.openxmlformats.org/officeDocument/2006/relationships" xmlns:mc="http://schemas.openxmlformats.org/markup-compatibility/2006" xmlns:mv="urn:schemas-microsoft-com:mac:vml" xmlns:p="http://schemas.openxmlformats.org/presentationml/2006/main" xmlns:c="http://schemas.openxmlformats.org/drawingml/2006/chart" xmlns:dgm="http://schemas.openxmlformats.org/drawingml/2006/diagram" xmlns:o="urn:schemas-microsoft-com:office:office" xmlns:v="urn:schemas-microsoft-com:vml" xmlns:pvml="urn:schemas-microsoft-com:office:powerpoint" xmlns:com="http://schemas.openxmlformats.org/drawingml/2006/compatibility" xmlns:p14="http://schemas.microsoft.com/office/powerpoint/2010/main" xmlns:p15="http://schemas.microsoft.com/office/powerpoint/2012/main" xmlns:ahyp="http://schemas.microsoft.com/office/drawing/2018/hyperlinkcolor" showMasterPhAnim="0" showMasterSp="0">
+<p:notes xmlns:a="http://schemas.openxmlformats.org/drawingml/2006/main" xmlns:r="http://schemas.openxmlformats.org/officeDocument/2006/relationships" xmlns:p="http://schemas.openxmlformats.org/presentationml/2006/main" showMasterSp="0" showMasterPhAnim="0">
   <p:cSld>
     <p:spTree>
       <p:nvGrpSpPr>
-        <p:cNvPr id="107" name="Shape 107"/>
+        <p:cNvPr id="1" name="Shape 107"/>
         <p:cNvGrpSpPr/>
         <p:nvPr/>
       </p:nvGrpSpPr>
@@ -833,9 +854,11 @@
       <p:sp>
         <p:nvSpPr>
           <p:cNvPr id="108" name="Google Shape;108;g39fa457f8e3_1_0:notes"/>
-          <p:cNvSpPr/>
+          <p:cNvSpPr>
+            <a:spLocks noGrp="1" noRot="1" noChangeAspect="1"/>
+          </p:cNvSpPr>
           <p:nvPr>
-            <p:ph idx="2" type="sldImg"/>
+            <p:ph type="sldImg" idx="2"/>
           </p:nvPr>
         </p:nvSpPr>
         <p:spPr>
@@ -844,9 +867,13 @@
             <a:ext cx="6096000" cy="3429000"/>
           </a:xfrm>
           <a:custGeom>
-            <a:rect b="b" l="l" r="r" t="t"/>
+            <a:avLst/>
+            <a:gdLst/>
+            <a:ahLst/>
+            <a:cxnLst/>
+            <a:rect l="l" t="t" r="r" b="b"/>
             <a:pathLst>
-              <a:path extrusionOk="0" h="120000" w="120000">
+              <a:path w="120000" h="120000" extrusionOk="0">
                 <a:moveTo>
                   <a:pt x="0" y="0"/>
                 </a:moveTo>
@@ -868,9 +895,11 @@
       <p:sp>
         <p:nvSpPr>
           <p:cNvPr id="109" name="Google Shape;109;g39fa457f8e3_1_0:notes"/>
-          <p:cNvSpPr txBox="1"/>
+          <p:cNvSpPr txBox="1">
+            <a:spLocks noGrp="1"/>
+          </p:cNvSpPr>
           <p:nvPr>
-            <p:ph idx="1" type="body"/>
+            <p:ph type="body" idx="1"/>
           </p:nvPr>
         </p:nvSpPr>
         <p:spPr>
@@ -883,23 +912,20 @@
           </a:prstGeom>
         </p:spPr>
         <p:txBody>
-          <a:bodyPr anchorCtr="0" anchor="t" bIns="91425" lIns="91425" spcFirstLastPara="1" rIns="91425" wrap="square" tIns="91425">
+          <a:bodyPr spcFirstLastPara="1" wrap="square" lIns="91425" tIns="91425" rIns="91425" bIns="91425" anchor="t" anchorCtr="0">
             <a:noAutofit/>
           </a:bodyPr>
           <a:lstStyle/>
           <a:p>
-            <a:pPr indent="0" lvl="0" marL="0" rtl="0" algn="l">
-              <a:spcBef>
-                <a:spcPts val="0"/>
-              </a:spcBef>
-              <a:spcAft>
-                <a:spcPts val="0"/>
-              </a:spcAft>
-              <a:buNone/>
-            </a:pPr>
-            <a:r>
-              <a:t/>
-            </a:r>
+            <a:pPr marL="0" lvl="0" indent="0" algn="l" rtl="0">
+              <a:spcBef>
+                <a:spcPts val="0"/>
+              </a:spcBef>
+              <a:spcAft>
+                <a:spcPts val="0"/>
+              </a:spcAft>
+              <a:buNone/>
+            </a:pPr>
             <a:endParaRPr/>
           </a:p>
         </p:txBody>
@@ -913,11 +939,11 @@
 </file>
 
 <file path=ppt/notesSlides/notesSlide11.xml><?xml version="1.0" encoding="utf-8"?>
-<p:notes xmlns:a="http://schemas.openxmlformats.org/drawingml/2006/main" xmlns:r="http://schemas.openxmlformats.org/officeDocument/2006/relationships" xmlns:mc="http://schemas.openxmlformats.org/markup-compatibility/2006" xmlns:mv="urn:schemas-microsoft-com:mac:vml" xmlns:p="http://schemas.openxmlformats.org/presentationml/2006/main" xmlns:c="http://schemas.openxmlformats.org/drawingml/2006/chart" xmlns:dgm="http://schemas.openxmlformats.org/drawingml/2006/diagram" xmlns:o="urn:schemas-microsoft-com:office:office" xmlns:v="urn:schemas-microsoft-com:vml" xmlns:pvml="urn:schemas-microsoft-com:office:powerpoint" xmlns:com="http://schemas.openxmlformats.org/drawingml/2006/compatibility" xmlns:p14="http://schemas.microsoft.com/office/powerpoint/2010/main" xmlns:p15="http://schemas.microsoft.com/office/powerpoint/2012/main" xmlns:ahyp="http://schemas.microsoft.com/office/drawing/2018/hyperlinkcolor" showMasterPhAnim="0" showMasterSp="0">
+<p:notes xmlns:a="http://schemas.openxmlformats.org/drawingml/2006/main" xmlns:r="http://schemas.openxmlformats.org/officeDocument/2006/relationships" xmlns:p="http://schemas.openxmlformats.org/presentationml/2006/main" showMasterSp="0" showMasterPhAnim="0">
   <p:cSld>
     <p:spTree>
       <p:nvGrpSpPr>
-        <p:cNvPr id="113" name="Shape 113"/>
+        <p:cNvPr id="1" name="Shape 113"/>
         <p:cNvGrpSpPr/>
         <p:nvPr/>
       </p:nvGrpSpPr>
@@ -932,9 +958,11 @@
       <p:sp>
         <p:nvSpPr>
           <p:cNvPr id="114" name="Google Shape;114;g39fa457f8e3_1_20:notes"/>
-          <p:cNvSpPr/>
+          <p:cNvSpPr>
+            <a:spLocks noGrp="1" noRot="1" noChangeAspect="1"/>
+          </p:cNvSpPr>
           <p:nvPr>
-            <p:ph idx="2" type="sldImg"/>
+            <p:ph type="sldImg" idx="2"/>
           </p:nvPr>
         </p:nvSpPr>
         <p:spPr>
@@ -943,9 +971,13 @@
             <a:ext cx="6096000" cy="3429000"/>
           </a:xfrm>
           <a:custGeom>
-            <a:rect b="b" l="l" r="r" t="t"/>
+            <a:avLst/>
+            <a:gdLst/>
+            <a:ahLst/>
+            <a:cxnLst/>
+            <a:rect l="l" t="t" r="r" b="b"/>
             <a:pathLst>
-              <a:path extrusionOk="0" h="120000" w="120000">
+              <a:path w="120000" h="120000" extrusionOk="0">
                 <a:moveTo>
                   <a:pt x="0" y="0"/>
                 </a:moveTo>
@@ -967,9 +999,11 @@
       <p:sp>
         <p:nvSpPr>
           <p:cNvPr id="115" name="Google Shape;115;g39fa457f8e3_1_20:notes"/>
-          <p:cNvSpPr txBox="1"/>
+          <p:cNvSpPr txBox="1">
+            <a:spLocks noGrp="1"/>
+          </p:cNvSpPr>
           <p:nvPr>
-            <p:ph idx="1" type="body"/>
+            <p:ph type="body" idx="1"/>
           </p:nvPr>
         </p:nvSpPr>
         <p:spPr>
@@ -982,23 +1016,20 @@
           </a:prstGeom>
         </p:spPr>
         <p:txBody>
-          <a:bodyPr anchorCtr="0" anchor="t" bIns="91425" lIns="91425" spcFirstLastPara="1" rIns="91425" wrap="square" tIns="91425">
+          <a:bodyPr spcFirstLastPara="1" wrap="square" lIns="91425" tIns="91425" rIns="91425" bIns="91425" anchor="t" anchorCtr="0">
             <a:noAutofit/>
           </a:bodyPr>
           <a:lstStyle/>
           <a:p>
-            <a:pPr indent="0" lvl="0" marL="0" rtl="0" algn="l">
-              <a:spcBef>
-                <a:spcPts val="0"/>
-              </a:spcBef>
-              <a:spcAft>
-                <a:spcPts val="0"/>
-              </a:spcAft>
-              <a:buNone/>
-            </a:pPr>
-            <a:r>
-              <a:t/>
-            </a:r>
+            <a:pPr marL="0" lvl="0" indent="0" algn="l" rtl="0">
+              <a:spcBef>
+                <a:spcPts val="0"/>
+              </a:spcBef>
+              <a:spcAft>
+                <a:spcPts val="0"/>
+              </a:spcAft>
+              <a:buNone/>
+            </a:pPr>
             <a:endParaRPr/>
           </a:p>
         </p:txBody>
@@ -1012,11 +1043,11 @@
 </file>
 
 <file path=ppt/notesSlides/notesSlide12.xml><?xml version="1.0" encoding="utf-8"?>
-<p:notes xmlns:a="http://schemas.openxmlformats.org/drawingml/2006/main" xmlns:r="http://schemas.openxmlformats.org/officeDocument/2006/relationships" xmlns:mc="http://schemas.openxmlformats.org/markup-compatibility/2006" xmlns:mv="urn:schemas-microsoft-com:mac:vml" xmlns:p="http://schemas.openxmlformats.org/presentationml/2006/main" xmlns:c="http://schemas.openxmlformats.org/drawingml/2006/chart" xmlns:dgm="http://schemas.openxmlformats.org/drawingml/2006/diagram" xmlns:o="urn:schemas-microsoft-com:office:office" xmlns:v="urn:schemas-microsoft-com:vml" xmlns:pvml="urn:schemas-microsoft-com:office:powerpoint" xmlns:com="http://schemas.openxmlformats.org/drawingml/2006/compatibility" xmlns:p14="http://schemas.microsoft.com/office/powerpoint/2010/main" xmlns:p15="http://schemas.microsoft.com/office/powerpoint/2012/main" xmlns:ahyp="http://schemas.microsoft.com/office/drawing/2018/hyperlinkcolor" showMasterPhAnim="0" showMasterSp="0">
+<p:notes xmlns:a="http://schemas.openxmlformats.org/drawingml/2006/main" xmlns:r="http://schemas.openxmlformats.org/officeDocument/2006/relationships" xmlns:p="http://schemas.openxmlformats.org/presentationml/2006/main" showMasterSp="0" showMasterPhAnim="0">
   <p:cSld>
     <p:spTree>
       <p:nvGrpSpPr>
-        <p:cNvPr id="118" name="Shape 118"/>
+        <p:cNvPr id="1" name="Shape 118"/>
         <p:cNvGrpSpPr/>
         <p:nvPr/>
       </p:nvGrpSpPr>
@@ -1031,20 +1062,26 @@
       <p:sp>
         <p:nvSpPr>
           <p:cNvPr id="119" name="Google Shape;119;g39fa457f8e3_0_5:notes"/>
-          <p:cNvSpPr/>
+          <p:cNvSpPr>
+            <a:spLocks noGrp="1" noRot="1" noChangeAspect="1"/>
+          </p:cNvSpPr>
           <p:nvPr>
-            <p:ph idx="2" type="sldImg"/>
+            <p:ph type="sldImg" idx="2"/>
           </p:nvPr>
         </p:nvSpPr>
         <p:spPr>
           <a:xfrm>
-            <a:off x="381300" y="685800"/>
+            <a:off x="381000" y="685800"/>
             <a:ext cx="6096000" cy="3429000"/>
           </a:xfrm>
           <a:custGeom>
-            <a:rect b="b" l="l" r="r" t="t"/>
+            <a:avLst/>
+            <a:gdLst/>
+            <a:ahLst/>
+            <a:cxnLst/>
+            <a:rect l="l" t="t" r="r" b="b"/>
             <a:pathLst>
-              <a:path extrusionOk="0" h="120000" w="120000">
+              <a:path w="120000" h="120000" extrusionOk="0">
                 <a:moveTo>
                   <a:pt x="0" y="0"/>
                 </a:moveTo>
@@ -1066,9 +1103,11 @@
       <p:sp>
         <p:nvSpPr>
           <p:cNvPr id="120" name="Google Shape;120;g39fa457f8e3_0_5:notes"/>
-          <p:cNvSpPr txBox="1"/>
+          <p:cNvSpPr txBox="1">
+            <a:spLocks noGrp="1"/>
+          </p:cNvSpPr>
           <p:nvPr>
-            <p:ph idx="1" type="body"/>
+            <p:ph type="body" idx="1"/>
           </p:nvPr>
         </p:nvSpPr>
         <p:spPr>
@@ -1081,23 +1120,20 @@
           </a:prstGeom>
         </p:spPr>
         <p:txBody>
-          <a:bodyPr anchorCtr="0" anchor="t" bIns="91425" lIns="91425" spcFirstLastPara="1" rIns="91425" wrap="square" tIns="91425">
+          <a:bodyPr spcFirstLastPara="1" wrap="square" lIns="91425" tIns="91425" rIns="91425" bIns="91425" anchor="t" anchorCtr="0">
             <a:noAutofit/>
           </a:bodyPr>
           <a:lstStyle/>
           <a:p>
-            <a:pPr indent="0" lvl="0" marL="0" rtl="0" algn="l">
-              <a:spcBef>
-                <a:spcPts val="0"/>
-              </a:spcBef>
-              <a:spcAft>
-                <a:spcPts val="0"/>
-              </a:spcAft>
-              <a:buNone/>
-            </a:pPr>
-            <a:r>
-              <a:t/>
-            </a:r>
+            <a:pPr marL="0" lvl="0" indent="0" algn="l" rtl="0">
+              <a:spcBef>
+                <a:spcPts val="0"/>
+              </a:spcBef>
+              <a:spcAft>
+                <a:spcPts val="0"/>
+              </a:spcAft>
+              <a:buNone/>
+            </a:pPr>
             <a:endParaRPr/>
           </a:p>
         </p:txBody>
@@ -1111,11 +1147,11 @@
 </file>
 
 <file path=ppt/notesSlides/notesSlide13.xml><?xml version="1.0" encoding="utf-8"?>
-<p:notes xmlns:a="http://schemas.openxmlformats.org/drawingml/2006/main" xmlns:r="http://schemas.openxmlformats.org/officeDocument/2006/relationships" xmlns:mc="http://schemas.openxmlformats.org/markup-compatibility/2006" xmlns:mv="urn:schemas-microsoft-com:mac:vml" xmlns:p="http://schemas.openxmlformats.org/presentationml/2006/main" xmlns:c="http://schemas.openxmlformats.org/drawingml/2006/chart" xmlns:dgm="http://schemas.openxmlformats.org/drawingml/2006/diagram" xmlns:o="urn:schemas-microsoft-com:office:office" xmlns:v="urn:schemas-microsoft-com:vml" xmlns:pvml="urn:schemas-microsoft-com:office:powerpoint" xmlns:com="http://schemas.openxmlformats.org/drawingml/2006/compatibility" xmlns:p14="http://schemas.microsoft.com/office/powerpoint/2010/main" xmlns:p15="http://schemas.microsoft.com/office/powerpoint/2012/main" xmlns:ahyp="http://schemas.microsoft.com/office/drawing/2018/hyperlinkcolor" showMasterPhAnim="0" showMasterSp="0">
+<p:notes xmlns:a="http://schemas.openxmlformats.org/drawingml/2006/main" xmlns:r="http://schemas.openxmlformats.org/officeDocument/2006/relationships" xmlns:p="http://schemas.openxmlformats.org/presentationml/2006/main" showMasterSp="0" showMasterPhAnim="0">
   <p:cSld>
     <p:spTree>
       <p:nvGrpSpPr>
-        <p:cNvPr id="124" name="Shape 124"/>
+        <p:cNvPr id="1" name="Shape 124"/>
         <p:cNvGrpSpPr/>
         <p:nvPr/>
       </p:nvGrpSpPr>
@@ -1130,9 +1166,11 @@
       <p:sp>
         <p:nvSpPr>
           <p:cNvPr id="125" name="Google Shape;125;g39fa457f8e3_1_25:notes"/>
-          <p:cNvSpPr/>
+          <p:cNvSpPr>
+            <a:spLocks noGrp="1" noRot="1" noChangeAspect="1"/>
+          </p:cNvSpPr>
           <p:nvPr>
-            <p:ph idx="2" type="sldImg"/>
+            <p:ph type="sldImg" idx="2"/>
           </p:nvPr>
         </p:nvSpPr>
         <p:spPr>
@@ -1141,9 +1179,13 @@
             <a:ext cx="6096000" cy="3429000"/>
           </a:xfrm>
           <a:custGeom>
-            <a:rect b="b" l="l" r="r" t="t"/>
+            <a:avLst/>
+            <a:gdLst/>
+            <a:ahLst/>
+            <a:cxnLst/>
+            <a:rect l="l" t="t" r="r" b="b"/>
             <a:pathLst>
-              <a:path extrusionOk="0" h="120000" w="120000">
+              <a:path w="120000" h="120000" extrusionOk="0">
                 <a:moveTo>
                   <a:pt x="0" y="0"/>
                 </a:moveTo>
@@ -1165,9 +1207,11 @@
       <p:sp>
         <p:nvSpPr>
           <p:cNvPr id="126" name="Google Shape;126;g39fa457f8e3_1_25:notes"/>
-          <p:cNvSpPr txBox="1"/>
+          <p:cNvSpPr txBox="1">
+            <a:spLocks noGrp="1"/>
+          </p:cNvSpPr>
           <p:nvPr>
-            <p:ph idx="1" type="body"/>
+            <p:ph type="body" idx="1"/>
           </p:nvPr>
         </p:nvSpPr>
         <p:spPr>
@@ -1180,23 +1224,20 @@
           </a:prstGeom>
         </p:spPr>
         <p:txBody>
-          <a:bodyPr anchorCtr="0" anchor="t" bIns="91425" lIns="91425" spcFirstLastPara="1" rIns="91425" wrap="square" tIns="91425">
+          <a:bodyPr spcFirstLastPara="1" wrap="square" lIns="91425" tIns="91425" rIns="91425" bIns="91425" anchor="t" anchorCtr="0">
             <a:noAutofit/>
           </a:bodyPr>
           <a:lstStyle/>
           <a:p>
-            <a:pPr indent="0" lvl="0" marL="0" rtl="0" algn="l">
-              <a:spcBef>
-                <a:spcPts val="0"/>
-              </a:spcBef>
-              <a:spcAft>
-                <a:spcPts val="0"/>
-              </a:spcAft>
-              <a:buNone/>
-            </a:pPr>
-            <a:r>
-              <a:t/>
-            </a:r>
+            <a:pPr marL="0" lvl="0" indent="0" algn="l" rtl="0">
+              <a:spcBef>
+                <a:spcPts val="0"/>
+              </a:spcBef>
+              <a:spcAft>
+                <a:spcPts val="0"/>
+              </a:spcAft>
+              <a:buNone/>
+            </a:pPr>
             <a:endParaRPr/>
           </a:p>
         </p:txBody>
@@ -1210,11 +1251,11 @@
 </file>
 
 <file path=ppt/notesSlides/notesSlide14.xml><?xml version="1.0" encoding="utf-8"?>
-<p:notes xmlns:a="http://schemas.openxmlformats.org/drawingml/2006/main" xmlns:r="http://schemas.openxmlformats.org/officeDocument/2006/relationships" xmlns:mc="http://schemas.openxmlformats.org/markup-compatibility/2006" xmlns:mv="urn:schemas-microsoft-com:mac:vml" xmlns:p="http://schemas.openxmlformats.org/presentationml/2006/main" xmlns:c="http://schemas.openxmlformats.org/drawingml/2006/chart" xmlns:dgm="http://schemas.openxmlformats.org/drawingml/2006/diagram" xmlns:o="urn:schemas-microsoft-com:office:office" xmlns:v="urn:schemas-microsoft-com:vml" xmlns:pvml="urn:schemas-microsoft-com:office:powerpoint" xmlns:com="http://schemas.openxmlformats.org/drawingml/2006/compatibility" xmlns:p14="http://schemas.microsoft.com/office/powerpoint/2010/main" xmlns:p15="http://schemas.microsoft.com/office/powerpoint/2012/main" xmlns:ahyp="http://schemas.microsoft.com/office/drawing/2018/hyperlinkcolor" showMasterPhAnim="0" showMasterSp="0">
+<p:notes xmlns:a="http://schemas.openxmlformats.org/drawingml/2006/main" xmlns:r="http://schemas.openxmlformats.org/officeDocument/2006/relationships" xmlns:p="http://schemas.openxmlformats.org/presentationml/2006/main" showMasterSp="0" showMasterPhAnim="0">
   <p:cSld>
     <p:spTree>
       <p:nvGrpSpPr>
-        <p:cNvPr id="131" name="Shape 131"/>
+        <p:cNvPr id="1" name="Shape 131"/>
         <p:cNvGrpSpPr/>
         <p:nvPr/>
       </p:nvGrpSpPr>
@@ -1229,9 +1270,11 @@
       <p:sp>
         <p:nvSpPr>
           <p:cNvPr id="132" name="Google Shape;132;g3893396b290_1_6:notes"/>
-          <p:cNvSpPr/>
+          <p:cNvSpPr>
+            <a:spLocks noGrp="1" noRot="1" noChangeAspect="1"/>
+          </p:cNvSpPr>
           <p:nvPr>
-            <p:ph idx="2" type="sldImg"/>
+            <p:ph type="sldImg" idx="2"/>
           </p:nvPr>
         </p:nvSpPr>
         <p:spPr>
@@ -1240,9 +1283,13 @@
             <a:ext cx="6096000" cy="3429000"/>
           </a:xfrm>
           <a:custGeom>
-            <a:rect b="b" l="l" r="r" t="t"/>
+            <a:avLst/>
+            <a:gdLst/>
+            <a:ahLst/>
+            <a:cxnLst/>
+            <a:rect l="l" t="t" r="r" b="b"/>
             <a:pathLst>
-              <a:path extrusionOk="0" h="120000" w="120000">
+              <a:path w="120000" h="120000" extrusionOk="0">
                 <a:moveTo>
                   <a:pt x="0" y="0"/>
                 </a:moveTo>
@@ -1264,9 +1311,11 @@
       <p:sp>
         <p:nvSpPr>
           <p:cNvPr id="133" name="Google Shape;133;g3893396b290_1_6:notes"/>
-          <p:cNvSpPr txBox="1"/>
+          <p:cNvSpPr txBox="1">
+            <a:spLocks noGrp="1"/>
+          </p:cNvSpPr>
           <p:nvPr>
-            <p:ph idx="1" type="body"/>
+            <p:ph type="body" idx="1"/>
           </p:nvPr>
         </p:nvSpPr>
         <p:spPr>
@@ -1279,23 +1328,20 @@
           </a:prstGeom>
         </p:spPr>
         <p:txBody>
-          <a:bodyPr anchorCtr="0" anchor="t" bIns="91425" lIns="91425" spcFirstLastPara="1" rIns="91425" wrap="square" tIns="91425">
+          <a:bodyPr spcFirstLastPara="1" wrap="square" lIns="91425" tIns="91425" rIns="91425" bIns="91425" anchor="t" anchorCtr="0">
             <a:noAutofit/>
           </a:bodyPr>
           <a:lstStyle/>
           <a:p>
-            <a:pPr indent="0" lvl="0" marL="0" rtl="0" algn="l">
-              <a:spcBef>
-                <a:spcPts val="0"/>
-              </a:spcBef>
-              <a:spcAft>
-                <a:spcPts val="0"/>
-              </a:spcAft>
-              <a:buNone/>
-            </a:pPr>
-            <a:r>
-              <a:t/>
-            </a:r>
+            <a:pPr marL="0" lvl="0" indent="0" algn="l" rtl="0">
+              <a:spcBef>
+                <a:spcPts val="0"/>
+              </a:spcBef>
+              <a:spcAft>
+                <a:spcPts val="0"/>
+              </a:spcAft>
+              <a:buNone/>
+            </a:pPr>
             <a:endParaRPr/>
           </a:p>
         </p:txBody>
@@ -1309,11 +1355,11 @@
 </file>
 
 <file path=ppt/notesSlides/notesSlide15.xml><?xml version="1.0" encoding="utf-8"?>
-<p:notes xmlns:a="http://schemas.openxmlformats.org/drawingml/2006/main" xmlns:r="http://schemas.openxmlformats.org/officeDocument/2006/relationships" xmlns:mc="http://schemas.openxmlformats.org/markup-compatibility/2006" xmlns:mv="urn:schemas-microsoft-com:mac:vml" xmlns:p="http://schemas.openxmlformats.org/presentationml/2006/main" xmlns:c="http://schemas.openxmlformats.org/drawingml/2006/chart" xmlns:dgm="http://schemas.openxmlformats.org/drawingml/2006/diagram" xmlns:o="urn:schemas-microsoft-com:office:office" xmlns:v="urn:schemas-microsoft-com:vml" xmlns:pvml="urn:schemas-microsoft-com:office:powerpoint" xmlns:com="http://schemas.openxmlformats.org/drawingml/2006/compatibility" xmlns:p14="http://schemas.microsoft.com/office/powerpoint/2010/main" xmlns:p15="http://schemas.microsoft.com/office/powerpoint/2012/main" xmlns:ahyp="http://schemas.microsoft.com/office/drawing/2018/hyperlinkcolor" showMasterPhAnim="0" showMasterSp="0">
+<p:notes xmlns:a="http://schemas.openxmlformats.org/drawingml/2006/main" xmlns:r="http://schemas.openxmlformats.org/officeDocument/2006/relationships" xmlns:p="http://schemas.openxmlformats.org/presentationml/2006/main" showMasterSp="0" showMasterPhAnim="0">
   <p:cSld>
     <p:spTree>
       <p:nvGrpSpPr>
-        <p:cNvPr id="137" name="Shape 137"/>
+        <p:cNvPr id="1" name="Shape 137"/>
         <p:cNvGrpSpPr/>
         <p:nvPr/>
       </p:nvGrpSpPr>
@@ -1328,9 +1374,11 @@
       <p:sp>
         <p:nvSpPr>
           <p:cNvPr id="138" name="Google Shape;138;g389550eb5c3_2_13:notes"/>
-          <p:cNvSpPr/>
+          <p:cNvSpPr>
+            <a:spLocks noGrp="1" noRot="1" noChangeAspect="1"/>
+          </p:cNvSpPr>
           <p:nvPr>
-            <p:ph idx="2" type="sldImg"/>
+            <p:ph type="sldImg" idx="2"/>
           </p:nvPr>
         </p:nvSpPr>
         <p:spPr>
@@ -1339,9 +1387,13 @@
             <a:ext cx="6096000" cy="3429000"/>
           </a:xfrm>
           <a:custGeom>
-            <a:rect b="b" l="l" r="r" t="t"/>
+            <a:avLst/>
+            <a:gdLst/>
+            <a:ahLst/>
+            <a:cxnLst/>
+            <a:rect l="l" t="t" r="r" b="b"/>
             <a:pathLst>
-              <a:path extrusionOk="0" h="120000" w="120000">
+              <a:path w="120000" h="120000" extrusionOk="0">
                 <a:moveTo>
                   <a:pt x="0" y="0"/>
                 </a:moveTo>
@@ -1363,9 +1415,11 @@
       <p:sp>
         <p:nvSpPr>
           <p:cNvPr id="139" name="Google Shape;139;g389550eb5c3_2_13:notes"/>
-          <p:cNvSpPr txBox="1"/>
+          <p:cNvSpPr txBox="1">
+            <a:spLocks noGrp="1"/>
+          </p:cNvSpPr>
           <p:nvPr>
-            <p:ph idx="1" type="body"/>
+            <p:ph type="body" idx="1"/>
           </p:nvPr>
         </p:nvSpPr>
         <p:spPr>
@@ -1378,23 +1432,20 @@
           </a:prstGeom>
         </p:spPr>
         <p:txBody>
-          <a:bodyPr anchorCtr="0" anchor="t" bIns="91425" lIns="91425" spcFirstLastPara="1" rIns="91425" wrap="square" tIns="91425">
+          <a:bodyPr spcFirstLastPara="1" wrap="square" lIns="91425" tIns="91425" rIns="91425" bIns="91425" anchor="t" anchorCtr="0">
             <a:noAutofit/>
           </a:bodyPr>
           <a:lstStyle/>
           <a:p>
-            <a:pPr indent="0" lvl="0" marL="0" rtl="0" algn="l">
-              <a:spcBef>
-                <a:spcPts val="0"/>
-              </a:spcBef>
-              <a:spcAft>
-                <a:spcPts val="0"/>
-              </a:spcAft>
-              <a:buNone/>
-            </a:pPr>
-            <a:r>
-              <a:t/>
-            </a:r>
+            <a:pPr marL="0" lvl="0" indent="0" algn="l" rtl="0">
+              <a:spcBef>
+                <a:spcPts val="0"/>
+              </a:spcBef>
+              <a:spcAft>
+                <a:spcPts val="0"/>
+              </a:spcAft>
+              <a:buNone/>
+            </a:pPr>
             <a:endParaRPr/>
           </a:p>
         </p:txBody>
@@ -1408,11 +1459,11 @@
 </file>
 
 <file path=ppt/notesSlides/notesSlide16.xml><?xml version="1.0" encoding="utf-8"?>
-<p:notes xmlns:a="http://schemas.openxmlformats.org/drawingml/2006/main" xmlns:r="http://schemas.openxmlformats.org/officeDocument/2006/relationships" xmlns:mc="http://schemas.openxmlformats.org/markup-compatibility/2006" xmlns:mv="urn:schemas-microsoft-com:mac:vml" xmlns:p="http://schemas.openxmlformats.org/presentationml/2006/main" xmlns:c="http://schemas.openxmlformats.org/drawingml/2006/chart" xmlns:dgm="http://schemas.openxmlformats.org/drawingml/2006/diagram" xmlns:o="urn:schemas-microsoft-com:office:office" xmlns:v="urn:schemas-microsoft-com:vml" xmlns:pvml="urn:schemas-microsoft-com:office:powerpoint" xmlns:com="http://schemas.openxmlformats.org/drawingml/2006/compatibility" xmlns:p14="http://schemas.microsoft.com/office/powerpoint/2010/main" xmlns:p15="http://schemas.microsoft.com/office/powerpoint/2012/main" xmlns:ahyp="http://schemas.microsoft.com/office/drawing/2018/hyperlinkcolor" showMasterPhAnim="0" showMasterSp="0">
+<p:notes xmlns:a="http://schemas.openxmlformats.org/drawingml/2006/main" xmlns:r="http://schemas.openxmlformats.org/officeDocument/2006/relationships" xmlns:p="http://schemas.openxmlformats.org/presentationml/2006/main" showMasterSp="0" showMasterPhAnim="0">
   <p:cSld>
     <p:spTree>
       <p:nvGrpSpPr>
-        <p:cNvPr id="143" name="Shape 143"/>
+        <p:cNvPr id="1" name="Shape 143"/>
         <p:cNvGrpSpPr/>
         <p:nvPr/>
       </p:nvGrpSpPr>
@@ -1427,9 +1478,11 @@
       <p:sp>
         <p:nvSpPr>
           <p:cNvPr id="144" name="Google Shape;144;g385d2f78287_0_0:notes"/>
-          <p:cNvSpPr/>
+          <p:cNvSpPr>
+            <a:spLocks noGrp="1" noRot="1" noChangeAspect="1"/>
+          </p:cNvSpPr>
           <p:nvPr>
-            <p:ph idx="2" type="sldImg"/>
+            <p:ph type="sldImg" idx="2"/>
           </p:nvPr>
         </p:nvSpPr>
         <p:spPr>
@@ -1438,9 +1491,13 @@
             <a:ext cx="6096000" cy="3429000"/>
           </a:xfrm>
           <a:custGeom>
-            <a:rect b="b" l="l" r="r" t="t"/>
+            <a:avLst/>
+            <a:gdLst/>
+            <a:ahLst/>
+            <a:cxnLst/>
+            <a:rect l="l" t="t" r="r" b="b"/>
             <a:pathLst>
-              <a:path extrusionOk="0" h="120000" w="120000">
+              <a:path w="120000" h="120000" extrusionOk="0">
                 <a:moveTo>
                   <a:pt x="0" y="0"/>
                 </a:moveTo>
@@ -1462,9 +1519,11 @@
       <p:sp>
         <p:nvSpPr>
           <p:cNvPr id="145" name="Google Shape;145;g385d2f78287_0_0:notes"/>
-          <p:cNvSpPr txBox="1"/>
+          <p:cNvSpPr txBox="1">
+            <a:spLocks noGrp="1"/>
+          </p:cNvSpPr>
           <p:nvPr>
-            <p:ph idx="1" type="body"/>
+            <p:ph type="body" idx="1"/>
           </p:nvPr>
         </p:nvSpPr>
         <p:spPr>
@@ -1477,23 +1536,20 @@
           </a:prstGeom>
         </p:spPr>
         <p:txBody>
-          <a:bodyPr anchorCtr="0" anchor="t" bIns="91425" lIns="91425" spcFirstLastPara="1" rIns="91425" wrap="square" tIns="91425">
+          <a:bodyPr spcFirstLastPara="1" wrap="square" lIns="91425" tIns="91425" rIns="91425" bIns="91425" anchor="t" anchorCtr="0">
             <a:noAutofit/>
           </a:bodyPr>
           <a:lstStyle/>
           <a:p>
-            <a:pPr indent="0" lvl="0" marL="0" rtl="0" algn="l">
-              <a:spcBef>
-                <a:spcPts val="0"/>
-              </a:spcBef>
-              <a:spcAft>
-                <a:spcPts val="0"/>
-              </a:spcAft>
-              <a:buNone/>
-            </a:pPr>
-            <a:r>
-              <a:t/>
-            </a:r>
+            <a:pPr marL="0" lvl="0" indent="0" algn="l" rtl="0">
+              <a:spcBef>
+                <a:spcPts val="0"/>
+              </a:spcBef>
+              <a:spcAft>
+                <a:spcPts val="0"/>
+              </a:spcAft>
+              <a:buNone/>
+            </a:pPr>
             <a:endParaRPr/>
           </a:p>
         </p:txBody>
@@ -1507,11 +1563,11 @@
 </file>
 
 <file path=ppt/notesSlides/notesSlide17.xml><?xml version="1.0" encoding="utf-8"?>
-<p:notes xmlns:a="http://schemas.openxmlformats.org/drawingml/2006/main" xmlns:r="http://schemas.openxmlformats.org/officeDocument/2006/relationships" xmlns:mc="http://schemas.openxmlformats.org/markup-compatibility/2006" xmlns:mv="urn:schemas-microsoft-com:mac:vml" xmlns:p="http://schemas.openxmlformats.org/presentationml/2006/main" xmlns:c="http://schemas.openxmlformats.org/drawingml/2006/chart" xmlns:dgm="http://schemas.openxmlformats.org/drawingml/2006/diagram" xmlns:o="urn:schemas-microsoft-com:office:office" xmlns:v="urn:schemas-microsoft-com:vml" xmlns:pvml="urn:schemas-microsoft-com:office:powerpoint" xmlns:com="http://schemas.openxmlformats.org/drawingml/2006/compatibility" xmlns:p14="http://schemas.microsoft.com/office/powerpoint/2010/main" xmlns:p15="http://schemas.microsoft.com/office/powerpoint/2012/main" xmlns:ahyp="http://schemas.microsoft.com/office/drawing/2018/hyperlinkcolor" showMasterPhAnim="0" showMasterSp="0">
+<p:notes xmlns:a="http://schemas.openxmlformats.org/drawingml/2006/main" xmlns:r="http://schemas.openxmlformats.org/officeDocument/2006/relationships" xmlns:p="http://schemas.openxmlformats.org/presentationml/2006/main" showMasterSp="0" showMasterPhAnim="0">
   <p:cSld>
     <p:spTree>
       <p:nvGrpSpPr>
-        <p:cNvPr id="149" name="Shape 149"/>
+        <p:cNvPr id="1" name="Shape 149"/>
         <p:cNvGrpSpPr/>
         <p:nvPr/>
       </p:nvGrpSpPr>
@@ -1526,9 +1582,11 @@
       <p:sp>
         <p:nvSpPr>
           <p:cNvPr id="150" name="Google Shape;150;g39f864c9432_0_64:notes"/>
-          <p:cNvSpPr/>
+          <p:cNvSpPr>
+            <a:spLocks noGrp="1" noRot="1" noChangeAspect="1"/>
+          </p:cNvSpPr>
           <p:nvPr>
-            <p:ph idx="2" type="sldImg"/>
+            <p:ph type="sldImg" idx="2"/>
           </p:nvPr>
         </p:nvSpPr>
         <p:spPr>
@@ -1537,9 +1595,13 @@
             <a:ext cx="6096000" cy="3429000"/>
           </a:xfrm>
           <a:custGeom>
-            <a:rect b="b" l="l" r="r" t="t"/>
+            <a:avLst/>
+            <a:gdLst/>
+            <a:ahLst/>
+            <a:cxnLst/>
+            <a:rect l="l" t="t" r="r" b="b"/>
             <a:pathLst>
-              <a:path extrusionOk="0" h="120000" w="120000">
+              <a:path w="120000" h="120000" extrusionOk="0">
                 <a:moveTo>
                   <a:pt x="0" y="0"/>
                 </a:moveTo>
@@ -1561,9 +1623,11 @@
       <p:sp>
         <p:nvSpPr>
           <p:cNvPr id="151" name="Google Shape;151;g39f864c9432_0_64:notes"/>
-          <p:cNvSpPr txBox="1"/>
+          <p:cNvSpPr txBox="1">
+            <a:spLocks noGrp="1"/>
+          </p:cNvSpPr>
           <p:nvPr>
-            <p:ph idx="1" type="body"/>
+            <p:ph type="body" idx="1"/>
           </p:nvPr>
         </p:nvSpPr>
         <p:spPr>
@@ -1576,23 +1640,20 @@
           </a:prstGeom>
         </p:spPr>
         <p:txBody>
-          <a:bodyPr anchorCtr="0" anchor="t" bIns="91425" lIns="91425" spcFirstLastPara="1" rIns="91425" wrap="square" tIns="91425">
+          <a:bodyPr spcFirstLastPara="1" wrap="square" lIns="91425" tIns="91425" rIns="91425" bIns="91425" anchor="t" anchorCtr="0">
             <a:noAutofit/>
           </a:bodyPr>
           <a:lstStyle/>
           <a:p>
-            <a:pPr indent="0" lvl="0" marL="0" rtl="0" algn="l">
-              <a:spcBef>
-                <a:spcPts val="0"/>
-              </a:spcBef>
-              <a:spcAft>
-                <a:spcPts val="0"/>
-              </a:spcAft>
-              <a:buNone/>
-            </a:pPr>
-            <a:r>
-              <a:t/>
-            </a:r>
+            <a:pPr marL="0" lvl="0" indent="0" algn="l" rtl="0">
+              <a:spcBef>
+                <a:spcPts val="0"/>
+              </a:spcBef>
+              <a:spcAft>
+                <a:spcPts val="0"/>
+              </a:spcAft>
+              <a:buNone/>
+            </a:pPr>
             <a:endParaRPr/>
           </a:p>
         </p:txBody>
@@ -1606,11 +1667,11 @@
 </file>
 
 <file path=ppt/notesSlides/notesSlide18.xml><?xml version="1.0" encoding="utf-8"?>
-<p:notes xmlns:a="http://schemas.openxmlformats.org/drawingml/2006/main" xmlns:r="http://schemas.openxmlformats.org/officeDocument/2006/relationships" xmlns:mc="http://schemas.openxmlformats.org/markup-compatibility/2006" xmlns:mv="urn:schemas-microsoft-com:mac:vml" xmlns:p="http://schemas.openxmlformats.org/presentationml/2006/main" xmlns:c="http://schemas.openxmlformats.org/drawingml/2006/chart" xmlns:dgm="http://schemas.openxmlformats.org/drawingml/2006/diagram" xmlns:o="urn:schemas-microsoft-com:office:office" xmlns:v="urn:schemas-microsoft-com:vml" xmlns:pvml="urn:schemas-microsoft-com:office:powerpoint" xmlns:com="http://schemas.openxmlformats.org/drawingml/2006/compatibility" xmlns:p14="http://schemas.microsoft.com/office/powerpoint/2010/main" xmlns:p15="http://schemas.microsoft.com/office/powerpoint/2012/main" xmlns:ahyp="http://schemas.microsoft.com/office/drawing/2018/hyperlinkcolor" showMasterPhAnim="0" showMasterSp="0">
+<p:notes xmlns:a="http://schemas.openxmlformats.org/drawingml/2006/main" xmlns:r="http://schemas.openxmlformats.org/officeDocument/2006/relationships" xmlns:p="http://schemas.openxmlformats.org/presentationml/2006/main" showMasterSp="0" showMasterPhAnim="0">
   <p:cSld>
     <p:spTree>
       <p:nvGrpSpPr>
-        <p:cNvPr id="155" name="Shape 155"/>
+        <p:cNvPr id="1" name="Shape 155"/>
         <p:cNvGrpSpPr/>
         <p:nvPr/>
       </p:nvGrpSpPr>
@@ -1625,9 +1686,11 @@
       <p:sp>
         <p:nvSpPr>
           <p:cNvPr id="156" name="Google Shape;156;g39f864c9432_0_9:notes"/>
-          <p:cNvSpPr/>
+          <p:cNvSpPr>
+            <a:spLocks noGrp="1" noRot="1" noChangeAspect="1"/>
+          </p:cNvSpPr>
           <p:nvPr>
-            <p:ph idx="2" type="sldImg"/>
+            <p:ph type="sldImg" idx="2"/>
           </p:nvPr>
         </p:nvSpPr>
         <p:spPr>
@@ -1636,9 +1699,13 @@
             <a:ext cx="6096000" cy="3429000"/>
           </a:xfrm>
           <a:custGeom>
-            <a:rect b="b" l="l" r="r" t="t"/>
+            <a:avLst/>
+            <a:gdLst/>
+            <a:ahLst/>
+            <a:cxnLst/>
+            <a:rect l="l" t="t" r="r" b="b"/>
             <a:pathLst>
-              <a:path extrusionOk="0" h="120000" w="120000">
+              <a:path w="120000" h="120000" extrusionOk="0">
                 <a:moveTo>
                   <a:pt x="0" y="0"/>
                 </a:moveTo>
@@ -1660,9 +1727,11 @@
       <p:sp>
         <p:nvSpPr>
           <p:cNvPr id="157" name="Google Shape;157;g39f864c9432_0_9:notes"/>
-          <p:cNvSpPr txBox="1"/>
+          <p:cNvSpPr txBox="1">
+            <a:spLocks noGrp="1"/>
+          </p:cNvSpPr>
           <p:nvPr>
-            <p:ph idx="1" type="body"/>
+            <p:ph type="body" idx="1"/>
           </p:nvPr>
         </p:nvSpPr>
         <p:spPr>
@@ -1675,23 +1744,20 @@
           </a:prstGeom>
         </p:spPr>
         <p:txBody>
-          <a:bodyPr anchorCtr="0" anchor="t" bIns="91425" lIns="91425" spcFirstLastPara="1" rIns="91425" wrap="square" tIns="91425">
+          <a:bodyPr spcFirstLastPara="1" wrap="square" lIns="91425" tIns="91425" rIns="91425" bIns="91425" anchor="t" anchorCtr="0">
             <a:noAutofit/>
           </a:bodyPr>
           <a:lstStyle/>
           <a:p>
-            <a:pPr indent="0" lvl="0" marL="0" rtl="0" algn="l">
-              <a:spcBef>
-                <a:spcPts val="0"/>
-              </a:spcBef>
-              <a:spcAft>
-                <a:spcPts val="0"/>
-              </a:spcAft>
-              <a:buNone/>
-            </a:pPr>
-            <a:r>
-              <a:t/>
-            </a:r>
+            <a:pPr marL="0" lvl="0" indent="0" algn="l" rtl="0">
+              <a:spcBef>
+                <a:spcPts val="0"/>
+              </a:spcBef>
+              <a:spcAft>
+                <a:spcPts val="0"/>
+              </a:spcAft>
+              <a:buNone/>
+            </a:pPr>
             <a:endParaRPr/>
           </a:p>
         </p:txBody>
@@ -1705,11 +1771,11 @@
 </file>
 
 <file path=ppt/notesSlides/notesSlide2.xml><?xml version="1.0" encoding="utf-8"?>
-<p:notes xmlns:a="http://schemas.openxmlformats.org/drawingml/2006/main" xmlns:r="http://schemas.openxmlformats.org/officeDocument/2006/relationships" xmlns:mc="http://schemas.openxmlformats.org/markup-compatibility/2006" xmlns:mv="urn:schemas-microsoft-com:mac:vml" xmlns:p="http://schemas.openxmlformats.org/presentationml/2006/main" xmlns:c="http://schemas.openxmlformats.org/drawingml/2006/chart" xmlns:dgm="http://schemas.openxmlformats.org/drawingml/2006/diagram" xmlns:o="urn:schemas-microsoft-com:office:office" xmlns:v="urn:schemas-microsoft-com:vml" xmlns:pvml="urn:schemas-microsoft-com:office:powerpoint" xmlns:com="http://schemas.openxmlformats.org/drawingml/2006/compatibility" xmlns:p14="http://schemas.microsoft.com/office/powerpoint/2010/main" xmlns:p15="http://schemas.microsoft.com/office/powerpoint/2012/main" xmlns:ahyp="http://schemas.microsoft.com/office/drawing/2018/hyperlinkcolor" showMasterPhAnim="0" showMasterSp="0">
+<p:notes xmlns:a="http://schemas.openxmlformats.org/drawingml/2006/main" xmlns:r="http://schemas.openxmlformats.org/officeDocument/2006/relationships" xmlns:p="http://schemas.openxmlformats.org/presentationml/2006/main" showMasterSp="0" showMasterPhAnim="0">
   <p:cSld>
     <p:spTree>
       <p:nvGrpSpPr>
-        <p:cNvPr id="61" name="Shape 61"/>
+        <p:cNvPr id="1" name="Shape 61"/>
         <p:cNvGrpSpPr/>
         <p:nvPr/>
       </p:nvGrpSpPr>
@@ -1724,9 +1790,11 @@
       <p:sp>
         <p:nvSpPr>
           <p:cNvPr id="62" name="Google Shape;62;g38928004ca6_0_2382:notes"/>
-          <p:cNvSpPr/>
+          <p:cNvSpPr>
+            <a:spLocks noGrp="1" noRot="1" noChangeAspect="1"/>
+          </p:cNvSpPr>
           <p:nvPr>
-            <p:ph idx="2" type="sldImg"/>
+            <p:ph type="sldImg" idx="2"/>
           </p:nvPr>
         </p:nvSpPr>
         <p:spPr>
@@ -1735,9 +1803,13 @@
             <a:ext cx="6096000" cy="3429000"/>
           </a:xfrm>
           <a:custGeom>
-            <a:rect b="b" l="l" r="r" t="t"/>
+            <a:avLst/>
+            <a:gdLst/>
+            <a:ahLst/>
+            <a:cxnLst/>
+            <a:rect l="l" t="t" r="r" b="b"/>
             <a:pathLst>
-              <a:path extrusionOk="0" h="120000" w="120000">
+              <a:path w="120000" h="120000" extrusionOk="0">
                 <a:moveTo>
                   <a:pt x="0" y="0"/>
                 </a:moveTo>
@@ -1759,9 +1831,11 @@
       <p:sp>
         <p:nvSpPr>
           <p:cNvPr id="63" name="Google Shape;63;g38928004ca6_0_2382:notes"/>
-          <p:cNvSpPr txBox="1"/>
+          <p:cNvSpPr txBox="1">
+            <a:spLocks noGrp="1"/>
+          </p:cNvSpPr>
           <p:nvPr>
-            <p:ph idx="1" type="body"/>
+            <p:ph type="body" idx="1"/>
           </p:nvPr>
         </p:nvSpPr>
         <p:spPr>
@@ -1774,23 +1848,20 @@
           </a:prstGeom>
         </p:spPr>
         <p:txBody>
-          <a:bodyPr anchorCtr="0" anchor="t" bIns="91425" lIns="91425" spcFirstLastPara="1" rIns="91425" wrap="square" tIns="91425">
+          <a:bodyPr spcFirstLastPara="1" wrap="square" lIns="91425" tIns="91425" rIns="91425" bIns="91425" anchor="t" anchorCtr="0">
             <a:noAutofit/>
           </a:bodyPr>
           <a:lstStyle/>
           <a:p>
-            <a:pPr indent="0" lvl="0" marL="0" rtl="0" algn="l">
-              <a:spcBef>
-                <a:spcPts val="0"/>
-              </a:spcBef>
-              <a:spcAft>
-                <a:spcPts val="0"/>
-              </a:spcAft>
-              <a:buNone/>
-            </a:pPr>
-            <a:r>
-              <a:t/>
-            </a:r>
+            <a:pPr marL="0" lvl="0" indent="0" algn="l" rtl="0">
+              <a:spcBef>
+                <a:spcPts val="0"/>
+              </a:spcBef>
+              <a:spcAft>
+                <a:spcPts val="0"/>
+              </a:spcAft>
+              <a:buNone/>
+            </a:pPr>
             <a:endParaRPr/>
           </a:p>
         </p:txBody>
@@ -1804,11 +1875,11 @@
 </file>
 
 <file path=ppt/notesSlides/notesSlide3.xml><?xml version="1.0" encoding="utf-8"?>
-<p:notes xmlns:a="http://schemas.openxmlformats.org/drawingml/2006/main" xmlns:r="http://schemas.openxmlformats.org/officeDocument/2006/relationships" xmlns:mc="http://schemas.openxmlformats.org/markup-compatibility/2006" xmlns:mv="urn:schemas-microsoft-com:mac:vml" xmlns:p="http://schemas.openxmlformats.org/presentationml/2006/main" xmlns:c="http://schemas.openxmlformats.org/drawingml/2006/chart" xmlns:dgm="http://schemas.openxmlformats.org/drawingml/2006/diagram" xmlns:o="urn:schemas-microsoft-com:office:office" xmlns:v="urn:schemas-microsoft-com:vml" xmlns:pvml="urn:schemas-microsoft-com:office:powerpoint" xmlns:com="http://schemas.openxmlformats.org/drawingml/2006/compatibility" xmlns:p14="http://schemas.microsoft.com/office/powerpoint/2010/main" xmlns:p15="http://schemas.microsoft.com/office/powerpoint/2012/main" xmlns:ahyp="http://schemas.microsoft.com/office/drawing/2018/hyperlinkcolor" showMasterPhAnim="0" showMasterSp="0">
+<p:notes xmlns:a="http://schemas.openxmlformats.org/drawingml/2006/main" xmlns:r="http://schemas.openxmlformats.org/officeDocument/2006/relationships" xmlns:p="http://schemas.openxmlformats.org/presentationml/2006/main" showMasterSp="0" showMasterPhAnim="0">
   <p:cSld>
     <p:spTree>
       <p:nvGrpSpPr>
-        <p:cNvPr id="67" name="Shape 67"/>
+        <p:cNvPr id="1" name="Shape 67"/>
         <p:cNvGrpSpPr/>
         <p:nvPr/>
       </p:nvGrpSpPr>
@@ -1823,9 +1894,11 @@
       <p:sp>
         <p:nvSpPr>
           <p:cNvPr id="68" name="Google Shape;68;g38928004ca6_0_2387:notes"/>
-          <p:cNvSpPr/>
+          <p:cNvSpPr>
+            <a:spLocks noGrp="1" noRot="1" noChangeAspect="1"/>
+          </p:cNvSpPr>
           <p:nvPr>
-            <p:ph idx="2" type="sldImg"/>
+            <p:ph type="sldImg" idx="2"/>
           </p:nvPr>
         </p:nvSpPr>
         <p:spPr>
@@ -1834,9 +1907,13 @@
             <a:ext cx="6096000" cy="3429000"/>
           </a:xfrm>
           <a:custGeom>
-            <a:rect b="b" l="l" r="r" t="t"/>
+            <a:avLst/>
+            <a:gdLst/>
+            <a:ahLst/>
+            <a:cxnLst/>
+            <a:rect l="l" t="t" r="r" b="b"/>
             <a:pathLst>
-              <a:path extrusionOk="0" h="120000" w="120000">
+              <a:path w="120000" h="120000" extrusionOk="0">
                 <a:moveTo>
                   <a:pt x="0" y="0"/>
                 </a:moveTo>
@@ -1858,9 +1935,11 @@
       <p:sp>
         <p:nvSpPr>
           <p:cNvPr id="69" name="Google Shape;69;g38928004ca6_0_2387:notes"/>
-          <p:cNvSpPr txBox="1"/>
+          <p:cNvSpPr txBox="1">
+            <a:spLocks noGrp="1"/>
+          </p:cNvSpPr>
           <p:nvPr>
-            <p:ph idx="1" type="body"/>
+            <p:ph type="body" idx="1"/>
           </p:nvPr>
         </p:nvSpPr>
         <p:spPr>
@@ -1873,23 +1952,20 @@
           </a:prstGeom>
         </p:spPr>
         <p:txBody>
-          <a:bodyPr anchorCtr="0" anchor="t" bIns="91425" lIns="91425" spcFirstLastPara="1" rIns="91425" wrap="square" tIns="91425">
+          <a:bodyPr spcFirstLastPara="1" wrap="square" lIns="91425" tIns="91425" rIns="91425" bIns="91425" anchor="t" anchorCtr="0">
             <a:noAutofit/>
           </a:bodyPr>
           <a:lstStyle/>
           <a:p>
-            <a:pPr indent="0" lvl="0" marL="0" rtl="0" algn="l">
-              <a:spcBef>
-                <a:spcPts val="0"/>
-              </a:spcBef>
-              <a:spcAft>
-                <a:spcPts val="0"/>
-              </a:spcAft>
-              <a:buNone/>
-            </a:pPr>
-            <a:r>
-              <a:t/>
-            </a:r>
+            <a:pPr marL="0" lvl="0" indent="0" algn="l" rtl="0">
+              <a:spcBef>
+                <a:spcPts val="0"/>
+              </a:spcBef>
+              <a:spcAft>
+                <a:spcPts val="0"/>
+              </a:spcAft>
+              <a:buNone/>
+            </a:pPr>
             <a:endParaRPr/>
           </a:p>
         </p:txBody>
@@ -1903,11 +1979,11 @@
 </file>
 
 <file path=ppt/notesSlides/notesSlide4.xml><?xml version="1.0" encoding="utf-8"?>
-<p:notes xmlns:a="http://schemas.openxmlformats.org/drawingml/2006/main" xmlns:r="http://schemas.openxmlformats.org/officeDocument/2006/relationships" xmlns:mc="http://schemas.openxmlformats.org/markup-compatibility/2006" xmlns:mv="urn:schemas-microsoft-com:mac:vml" xmlns:p="http://schemas.openxmlformats.org/presentationml/2006/main" xmlns:c="http://schemas.openxmlformats.org/drawingml/2006/chart" xmlns:dgm="http://schemas.openxmlformats.org/drawingml/2006/diagram" xmlns:o="urn:schemas-microsoft-com:office:office" xmlns:v="urn:schemas-microsoft-com:vml" xmlns:pvml="urn:schemas-microsoft-com:office:powerpoint" xmlns:com="http://schemas.openxmlformats.org/drawingml/2006/compatibility" xmlns:p14="http://schemas.microsoft.com/office/powerpoint/2010/main" xmlns:p15="http://schemas.microsoft.com/office/powerpoint/2012/main" xmlns:ahyp="http://schemas.microsoft.com/office/drawing/2018/hyperlinkcolor" showMasterPhAnim="0" showMasterSp="0">
+<p:notes xmlns:a="http://schemas.openxmlformats.org/drawingml/2006/main" xmlns:r="http://schemas.openxmlformats.org/officeDocument/2006/relationships" xmlns:p="http://schemas.openxmlformats.org/presentationml/2006/main" showMasterSp="0" showMasterPhAnim="0">
   <p:cSld>
     <p:spTree>
       <p:nvGrpSpPr>
-        <p:cNvPr id="73" name="Shape 73"/>
+        <p:cNvPr id="1" name="Shape 73"/>
         <p:cNvGrpSpPr/>
         <p:nvPr/>
       </p:nvGrpSpPr>
@@ -1922,9 +1998,11 @@
       <p:sp>
         <p:nvSpPr>
           <p:cNvPr id="74" name="Google Shape;74;g39fa457f8e3_1_5:notes"/>
-          <p:cNvSpPr/>
+          <p:cNvSpPr>
+            <a:spLocks noGrp="1" noRot="1" noChangeAspect="1"/>
+          </p:cNvSpPr>
           <p:nvPr>
-            <p:ph idx="2" type="sldImg"/>
+            <p:ph type="sldImg" idx="2"/>
           </p:nvPr>
         </p:nvSpPr>
         <p:spPr>
@@ -1933,9 +2011,13 @@
             <a:ext cx="6096000" cy="3429000"/>
           </a:xfrm>
           <a:custGeom>
-            <a:rect b="b" l="l" r="r" t="t"/>
+            <a:avLst/>
+            <a:gdLst/>
+            <a:ahLst/>
+            <a:cxnLst/>
+            <a:rect l="l" t="t" r="r" b="b"/>
             <a:pathLst>
-              <a:path extrusionOk="0" h="120000" w="120000">
+              <a:path w="120000" h="120000" extrusionOk="0">
                 <a:moveTo>
                   <a:pt x="0" y="0"/>
                 </a:moveTo>
@@ -1957,9 +2039,11 @@
       <p:sp>
         <p:nvSpPr>
           <p:cNvPr id="75" name="Google Shape;75;g39fa457f8e3_1_5:notes"/>
-          <p:cNvSpPr txBox="1"/>
+          <p:cNvSpPr txBox="1">
+            <a:spLocks noGrp="1"/>
+          </p:cNvSpPr>
           <p:nvPr>
-            <p:ph idx="1" type="body"/>
+            <p:ph type="body" idx="1"/>
           </p:nvPr>
         </p:nvSpPr>
         <p:spPr>
@@ -1972,23 +2056,20 @@
           </a:prstGeom>
         </p:spPr>
         <p:txBody>
-          <a:bodyPr anchorCtr="0" anchor="t" bIns="91425" lIns="91425" spcFirstLastPara="1" rIns="91425" wrap="square" tIns="91425">
+          <a:bodyPr spcFirstLastPara="1" wrap="square" lIns="91425" tIns="91425" rIns="91425" bIns="91425" anchor="t" anchorCtr="0">
             <a:noAutofit/>
           </a:bodyPr>
           <a:lstStyle/>
           <a:p>
-            <a:pPr indent="0" lvl="0" marL="0" rtl="0" algn="l">
-              <a:spcBef>
-                <a:spcPts val="0"/>
-              </a:spcBef>
-              <a:spcAft>
-                <a:spcPts val="0"/>
-              </a:spcAft>
-              <a:buNone/>
-            </a:pPr>
-            <a:r>
-              <a:t/>
-            </a:r>
+            <a:pPr marL="0" lvl="0" indent="0" algn="l" rtl="0">
+              <a:spcBef>
+                <a:spcPts val="0"/>
+              </a:spcBef>
+              <a:spcAft>
+                <a:spcPts val="0"/>
+              </a:spcAft>
+              <a:buNone/>
+            </a:pPr>
             <a:endParaRPr/>
           </a:p>
         </p:txBody>
@@ -2002,11 +2083,11 @@
 </file>
 
 <file path=ppt/notesSlides/notesSlide5.xml><?xml version="1.0" encoding="utf-8"?>
-<p:notes xmlns:a="http://schemas.openxmlformats.org/drawingml/2006/main" xmlns:r="http://schemas.openxmlformats.org/officeDocument/2006/relationships" xmlns:mc="http://schemas.openxmlformats.org/markup-compatibility/2006" xmlns:mv="urn:schemas-microsoft-com:mac:vml" xmlns:p="http://schemas.openxmlformats.org/presentationml/2006/main" xmlns:c="http://schemas.openxmlformats.org/drawingml/2006/chart" xmlns:dgm="http://schemas.openxmlformats.org/drawingml/2006/diagram" xmlns:o="urn:schemas-microsoft-com:office:office" xmlns:v="urn:schemas-microsoft-com:vml" xmlns:pvml="urn:schemas-microsoft-com:office:powerpoint" xmlns:com="http://schemas.openxmlformats.org/drawingml/2006/compatibility" xmlns:p14="http://schemas.microsoft.com/office/powerpoint/2010/main" xmlns:p15="http://schemas.microsoft.com/office/powerpoint/2012/main" xmlns:ahyp="http://schemas.microsoft.com/office/drawing/2018/hyperlinkcolor" showMasterPhAnim="0" showMasterSp="0">
+<p:notes xmlns:a="http://schemas.openxmlformats.org/drawingml/2006/main" xmlns:r="http://schemas.openxmlformats.org/officeDocument/2006/relationships" xmlns:p="http://schemas.openxmlformats.org/presentationml/2006/main" showMasterSp="0" showMasterPhAnim="0">
   <p:cSld>
     <p:spTree>
       <p:nvGrpSpPr>
-        <p:cNvPr id="78" name="Shape 78"/>
+        <p:cNvPr id="1" name="Shape 78"/>
         <p:cNvGrpSpPr/>
         <p:nvPr/>
       </p:nvGrpSpPr>
@@ -2021,9 +2102,11 @@
       <p:sp>
         <p:nvSpPr>
           <p:cNvPr id="79" name="Google Shape;79;g39fa457f8e3_0_10:notes"/>
-          <p:cNvSpPr/>
+          <p:cNvSpPr>
+            <a:spLocks noGrp="1" noRot="1" noChangeAspect="1"/>
+          </p:cNvSpPr>
           <p:nvPr>
-            <p:ph idx="2" type="sldImg"/>
+            <p:ph type="sldImg" idx="2"/>
           </p:nvPr>
         </p:nvSpPr>
         <p:spPr>
@@ -2032,9 +2115,13 @@
             <a:ext cx="6096000" cy="3429000"/>
           </a:xfrm>
           <a:custGeom>
-            <a:rect b="b" l="l" r="r" t="t"/>
+            <a:avLst/>
+            <a:gdLst/>
+            <a:ahLst/>
+            <a:cxnLst/>
+            <a:rect l="l" t="t" r="r" b="b"/>
             <a:pathLst>
-              <a:path extrusionOk="0" h="120000" w="120000">
+              <a:path w="120000" h="120000" extrusionOk="0">
                 <a:moveTo>
                   <a:pt x="0" y="0"/>
                 </a:moveTo>
@@ -2056,9 +2143,11 @@
       <p:sp>
         <p:nvSpPr>
           <p:cNvPr id="80" name="Google Shape;80;g39fa457f8e3_0_10:notes"/>
-          <p:cNvSpPr txBox="1"/>
+          <p:cNvSpPr txBox="1">
+            <a:spLocks noGrp="1"/>
+          </p:cNvSpPr>
           <p:nvPr>
-            <p:ph idx="1" type="body"/>
+            <p:ph type="body" idx="1"/>
           </p:nvPr>
         </p:nvSpPr>
         <p:spPr>
@@ -2071,23 +2160,20 @@
           </a:prstGeom>
         </p:spPr>
         <p:txBody>
-          <a:bodyPr anchorCtr="0" anchor="t" bIns="91425" lIns="91425" spcFirstLastPara="1" rIns="91425" wrap="square" tIns="91425">
+          <a:bodyPr spcFirstLastPara="1" wrap="square" lIns="91425" tIns="91425" rIns="91425" bIns="91425" anchor="t" anchorCtr="0">
             <a:noAutofit/>
           </a:bodyPr>
           <a:lstStyle/>
           <a:p>
-            <a:pPr indent="0" lvl="0" marL="0" rtl="0" algn="l">
-              <a:spcBef>
-                <a:spcPts val="0"/>
-              </a:spcBef>
-              <a:spcAft>
-                <a:spcPts val="0"/>
-              </a:spcAft>
-              <a:buNone/>
-            </a:pPr>
-            <a:r>
-              <a:t/>
-            </a:r>
+            <a:pPr marL="0" lvl="0" indent="0" algn="l" rtl="0">
+              <a:spcBef>
+                <a:spcPts val="0"/>
+              </a:spcBef>
+              <a:spcAft>
+                <a:spcPts val="0"/>
+              </a:spcAft>
+              <a:buNone/>
+            </a:pPr>
             <a:endParaRPr/>
           </a:p>
         </p:txBody>
@@ -2101,11 +2187,11 @@
 </file>
 
 <file path=ppt/notesSlides/notesSlide6.xml><?xml version="1.0" encoding="utf-8"?>
-<p:notes xmlns:a="http://schemas.openxmlformats.org/drawingml/2006/main" xmlns:r="http://schemas.openxmlformats.org/officeDocument/2006/relationships" xmlns:mc="http://schemas.openxmlformats.org/markup-compatibility/2006" xmlns:mv="urn:schemas-microsoft-com:mac:vml" xmlns:p="http://schemas.openxmlformats.org/presentationml/2006/main" xmlns:c="http://schemas.openxmlformats.org/drawingml/2006/chart" xmlns:dgm="http://schemas.openxmlformats.org/drawingml/2006/diagram" xmlns:o="urn:schemas-microsoft-com:office:office" xmlns:v="urn:schemas-microsoft-com:vml" xmlns:pvml="urn:schemas-microsoft-com:office:powerpoint" xmlns:com="http://schemas.openxmlformats.org/drawingml/2006/compatibility" xmlns:p14="http://schemas.microsoft.com/office/powerpoint/2010/main" xmlns:p15="http://schemas.microsoft.com/office/powerpoint/2012/main" xmlns:ahyp="http://schemas.microsoft.com/office/drawing/2018/hyperlinkcolor" showMasterPhAnim="0" showMasterSp="0">
+<p:notes xmlns:a="http://schemas.openxmlformats.org/drawingml/2006/main" xmlns:r="http://schemas.openxmlformats.org/officeDocument/2006/relationships" xmlns:p="http://schemas.openxmlformats.org/presentationml/2006/main" showMasterSp="0" showMasterPhAnim="0">
   <p:cSld>
     <p:spTree>
       <p:nvGrpSpPr>
-        <p:cNvPr id="84" name="Shape 84"/>
+        <p:cNvPr id="1" name="Shape 84"/>
         <p:cNvGrpSpPr/>
         <p:nvPr/>
       </p:nvGrpSpPr>
@@ -2120,20 +2206,26 @@
       <p:sp>
         <p:nvSpPr>
           <p:cNvPr id="85" name="Google Shape;85;g39fa457f8e3_0_15:notes"/>
-          <p:cNvSpPr/>
+          <p:cNvSpPr>
+            <a:spLocks noGrp="1" noRot="1" noChangeAspect="1"/>
+          </p:cNvSpPr>
           <p:nvPr>
-            <p:ph idx="2" type="sldImg"/>
+            <p:ph type="sldImg" idx="2"/>
           </p:nvPr>
         </p:nvSpPr>
         <p:spPr>
           <a:xfrm>
-            <a:off x="381300" y="685800"/>
+            <a:off x="381000" y="685800"/>
             <a:ext cx="6096000" cy="3429000"/>
           </a:xfrm>
           <a:custGeom>
-            <a:rect b="b" l="l" r="r" t="t"/>
+            <a:avLst/>
+            <a:gdLst/>
+            <a:ahLst/>
+            <a:cxnLst/>
+            <a:rect l="l" t="t" r="r" b="b"/>
             <a:pathLst>
-              <a:path extrusionOk="0" h="120000" w="120000">
+              <a:path w="120000" h="120000" extrusionOk="0">
                 <a:moveTo>
                   <a:pt x="0" y="0"/>
                 </a:moveTo>
@@ -2155,9 +2247,11 @@
       <p:sp>
         <p:nvSpPr>
           <p:cNvPr id="86" name="Google Shape;86;g39fa457f8e3_0_15:notes"/>
-          <p:cNvSpPr txBox="1"/>
+          <p:cNvSpPr txBox="1">
+            <a:spLocks noGrp="1"/>
+          </p:cNvSpPr>
           <p:nvPr>
-            <p:ph idx="1" type="body"/>
+            <p:ph type="body" idx="1"/>
           </p:nvPr>
         </p:nvSpPr>
         <p:spPr>
@@ -2170,23 +2264,20 @@
           </a:prstGeom>
         </p:spPr>
         <p:txBody>
-          <a:bodyPr anchorCtr="0" anchor="t" bIns="91425" lIns="91425" spcFirstLastPara="1" rIns="91425" wrap="square" tIns="91425">
+          <a:bodyPr spcFirstLastPara="1" wrap="square" lIns="91425" tIns="91425" rIns="91425" bIns="91425" anchor="t" anchorCtr="0">
             <a:noAutofit/>
           </a:bodyPr>
           <a:lstStyle/>
           <a:p>
-            <a:pPr indent="0" lvl="0" marL="0" rtl="0" algn="l">
-              <a:spcBef>
-                <a:spcPts val="0"/>
-              </a:spcBef>
-              <a:spcAft>
-                <a:spcPts val="0"/>
-              </a:spcAft>
-              <a:buNone/>
-            </a:pPr>
-            <a:r>
-              <a:t/>
-            </a:r>
+            <a:pPr marL="0" lvl="0" indent="0" algn="l" rtl="0">
+              <a:spcBef>
+                <a:spcPts val="0"/>
+              </a:spcBef>
+              <a:spcAft>
+                <a:spcPts val="0"/>
+              </a:spcAft>
+              <a:buNone/>
+            </a:pPr>
             <a:endParaRPr/>
           </a:p>
         </p:txBody>
@@ -2200,11 +2291,11 @@
 </file>
 
 <file path=ppt/notesSlides/notesSlide7.xml><?xml version="1.0" encoding="utf-8"?>
-<p:notes xmlns:a="http://schemas.openxmlformats.org/drawingml/2006/main" xmlns:r="http://schemas.openxmlformats.org/officeDocument/2006/relationships" xmlns:mc="http://schemas.openxmlformats.org/markup-compatibility/2006" xmlns:mv="urn:schemas-microsoft-com:mac:vml" xmlns:p="http://schemas.openxmlformats.org/presentationml/2006/main" xmlns:c="http://schemas.openxmlformats.org/drawingml/2006/chart" xmlns:dgm="http://schemas.openxmlformats.org/drawingml/2006/diagram" xmlns:o="urn:schemas-microsoft-com:office:office" xmlns:v="urn:schemas-microsoft-com:vml" xmlns:pvml="urn:schemas-microsoft-com:office:powerpoint" xmlns:com="http://schemas.openxmlformats.org/drawingml/2006/compatibility" xmlns:p14="http://schemas.microsoft.com/office/powerpoint/2010/main" xmlns:p15="http://schemas.microsoft.com/office/powerpoint/2012/main" xmlns:ahyp="http://schemas.microsoft.com/office/drawing/2018/hyperlinkcolor" showMasterPhAnim="0" showMasterSp="0">
+<p:notes xmlns:a="http://schemas.openxmlformats.org/drawingml/2006/main" xmlns:r="http://schemas.openxmlformats.org/officeDocument/2006/relationships" xmlns:p="http://schemas.openxmlformats.org/presentationml/2006/main" showMasterSp="0" showMasterPhAnim="0">
   <p:cSld>
     <p:spTree>
       <p:nvGrpSpPr>
-        <p:cNvPr id="90" name="Shape 90"/>
+        <p:cNvPr id="1" name="Shape 90"/>
         <p:cNvGrpSpPr/>
         <p:nvPr/>
       </p:nvGrpSpPr>
@@ -2219,9 +2310,11 @@
       <p:sp>
         <p:nvSpPr>
           <p:cNvPr id="91" name="Google Shape;91;g39fa457f8e3_1_10:notes"/>
-          <p:cNvSpPr/>
+          <p:cNvSpPr>
+            <a:spLocks noGrp="1" noRot="1" noChangeAspect="1"/>
+          </p:cNvSpPr>
           <p:nvPr>
-            <p:ph idx="2" type="sldImg"/>
+            <p:ph type="sldImg" idx="2"/>
           </p:nvPr>
         </p:nvSpPr>
         <p:spPr>
@@ -2230,9 +2323,13 @@
             <a:ext cx="6096000" cy="3429000"/>
           </a:xfrm>
           <a:custGeom>
-            <a:rect b="b" l="l" r="r" t="t"/>
+            <a:avLst/>
+            <a:gdLst/>
+            <a:ahLst/>
+            <a:cxnLst/>
+            <a:rect l="l" t="t" r="r" b="b"/>
             <a:pathLst>
-              <a:path extrusionOk="0" h="120000" w="120000">
+              <a:path w="120000" h="120000" extrusionOk="0">
                 <a:moveTo>
                   <a:pt x="0" y="0"/>
                 </a:moveTo>
@@ -2254,9 +2351,11 @@
       <p:sp>
         <p:nvSpPr>
           <p:cNvPr id="92" name="Google Shape;92;g39fa457f8e3_1_10:notes"/>
-          <p:cNvSpPr txBox="1"/>
+          <p:cNvSpPr txBox="1">
+            <a:spLocks noGrp="1"/>
+          </p:cNvSpPr>
           <p:nvPr>
-            <p:ph idx="1" type="body"/>
+            <p:ph type="body" idx="1"/>
           </p:nvPr>
         </p:nvSpPr>
         <p:spPr>
@@ -2269,23 +2368,20 @@
           </a:prstGeom>
         </p:spPr>
         <p:txBody>
-          <a:bodyPr anchorCtr="0" anchor="t" bIns="91425" lIns="91425" spcFirstLastPara="1" rIns="91425" wrap="square" tIns="91425">
+          <a:bodyPr spcFirstLastPara="1" wrap="square" lIns="91425" tIns="91425" rIns="91425" bIns="91425" anchor="t" anchorCtr="0">
             <a:noAutofit/>
           </a:bodyPr>
           <a:lstStyle/>
           <a:p>
-            <a:pPr indent="0" lvl="0" marL="0" rtl="0" algn="l">
-              <a:spcBef>
-                <a:spcPts val="0"/>
-              </a:spcBef>
-              <a:spcAft>
-                <a:spcPts val="0"/>
-              </a:spcAft>
-              <a:buNone/>
-            </a:pPr>
-            <a:r>
-              <a:t/>
-            </a:r>
+            <a:pPr marL="0" lvl="0" indent="0" algn="l" rtl="0">
+              <a:spcBef>
+                <a:spcPts val="0"/>
+              </a:spcBef>
+              <a:spcAft>
+                <a:spcPts val="0"/>
+              </a:spcAft>
+              <a:buNone/>
+            </a:pPr>
             <a:endParaRPr/>
           </a:p>
         </p:txBody>
@@ -2299,11 +2395,11 @@
 </file>
 
 <file path=ppt/notesSlides/notesSlide8.xml><?xml version="1.0" encoding="utf-8"?>
-<p:notes xmlns:a="http://schemas.openxmlformats.org/drawingml/2006/main" xmlns:r="http://schemas.openxmlformats.org/officeDocument/2006/relationships" xmlns:mc="http://schemas.openxmlformats.org/markup-compatibility/2006" xmlns:mv="urn:schemas-microsoft-com:mac:vml" xmlns:p="http://schemas.openxmlformats.org/presentationml/2006/main" xmlns:c="http://schemas.openxmlformats.org/drawingml/2006/chart" xmlns:dgm="http://schemas.openxmlformats.org/drawingml/2006/diagram" xmlns:o="urn:schemas-microsoft-com:office:office" xmlns:v="urn:schemas-microsoft-com:vml" xmlns:pvml="urn:schemas-microsoft-com:office:powerpoint" xmlns:com="http://schemas.openxmlformats.org/drawingml/2006/compatibility" xmlns:p14="http://schemas.microsoft.com/office/powerpoint/2010/main" xmlns:p15="http://schemas.microsoft.com/office/powerpoint/2012/main" xmlns:ahyp="http://schemas.microsoft.com/office/drawing/2018/hyperlinkcolor" showMasterPhAnim="0" showMasterSp="0">
+<p:notes xmlns:a="http://schemas.openxmlformats.org/drawingml/2006/main" xmlns:r="http://schemas.openxmlformats.org/officeDocument/2006/relationships" xmlns:p="http://schemas.openxmlformats.org/presentationml/2006/main" showMasterSp="0" showMasterPhAnim="0">
   <p:cSld>
     <p:spTree>
       <p:nvGrpSpPr>
-        <p:cNvPr id="95" name="Shape 95"/>
+        <p:cNvPr id="1" name="Shape 95"/>
         <p:cNvGrpSpPr/>
         <p:nvPr/>
       </p:nvGrpSpPr>
@@ -2318,9 +2414,11 @@
       <p:sp>
         <p:nvSpPr>
           <p:cNvPr id="96" name="Google Shape;96;g39f864c9432_0_2:notes"/>
-          <p:cNvSpPr/>
+          <p:cNvSpPr>
+            <a:spLocks noGrp="1" noRot="1" noChangeAspect="1"/>
+          </p:cNvSpPr>
           <p:nvPr>
-            <p:ph idx="2" type="sldImg"/>
+            <p:ph type="sldImg" idx="2"/>
           </p:nvPr>
         </p:nvSpPr>
         <p:spPr>
@@ -2329,9 +2427,13 @@
             <a:ext cx="6096000" cy="3429000"/>
           </a:xfrm>
           <a:custGeom>
-            <a:rect b="b" l="l" r="r" t="t"/>
+            <a:avLst/>
+            <a:gdLst/>
+            <a:ahLst/>
+            <a:cxnLst/>
+            <a:rect l="l" t="t" r="r" b="b"/>
             <a:pathLst>
-              <a:path extrusionOk="0" h="120000" w="120000">
+              <a:path w="120000" h="120000" extrusionOk="0">
                 <a:moveTo>
                   <a:pt x="0" y="0"/>
                 </a:moveTo>
@@ -2353,9 +2455,11 @@
       <p:sp>
         <p:nvSpPr>
           <p:cNvPr id="97" name="Google Shape;97;g39f864c9432_0_2:notes"/>
-          <p:cNvSpPr txBox="1"/>
+          <p:cNvSpPr txBox="1">
+            <a:spLocks noGrp="1"/>
+          </p:cNvSpPr>
           <p:nvPr>
-            <p:ph idx="1" type="body"/>
+            <p:ph type="body" idx="1"/>
           </p:nvPr>
         </p:nvSpPr>
         <p:spPr>
@@ -2368,23 +2472,20 @@
           </a:prstGeom>
         </p:spPr>
         <p:txBody>
-          <a:bodyPr anchorCtr="0" anchor="t" bIns="91425" lIns="91425" spcFirstLastPara="1" rIns="91425" wrap="square" tIns="91425">
+          <a:bodyPr spcFirstLastPara="1" wrap="square" lIns="91425" tIns="91425" rIns="91425" bIns="91425" anchor="t" anchorCtr="0">
             <a:noAutofit/>
           </a:bodyPr>
           <a:lstStyle/>
           <a:p>
-            <a:pPr indent="0" lvl="0" marL="0" rtl="0" algn="l">
-              <a:spcBef>
-                <a:spcPts val="0"/>
-              </a:spcBef>
-              <a:spcAft>
-                <a:spcPts val="0"/>
-              </a:spcAft>
-              <a:buNone/>
-            </a:pPr>
-            <a:r>
-              <a:t/>
-            </a:r>
+            <a:pPr marL="0" lvl="0" indent="0" algn="l" rtl="0">
+              <a:spcBef>
+                <a:spcPts val="0"/>
+              </a:spcBef>
+              <a:spcAft>
+                <a:spcPts val="0"/>
+              </a:spcAft>
+              <a:buNone/>
+            </a:pPr>
             <a:endParaRPr/>
           </a:p>
         </p:txBody>
@@ -2398,11 +2499,11 @@
 </file>
 
 <file path=ppt/notesSlides/notesSlide9.xml><?xml version="1.0" encoding="utf-8"?>
-<p:notes xmlns:a="http://schemas.openxmlformats.org/drawingml/2006/main" xmlns:r="http://schemas.openxmlformats.org/officeDocument/2006/relationships" xmlns:mc="http://schemas.openxmlformats.org/markup-compatibility/2006" xmlns:mv="urn:schemas-microsoft-com:mac:vml" xmlns:p="http://schemas.openxmlformats.org/presentationml/2006/main" xmlns:c="http://schemas.openxmlformats.org/drawingml/2006/chart" xmlns:dgm="http://schemas.openxmlformats.org/drawingml/2006/diagram" xmlns:o="urn:schemas-microsoft-com:office:office" xmlns:v="urn:schemas-microsoft-com:vml" xmlns:pvml="urn:schemas-microsoft-com:office:powerpoint" xmlns:com="http://schemas.openxmlformats.org/drawingml/2006/compatibility" xmlns:p14="http://schemas.microsoft.com/office/powerpoint/2010/main" xmlns:p15="http://schemas.microsoft.com/office/powerpoint/2012/main" xmlns:ahyp="http://schemas.microsoft.com/office/drawing/2018/hyperlinkcolor" showMasterPhAnim="0" showMasterSp="0">
+<p:notes xmlns:a="http://schemas.openxmlformats.org/drawingml/2006/main" xmlns:r="http://schemas.openxmlformats.org/officeDocument/2006/relationships" xmlns:p="http://schemas.openxmlformats.org/presentationml/2006/main" showMasterSp="0" showMasterPhAnim="0">
   <p:cSld>
     <p:spTree>
       <p:nvGrpSpPr>
-        <p:cNvPr id="102" name="Shape 102"/>
+        <p:cNvPr id="1" name="Shape 102"/>
         <p:cNvGrpSpPr/>
         <p:nvPr/>
       </p:nvGrpSpPr>
@@ -2417,9 +2518,11 @@
       <p:sp>
         <p:nvSpPr>
           <p:cNvPr id="103" name="Google Shape;103;g39fa457f8e3_1_15:notes"/>
-          <p:cNvSpPr/>
+          <p:cNvSpPr>
+            <a:spLocks noGrp="1" noRot="1" noChangeAspect="1"/>
+          </p:cNvSpPr>
           <p:nvPr>
-            <p:ph idx="2" type="sldImg"/>
+            <p:ph type="sldImg" idx="2"/>
           </p:nvPr>
         </p:nvSpPr>
         <p:spPr>
@@ -2428,9 +2531,13 @@
             <a:ext cx="6096000" cy="3429000"/>
           </a:xfrm>
           <a:custGeom>
-            <a:rect b="b" l="l" r="r" t="t"/>
+            <a:avLst/>
+            <a:gdLst/>
+            <a:ahLst/>
+            <a:cxnLst/>
+            <a:rect l="l" t="t" r="r" b="b"/>
             <a:pathLst>
-              <a:path extrusionOk="0" h="120000" w="120000">
+              <a:path w="120000" h="120000" extrusionOk="0">
                 <a:moveTo>
                   <a:pt x="0" y="0"/>
                 </a:moveTo>
@@ -2452,9 +2559,11 @@
       <p:sp>
         <p:nvSpPr>
           <p:cNvPr id="104" name="Google Shape;104;g39fa457f8e3_1_15:notes"/>
-          <p:cNvSpPr txBox="1"/>
+          <p:cNvSpPr txBox="1">
+            <a:spLocks noGrp="1"/>
+          </p:cNvSpPr>
           <p:nvPr>
-            <p:ph idx="1" type="body"/>
+            <p:ph type="body" idx="1"/>
           </p:nvPr>
         </p:nvSpPr>
         <p:spPr>
@@ -2467,23 +2576,20 @@
           </a:prstGeom>
         </p:spPr>
         <p:txBody>
-          <a:bodyPr anchorCtr="0" anchor="t" bIns="91425" lIns="91425" spcFirstLastPara="1" rIns="91425" wrap="square" tIns="91425">
+          <a:bodyPr spcFirstLastPara="1" wrap="square" lIns="91425" tIns="91425" rIns="91425" bIns="91425" anchor="t" anchorCtr="0">
             <a:noAutofit/>
           </a:bodyPr>
           <a:lstStyle/>
           <a:p>
-            <a:pPr indent="0" lvl="0" marL="0" rtl="0" algn="l">
-              <a:spcBef>
-                <a:spcPts val="0"/>
-              </a:spcBef>
-              <a:spcAft>
-                <a:spcPts val="0"/>
-              </a:spcAft>
-              <a:buNone/>
-            </a:pPr>
-            <a:r>
-              <a:t/>
-            </a:r>
+            <a:pPr marL="0" lvl="0" indent="0" algn="l" rtl="0">
+              <a:spcBef>
+                <a:spcPts val="0"/>
+              </a:spcBef>
+              <a:spcAft>
+                <a:spcPts val="0"/>
+              </a:spcAft>
+              <a:buNone/>
+            </a:pPr>
             <a:endParaRPr/>
           </a:p>
         </p:txBody>
@@ -2497,11 +2603,11 @@
 </file>
 
 <file path=ppt/slideLayouts/slideLayout1.xml><?xml version="1.0" encoding="utf-8"?>
-<p:sldLayout xmlns:a="http://schemas.openxmlformats.org/drawingml/2006/main" xmlns:r="http://schemas.openxmlformats.org/officeDocument/2006/relationships" xmlns:mc="http://schemas.openxmlformats.org/markup-compatibility/2006" xmlns:mv="urn:schemas-microsoft-com:mac:vml" xmlns:p="http://schemas.openxmlformats.org/presentationml/2006/main" xmlns:c="http://schemas.openxmlformats.org/drawingml/2006/chart" xmlns:dgm="http://schemas.openxmlformats.org/drawingml/2006/diagram" xmlns:o="urn:schemas-microsoft-com:office:office" xmlns:v="urn:schemas-microsoft-com:vml" xmlns:pvml="urn:schemas-microsoft-com:office:powerpoint" xmlns:com="http://schemas.openxmlformats.org/drawingml/2006/compatibility" xmlns:p14="http://schemas.microsoft.com/office/powerpoint/2010/main" xmlns:p15="http://schemas.microsoft.com/office/powerpoint/2012/main" xmlns:ahyp="http://schemas.microsoft.com/office/drawing/2018/hyperlinkcolor" matchingName="Title slide" type="title">
+<p:sldLayout xmlns:a="http://schemas.openxmlformats.org/drawingml/2006/main" xmlns:r="http://schemas.openxmlformats.org/officeDocument/2006/relationships" xmlns:p="http://schemas.openxmlformats.org/presentationml/2006/main" matchingName="Title slide" type="title">
   <p:cSld name="TITLE">
     <p:spTree>
       <p:nvGrpSpPr>
-        <p:cNvPr id="9" name="Shape 9"/>
+        <p:cNvPr id="1" name="Shape 9"/>
         <p:cNvGrpSpPr/>
         <p:nvPr/>
       </p:nvGrpSpPr>
@@ -2549,12 +2655,12 @@
             </a:ln>
           </p:spPr>
           <p:txBody>
-            <a:bodyPr anchorCtr="0" anchor="ctr" bIns="91425" lIns="91425" spcFirstLastPara="1" rIns="91425" wrap="square" tIns="91425">
+            <a:bodyPr spcFirstLastPara="1" wrap="square" lIns="91425" tIns="91425" rIns="91425" bIns="91425" anchor="ctr" anchorCtr="0">
               <a:noAutofit/>
             </a:bodyPr>
             <a:lstStyle/>
             <a:p>
-              <a:pPr indent="0" lvl="0" marL="0" rtl="0" algn="l">
+              <a:pPr marL="0" lvl="0" indent="0" algn="l" rtl="0">
                 <a:spcBef>
                   <a:spcPts val="0"/>
                 </a:spcBef>
@@ -2563,9 +2669,6 @@
                 </a:spcAft>
                 <a:buNone/>
               </a:pPr>
-              <a:r>
-                <a:t/>
-              </a:r>
               <a:endParaRPr/>
             </a:p>
           </p:txBody>
@@ -2592,12 +2695,12 @@
             </a:ln>
           </p:spPr>
           <p:txBody>
-            <a:bodyPr anchorCtr="0" anchor="ctr" bIns="91425" lIns="91425" spcFirstLastPara="1" rIns="91425" wrap="square" tIns="91425">
+            <a:bodyPr spcFirstLastPara="1" wrap="square" lIns="91425" tIns="91425" rIns="91425" bIns="91425" anchor="ctr" anchorCtr="0">
               <a:noAutofit/>
             </a:bodyPr>
             <a:lstStyle/>
             <a:p>
-              <a:pPr indent="0" lvl="0" marL="0" rtl="0" algn="l">
+              <a:pPr marL="0" lvl="0" indent="0" algn="l" rtl="0">
                 <a:spcBef>
                   <a:spcPts val="0"/>
                 </a:spcBef>
@@ -2606,9 +2709,6 @@
                 </a:spcAft>
                 <a:buNone/>
               </a:pPr>
-              <a:r>
-                <a:t/>
-              </a:r>
               <a:endParaRPr/>
             </a:p>
           </p:txBody>
@@ -2635,12 +2735,12 @@
             </a:ln>
           </p:spPr>
           <p:txBody>
-            <a:bodyPr anchorCtr="0" anchor="ctr" bIns="91425" lIns="91425" spcFirstLastPara="1" rIns="91425" wrap="square" tIns="91425">
+            <a:bodyPr spcFirstLastPara="1" wrap="square" lIns="91425" tIns="91425" rIns="91425" bIns="91425" anchor="ctr" anchorCtr="0">
               <a:noAutofit/>
             </a:bodyPr>
             <a:lstStyle/>
             <a:p>
-              <a:pPr indent="0" lvl="0" marL="0" rtl="0" algn="l">
+              <a:pPr marL="0" lvl="0" indent="0" algn="l" rtl="0">
                 <a:spcBef>
                   <a:spcPts val="0"/>
                 </a:spcBef>
@@ -2649,9 +2749,6 @@
                 </a:spcAft>
                 <a:buNone/>
               </a:pPr>
-              <a:r>
-                <a:t/>
-              </a:r>
               <a:endParaRPr/>
             </a:p>
           </p:txBody>
@@ -2660,7 +2757,9 @@
       <p:sp>
         <p:nvSpPr>
           <p:cNvPr id="14" name="Google Shape;14;p2"/>
-          <p:cNvSpPr txBox="1"/>
+          <p:cNvSpPr txBox="1">
+            <a:spLocks noGrp="1"/>
+          </p:cNvSpPr>
           <p:nvPr>
             <p:ph type="ctrTitle"/>
           </p:nvPr>
@@ -2675,7 +2774,7 @@
           </a:prstGeom>
         </p:spPr>
         <p:txBody>
-          <a:bodyPr anchorCtr="0" anchor="b" bIns="91425" lIns="91425" spcFirstLastPara="1" rIns="91425" wrap="square" tIns="91425">
+          <a:bodyPr spcFirstLastPara="1" wrap="square" lIns="91425" tIns="91425" rIns="91425" bIns="91425" anchor="b" anchorCtr="0">
             <a:normAutofit/>
           </a:bodyPr>
           <a:lstStyle>
@@ -2779,15 +2878,19 @@
               <a:defRPr sz="4800"/>
             </a:lvl9pPr>
           </a:lstStyle>
-          <a:p/>
+          <a:p>
+            <a:endParaRPr/>
+          </a:p>
         </p:txBody>
       </p:sp>
       <p:sp>
         <p:nvSpPr>
           <p:cNvPr id="15" name="Google Shape;15;p2"/>
-          <p:cNvSpPr txBox="1"/>
+          <p:cNvSpPr txBox="1">
+            <a:spLocks noGrp="1"/>
+          </p:cNvSpPr>
           <p:nvPr>
-            <p:ph idx="1" type="subTitle"/>
+            <p:ph type="subTitle" idx="1"/>
           </p:nvPr>
         </p:nvSpPr>
         <p:spPr>
@@ -2800,7 +2903,7 @@
           </a:prstGeom>
         </p:spPr>
         <p:txBody>
-          <a:bodyPr anchorCtr="0" anchor="t" bIns="91425" lIns="91425" spcFirstLastPara="1" rIns="91425" wrap="square" tIns="91425">
+          <a:bodyPr spcFirstLastPara="1" wrap="square" lIns="91425" tIns="91425" rIns="91425" bIns="91425" anchor="t" anchorCtr="0">
             <a:normAutofit/>
           </a:bodyPr>
           <a:lstStyle>
@@ -2931,15 +3034,19 @@
               <a:defRPr sz="2100"/>
             </a:lvl9pPr>
           </a:lstStyle>
-          <a:p/>
+          <a:p>
+            <a:endParaRPr/>
+          </a:p>
         </p:txBody>
       </p:sp>
       <p:sp>
         <p:nvSpPr>
           <p:cNvPr id="16" name="Google Shape;16;p2"/>
-          <p:cNvSpPr txBox="1"/>
+          <p:cNvSpPr txBox="1">
+            <a:spLocks noGrp="1"/>
+          </p:cNvSpPr>
           <p:nvPr>
-            <p:ph idx="12" type="sldNum"/>
+            <p:ph type="sldNum" idx="12"/>
           </p:nvPr>
         </p:nvSpPr>
         <p:spPr>
@@ -2952,7 +3059,7 @@
           </a:prstGeom>
         </p:spPr>
         <p:txBody>
-          <a:bodyPr anchorCtr="0" anchor="ctr" bIns="91425" lIns="91425" spcFirstLastPara="1" rIns="91425" wrap="square" tIns="91425">
+          <a:bodyPr spcFirstLastPara="1" wrap="square" lIns="91425" tIns="91425" rIns="91425" bIns="91425" anchor="ctr" anchorCtr="0">
             <a:normAutofit/>
           </a:bodyPr>
           <a:lstStyle>
@@ -2994,7 +3101,7 @@
             </a:lvl9pPr>
           </a:lstStyle>
           <a:p>
-            <a:pPr indent="0" lvl="0" marL="0" rtl="0" algn="r">
+            <a:pPr marL="0" lvl="0" indent="0" algn="r" rtl="0">
               <a:spcBef>
                 <a:spcPts val="0"/>
               </a:spcBef>
@@ -3020,11 +3127,11 @@
 </file>
 
 <file path=ppt/slideLayouts/slideLayout10.xml><?xml version="1.0" encoding="utf-8"?>
-<p:sldLayout xmlns:a="http://schemas.openxmlformats.org/drawingml/2006/main" xmlns:r="http://schemas.openxmlformats.org/officeDocument/2006/relationships" xmlns:mc="http://schemas.openxmlformats.org/markup-compatibility/2006" xmlns:mv="urn:schemas-microsoft-com:mac:vml" xmlns:p="http://schemas.openxmlformats.org/presentationml/2006/main" xmlns:c="http://schemas.openxmlformats.org/drawingml/2006/chart" xmlns:dgm="http://schemas.openxmlformats.org/drawingml/2006/diagram" xmlns:o="urn:schemas-microsoft-com:office:office" xmlns:v="urn:schemas-microsoft-com:vml" xmlns:pvml="urn:schemas-microsoft-com:office:powerpoint" xmlns:com="http://schemas.openxmlformats.org/drawingml/2006/compatibility" xmlns:p14="http://schemas.microsoft.com/office/powerpoint/2010/main" xmlns:p15="http://schemas.microsoft.com/office/powerpoint/2012/main" xmlns:ahyp="http://schemas.microsoft.com/office/drawing/2018/hyperlinkcolor" matchingName="Big number">
+<p:sldLayout xmlns:a="http://schemas.openxmlformats.org/drawingml/2006/main" xmlns:r="http://schemas.openxmlformats.org/officeDocument/2006/relationships" xmlns:p="http://schemas.openxmlformats.org/presentationml/2006/main" matchingName="Big number">
   <p:cSld name="BIG_NUMBER">
     <p:spTree>
       <p:nvGrpSpPr>
-        <p:cNvPr id="49" name="Shape 49"/>
+        <p:cNvPr id="1" name="Shape 49"/>
         <p:cNvGrpSpPr/>
         <p:nvPr/>
       </p:nvGrpSpPr>
@@ -3039,9 +3146,11 @@
       <p:sp>
         <p:nvSpPr>
           <p:cNvPr id="50" name="Google Shape;50;p11"/>
-          <p:cNvSpPr txBox="1"/>
+          <p:cNvSpPr txBox="1">
+            <a:spLocks noGrp="1"/>
+          </p:cNvSpPr>
           <p:nvPr>
-            <p:ph hasCustomPrompt="1" type="title"/>
+            <p:ph type="title" hasCustomPrompt="1"/>
           </p:nvPr>
         </p:nvSpPr>
         <p:spPr>
@@ -3054,7 +3163,7 @@
           </a:prstGeom>
         </p:spPr>
         <p:txBody>
-          <a:bodyPr anchorCtr="0" anchor="b" bIns="91425" lIns="91425" spcFirstLastPara="1" rIns="91425" wrap="square" tIns="91425">
+          <a:bodyPr spcFirstLastPara="1" wrap="square" lIns="91425" tIns="91425" rIns="91425" bIns="91425" anchor="b" anchorCtr="0">
             <a:normAutofit/>
           </a:bodyPr>
           <a:lstStyle>
@@ -3168,9 +3277,11 @@
       <p:sp>
         <p:nvSpPr>
           <p:cNvPr id="51" name="Google Shape;51;p11"/>
-          <p:cNvSpPr txBox="1"/>
+          <p:cNvSpPr txBox="1">
+            <a:spLocks noGrp="1"/>
+          </p:cNvSpPr>
           <p:nvPr>
-            <p:ph idx="1" type="body"/>
+            <p:ph type="body" idx="1"/>
           </p:nvPr>
         </p:nvSpPr>
         <p:spPr>
@@ -3183,11 +3294,11 @@
           </a:prstGeom>
         </p:spPr>
         <p:txBody>
-          <a:bodyPr anchorCtr="0" anchor="t" bIns="91425" lIns="91425" spcFirstLastPara="1" rIns="91425" wrap="square" tIns="91425">
+          <a:bodyPr spcFirstLastPara="1" wrap="square" lIns="91425" tIns="91425" rIns="91425" bIns="91425" anchor="t" anchorCtr="0">
             <a:normAutofit/>
           </a:bodyPr>
           <a:lstStyle>
-            <a:lvl1pPr indent="-342900" lvl="0" marL="457200" algn="ctr">
+            <a:lvl1pPr marL="457200" lvl="0" indent="-342900" algn="ctr">
               <a:spcBef>
                 <a:spcPts val="0"/>
               </a:spcBef>
@@ -3198,7 +3309,7 @@
               <a:buChar char="●"/>
               <a:defRPr/>
             </a:lvl1pPr>
-            <a:lvl2pPr indent="-317500" lvl="1" marL="914400" algn="ctr">
+            <a:lvl2pPr marL="914400" lvl="1" indent="-317500" algn="ctr">
               <a:spcBef>
                 <a:spcPts val="0"/>
               </a:spcBef>
@@ -3209,7 +3320,7 @@
               <a:buChar char="○"/>
               <a:defRPr/>
             </a:lvl2pPr>
-            <a:lvl3pPr indent="-317500" lvl="2" marL="1371600" algn="ctr">
+            <a:lvl3pPr marL="1371600" lvl="2" indent="-317500" algn="ctr">
               <a:spcBef>
                 <a:spcPts val="0"/>
               </a:spcBef>
@@ -3220,7 +3331,7 @@
               <a:buChar char="■"/>
               <a:defRPr/>
             </a:lvl3pPr>
-            <a:lvl4pPr indent="-317500" lvl="3" marL="1828800" algn="ctr">
+            <a:lvl4pPr marL="1828800" lvl="3" indent="-317500" algn="ctr">
               <a:spcBef>
                 <a:spcPts val="0"/>
               </a:spcBef>
@@ -3231,7 +3342,7 @@
               <a:buChar char="●"/>
               <a:defRPr/>
             </a:lvl4pPr>
-            <a:lvl5pPr indent="-317500" lvl="4" marL="2286000" algn="ctr">
+            <a:lvl5pPr marL="2286000" lvl="4" indent="-317500" algn="ctr">
               <a:spcBef>
                 <a:spcPts val="0"/>
               </a:spcBef>
@@ -3242,7 +3353,7 @@
               <a:buChar char="○"/>
               <a:defRPr/>
             </a:lvl5pPr>
-            <a:lvl6pPr indent="-317500" lvl="5" marL="2743200" algn="ctr">
+            <a:lvl6pPr marL="2743200" lvl="5" indent="-317500" algn="ctr">
               <a:spcBef>
                 <a:spcPts val="0"/>
               </a:spcBef>
@@ -3253,7 +3364,7 @@
               <a:buChar char="■"/>
               <a:defRPr/>
             </a:lvl6pPr>
-            <a:lvl7pPr indent="-317500" lvl="6" marL="3200400" algn="ctr">
+            <a:lvl7pPr marL="3200400" lvl="6" indent="-317500" algn="ctr">
               <a:spcBef>
                 <a:spcPts val="0"/>
               </a:spcBef>
@@ -3264,7 +3375,7 @@
               <a:buChar char="●"/>
               <a:defRPr/>
             </a:lvl7pPr>
-            <a:lvl8pPr indent="-317500" lvl="7" marL="3657600" algn="ctr">
+            <a:lvl8pPr marL="3657600" lvl="7" indent="-317500" algn="ctr">
               <a:spcBef>
                 <a:spcPts val="0"/>
               </a:spcBef>
@@ -3275,7 +3386,7 @@
               <a:buChar char="○"/>
               <a:defRPr/>
             </a:lvl8pPr>
-            <a:lvl9pPr indent="-317500" lvl="8" marL="4114800" algn="ctr">
+            <a:lvl9pPr marL="4114800" lvl="8" indent="-317500" algn="ctr">
               <a:spcBef>
                 <a:spcPts val="0"/>
               </a:spcBef>
@@ -3287,15 +3398,19 @@
               <a:defRPr/>
             </a:lvl9pPr>
           </a:lstStyle>
-          <a:p/>
+          <a:p>
+            <a:endParaRPr/>
+          </a:p>
         </p:txBody>
       </p:sp>
       <p:sp>
         <p:nvSpPr>
           <p:cNvPr id="52" name="Google Shape;52;p11"/>
-          <p:cNvSpPr txBox="1"/>
+          <p:cNvSpPr txBox="1">
+            <a:spLocks noGrp="1"/>
+          </p:cNvSpPr>
           <p:nvPr>
-            <p:ph idx="12" type="sldNum"/>
+            <p:ph type="sldNum" idx="12"/>
           </p:nvPr>
         </p:nvSpPr>
         <p:spPr>
@@ -3308,7 +3423,7 @@
           </a:prstGeom>
         </p:spPr>
         <p:txBody>
-          <a:bodyPr anchorCtr="0" anchor="ctr" bIns="91425" lIns="91425" spcFirstLastPara="1" rIns="91425" wrap="square" tIns="91425">
+          <a:bodyPr spcFirstLastPara="1" wrap="square" lIns="91425" tIns="91425" rIns="91425" bIns="91425" anchor="ctr" anchorCtr="0">
             <a:normAutofit/>
           </a:bodyPr>
           <a:lstStyle>
@@ -3350,7 +3465,7 @@
             </a:lvl9pPr>
           </a:lstStyle>
           <a:p>
-            <a:pPr indent="0" lvl="0" marL="0" rtl="0" algn="r">
+            <a:pPr marL="0" lvl="0" indent="0" algn="r" rtl="0">
               <a:spcBef>
                 <a:spcPts val="0"/>
               </a:spcBef>
@@ -3376,11 +3491,11 @@
 </file>
 
 <file path=ppt/slideLayouts/slideLayout11.xml><?xml version="1.0" encoding="utf-8"?>
-<p:sldLayout xmlns:a="http://schemas.openxmlformats.org/drawingml/2006/main" xmlns:r="http://schemas.openxmlformats.org/officeDocument/2006/relationships" xmlns:mc="http://schemas.openxmlformats.org/markup-compatibility/2006" xmlns:mv="urn:schemas-microsoft-com:mac:vml" xmlns:p="http://schemas.openxmlformats.org/presentationml/2006/main" xmlns:c="http://schemas.openxmlformats.org/drawingml/2006/chart" xmlns:dgm="http://schemas.openxmlformats.org/drawingml/2006/diagram" xmlns:o="urn:schemas-microsoft-com:office:office" xmlns:v="urn:schemas-microsoft-com:vml" xmlns:pvml="urn:schemas-microsoft-com:office:powerpoint" xmlns:com="http://schemas.openxmlformats.org/drawingml/2006/compatibility" xmlns:p14="http://schemas.microsoft.com/office/powerpoint/2010/main" xmlns:p15="http://schemas.microsoft.com/office/powerpoint/2012/main" xmlns:ahyp="http://schemas.microsoft.com/office/drawing/2018/hyperlinkcolor" matchingName="Blank" type="blank">
+<p:sldLayout xmlns:a="http://schemas.openxmlformats.org/drawingml/2006/main" xmlns:r="http://schemas.openxmlformats.org/officeDocument/2006/relationships" xmlns:p="http://schemas.openxmlformats.org/presentationml/2006/main" matchingName="Blank" type="blank">
   <p:cSld name="BLANK">
     <p:spTree>
       <p:nvGrpSpPr>
-        <p:cNvPr id="53" name="Shape 53"/>
+        <p:cNvPr id="1" name="Shape 53"/>
         <p:cNvGrpSpPr/>
         <p:nvPr/>
       </p:nvGrpSpPr>
@@ -3395,9 +3510,11 @@
       <p:sp>
         <p:nvSpPr>
           <p:cNvPr id="54" name="Google Shape;54;p12"/>
-          <p:cNvSpPr txBox="1"/>
+          <p:cNvSpPr txBox="1">
+            <a:spLocks noGrp="1"/>
+          </p:cNvSpPr>
           <p:nvPr>
-            <p:ph idx="12" type="sldNum"/>
+            <p:ph type="sldNum" idx="12"/>
           </p:nvPr>
         </p:nvSpPr>
         <p:spPr>
@@ -3410,7 +3527,7 @@
           </a:prstGeom>
         </p:spPr>
         <p:txBody>
-          <a:bodyPr anchorCtr="0" anchor="ctr" bIns="91425" lIns="91425" spcFirstLastPara="1" rIns="91425" wrap="square" tIns="91425">
+          <a:bodyPr spcFirstLastPara="1" wrap="square" lIns="91425" tIns="91425" rIns="91425" bIns="91425" anchor="ctr" anchorCtr="0">
             <a:normAutofit/>
           </a:bodyPr>
           <a:lstStyle>
@@ -3452,7 +3569,7 @@
             </a:lvl9pPr>
           </a:lstStyle>
           <a:p>
-            <a:pPr indent="0" lvl="0" marL="0" rtl="0" algn="r">
+            <a:pPr marL="0" lvl="0" indent="0" algn="r" rtl="0">
               <a:spcBef>
                 <a:spcPts val="0"/>
               </a:spcBef>
@@ -3478,11 +3595,11 @@
 </file>
 
 <file path=ppt/slideLayouts/slideLayout2.xml><?xml version="1.0" encoding="utf-8"?>
-<p:sldLayout xmlns:a="http://schemas.openxmlformats.org/drawingml/2006/main" xmlns:r="http://schemas.openxmlformats.org/officeDocument/2006/relationships" xmlns:mc="http://schemas.openxmlformats.org/markup-compatibility/2006" xmlns:mv="urn:schemas-microsoft-com:mac:vml" xmlns:p="http://schemas.openxmlformats.org/presentationml/2006/main" xmlns:c="http://schemas.openxmlformats.org/drawingml/2006/chart" xmlns:dgm="http://schemas.openxmlformats.org/drawingml/2006/diagram" xmlns:o="urn:schemas-microsoft-com:office:office" xmlns:v="urn:schemas-microsoft-com:vml" xmlns:pvml="urn:schemas-microsoft-com:office:powerpoint" xmlns:com="http://schemas.openxmlformats.org/drawingml/2006/compatibility" xmlns:p14="http://schemas.microsoft.com/office/powerpoint/2010/main" xmlns:p15="http://schemas.microsoft.com/office/powerpoint/2012/main" xmlns:ahyp="http://schemas.microsoft.com/office/drawing/2018/hyperlinkcolor" matchingName="Section header" type="secHead">
+<p:sldLayout xmlns:a="http://schemas.openxmlformats.org/drawingml/2006/main" xmlns:r="http://schemas.openxmlformats.org/officeDocument/2006/relationships" xmlns:p="http://schemas.openxmlformats.org/presentationml/2006/main" matchingName="Section header" type="secHead">
   <p:cSld name="SECTION_HEADER">
     <p:spTree>
       <p:nvGrpSpPr>
-        <p:cNvPr id="17" name="Shape 17"/>
+        <p:cNvPr id="1" name="Shape 17"/>
         <p:cNvGrpSpPr/>
         <p:nvPr/>
       </p:nvGrpSpPr>
@@ -3497,7 +3614,9 @@
       <p:sp>
         <p:nvSpPr>
           <p:cNvPr id="18" name="Google Shape;18;p3"/>
-          <p:cNvSpPr txBox="1"/>
+          <p:cNvSpPr txBox="1">
+            <a:spLocks noGrp="1"/>
+          </p:cNvSpPr>
           <p:nvPr>
             <p:ph type="title"/>
           </p:nvPr>
@@ -3512,7 +3631,7 @@
           </a:prstGeom>
         </p:spPr>
         <p:txBody>
-          <a:bodyPr anchorCtr="0" anchor="ctr" bIns="91425" lIns="91425" spcFirstLastPara="1" rIns="91425" wrap="square" tIns="91425">
+          <a:bodyPr spcFirstLastPara="1" wrap="square" lIns="91425" tIns="91425" rIns="91425" bIns="91425" anchor="ctr" anchorCtr="0">
             <a:normAutofit/>
           </a:bodyPr>
           <a:lstStyle>
@@ -3616,15 +3735,19 @@
               <a:defRPr sz="3600"/>
             </a:lvl9pPr>
           </a:lstStyle>
-          <a:p/>
+          <a:p>
+            <a:endParaRPr/>
+          </a:p>
         </p:txBody>
       </p:sp>
       <p:sp>
         <p:nvSpPr>
           <p:cNvPr id="19" name="Google Shape;19;p3"/>
-          <p:cNvSpPr txBox="1"/>
+          <p:cNvSpPr txBox="1">
+            <a:spLocks noGrp="1"/>
+          </p:cNvSpPr>
           <p:nvPr>
-            <p:ph idx="12" type="sldNum"/>
+            <p:ph type="sldNum" idx="12"/>
           </p:nvPr>
         </p:nvSpPr>
         <p:spPr>
@@ -3637,7 +3760,7 @@
           </a:prstGeom>
         </p:spPr>
         <p:txBody>
-          <a:bodyPr anchorCtr="0" anchor="ctr" bIns="91425" lIns="91425" spcFirstLastPara="1" rIns="91425" wrap="square" tIns="91425">
+          <a:bodyPr spcFirstLastPara="1" wrap="square" lIns="91425" tIns="91425" rIns="91425" bIns="91425" anchor="ctr" anchorCtr="0">
             <a:normAutofit/>
           </a:bodyPr>
           <a:lstStyle>
@@ -3679,7 +3802,7 @@
             </a:lvl9pPr>
           </a:lstStyle>
           <a:p>
-            <a:pPr indent="0" lvl="0" marL="0" rtl="0" algn="r">
+            <a:pPr marL="0" lvl="0" indent="0" algn="r" rtl="0">
               <a:spcBef>
                 <a:spcPts val="0"/>
               </a:spcBef>
@@ -3705,11 +3828,11 @@
 </file>
 
 <file path=ppt/slideLayouts/slideLayout3.xml><?xml version="1.0" encoding="utf-8"?>
-<p:sldLayout xmlns:a="http://schemas.openxmlformats.org/drawingml/2006/main" xmlns:r="http://schemas.openxmlformats.org/officeDocument/2006/relationships" xmlns:mc="http://schemas.openxmlformats.org/markup-compatibility/2006" xmlns:mv="urn:schemas-microsoft-com:mac:vml" xmlns:p="http://schemas.openxmlformats.org/presentationml/2006/main" xmlns:c="http://schemas.openxmlformats.org/drawingml/2006/chart" xmlns:dgm="http://schemas.openxmlformats.org/drawingml/2006/diagram" xmlns:o="urn:schemas-microsoft-com:office:office" xmlns:v="urn:schemas-microsoft-com:vml" xmlns:pvml="urn:schemas-microsoft-com:office:powerpoint" xmlns:com="http://schemas.openxmlformats.org/drawingml/2006/compatibility" xmlns:p14="http://schemas.microsoft.com/office/powerpoint/2010/main" xmlns:p15="http://schemas.microsoft.com/office/powerpoint/2012/main" xmlns:ahyp="http://schemas.microsoft.com/office/drawing/2018/hyperlinkcolor" matchingName="Title and body" type="tx">
+<p:sldLayout xmlns:a="http://schemas.openxmlformats.org/drawingml/2006/main" xmlns:r="http://schemas.openxmlformats.org/officeDocument/2006/relationships" xmlns:p="http://schemas.openxmlformats.org/presentationml/2006/main" matchingName="Title and body" type="tx">
   <p:cSld name="TITLE_AND_BODY">
     <p:spTree>
       <p:nvGrpSpPr>
-        <p:cNvPr id="20" name="Shape 20"/>
+        <p:cNvPr id="1" name="Shape 20"/>
         <p:cNvGrpSpPr/>
         <p:nvPr/>
       </p:nvGrpSpPr>
@@ -3724,7 +3847,9 @@
       <p:sp>
         <p:nvSpPr>
           <p:cNvPr id="21" name="Google Shape;21;p4"/>
-          <p:cNvSpPr txBox="1"/>
+          <p:cNvSpPr txBox="1">
+            <a:spLocks noGrp="1"/>
+          </p:cNvSpPr>
           <p:nvPr>
             <p:ph type="title"/>
           </p:nvPr>
@@ -3739,7 +3864,7 @@
           </a:prstGeom>
         </p:spPr>
         <p:txBody>
-          <a:bodyPr anchorCtr="0" anchor="t" bIns="91425" lIns="91425" spcFirstLastPara="1" rIns="91425" wrap="square" tIns="91425">
+          <a:bodyPr spcFirstLastPara="1" wrap="square" lIns="91425" tIns="91425" rIns="91425" bIns="91425" anchor="t" anchorCtr="0">
             <a:normAutofit/>
           </a:bodyPr>
           <a:lstStyle>
@@ -3843,15 +3968,19 @@
               <a:defRPr/>
             </a:lvl9pPr>
           </a:lstStyle>
-          <a:p/>
+          <a:p>
+            <a:endParaRPr/>
+          </a:p>
         </p:txBody>
       </p:sp>
       <p:sp>
         <p:nvSpPr>
           <p:cNvPr id="22" name="Google Shape;22;p4"/>
-          <p:cNvSpPr txBox="1"/>
+          <p:cNvSpPr txBox="1">
+            <a:spLocks noGrp="1"/>
+          </p:cNvSpPr>
           <p:nvPr>
-            <p:ph idx="1" type="body"/>
+            <p:ph type="body" idx="1"/>
           </p:nvPr>
         </p:nvSpPr>
         <p:spPr>
@@ -3864,11 +3993,11 @@
           </a:prstGeom>
         </p:spPr>
         <p:txBody>
-          <a:bodyPr anchorCtr="0" anchor="t" bIns="91425" lIns="91425" spcFirstLastPara="1" rIns="91425" wrap="square" tIns="91425">
+          <a:bodyPr spcFirstLastPara="1" wrap="square" lIns="91425" tIns="91425" rIns="91425" bIns="91425" anchor="t" anchorCtr="0">
             <a:normAutofit/>
           </a:bodyPr>
           <a:lstStyle>
-            <a:lvl1pPr indent="-342900" lvl="0" marL="457200">
+            <a:lvl1pPr marL="457200" lvl="0" indent="-342900">
               <a:spcBef>
                 <a:spcPts val="0"/>
               </a:spcBef>
@@ -3879,7 +4008,7 @@
               <a:buChar char="●"/>
               <a:defRPr/>
             </a:lvl1pPr>
-            <a:lvl2pPr indent="-317500" lvl="1" marL="914400">
+            <a:lvl2pPr marL="914400" lvl="1" indent="-317500">
               <a:spcBef>
                 <a:spcPts val="0"/>
               </a:spcBef>
@@ -3890,7 +4019,7 @@
               <a:buChar char="○"/>
               <a:defRPr/>
             </a:lvl2pPr>
-            <a:lvl3pPr indent="-317500" lvl="2" marL="1371600">
+            <a:lvl3pPr marL="1371600" lvl="2" indent="-317500">
               <a:spcBef>
                 <a:spcPts val="0"/>
               </a:spcBef>
@@ -3901,7 +4030,7 @@
               <a:buChar char="■"/>
               <a:defRPr/>
             </a:lvl3pPr>
-            <a:lvl4pPr indent="-317500" lvl="3" marL="1828800">
+            <a:lvl4pPr marL="1828800" lvl="3" indent="-317500">
               <a:spcBef>
                 <a:spcPts val="0"/>
               </a:spcBef>
@@ -3912,7 +4041,7 @@
               <a:buChar char="●"/>
               <a:defRPr/>
             </a:lvl4pPr>
-            <a:lvl5pPr indent="-317500" lvl="4" marL="2286000">
+            <a:lvl5pPr marL="2286000" lvl="4" indent="-317500">
               <a:spcBef>
                 <a:spcPts val="0"/>
               </a:spcBef>
@@ -3923,7 +4052,7 @@
               <a:buChar char="○"/>
               <a:defRPr/>
             </a:lvl5pPr>
-            <a:lvl6pPr indent="-317500" lvl="5" marL="2743200">
+            <a:lvl6pPr marL="2743200" lvl="5" indent="-317500">
               <a:spcBef>
                 <a:spcPts val="0"/>
               </a:spcBef>
@@ -3934,7 +4063,7 @@
               <a:buChar char="■"/>
               <a:defRPr/>
             </a:lvl6pPr>
-            <a:lvl7pPr indent="-317500" lvl="6" marL="3200400">
+            <a:lvl7pPr marL="3200400" lvl="6" indent="-317500">
               <a:spcBef>
                 <a:spcPts val="0"/>
               </a:spcBef>
@@ -3945,7 +4074,7 @@
               <a:buChar char="●"/>
               <a:defRPr/>
             </a:lvl7pPr>
-            <a:lvl8pPr indent="-317500" lvl="7" marL="3657600">
+            <a:lvl8pPr marL="3657600" lvl="7" indent="-317500">
               <a:spcBef>
                 <a:spcPts val="0"/>
               </a:spcBef>
@@ -3956,7 +4085,7 @@
               <a:buChar char="○"/>
               <a:defRPr/>
             </a:lvl8pPr>
-            <a:lvl9pPr indent="-317500" lvl="8" marL="4114800">
+            <a:lvl9pPr marL="4114800" lvl="8" indent="-317500">
               <a:spcBef>
                 <a:spcPts val="0"/>
               </a:spcBef>
@@ -3968,15 +4097,19 @@
               <a:defRPr/>
             </a:lvl9pPr>
           </a:lstStyle>
-          <a:p/>
+          <a:p>
+            <a:endParaRPr/>
+          </a:p>
         </p:txBody>
       </p:sp>
       <p:sp>
         <p:nvSpPr>
           <p:cNvPr id="23" name="Google Shape;23;p4"/>
-          <p:cNvSpPr txBox="1"/>
+          <p:cNvSpPr txBox="1">
+            <a:spLocks noGrp="1"/>
+          </p:cNvSpPr>
           <p:nvPr>
-            <p:ph idx="12" type="sldNum"/>
+            <p:ph type="sldNum" idx="12"/>
           </p:nvPr>
         </p:nvSpPr>
         <p:spPr>
@@ -3989,7 +4122,7 @@
           </a:prstGeom>
         </p:spPr>
         <p:txBody>
-          <a:bodyPr anchorCtr="0" anchor="ctr" bIns="91425" lIns="91425" spcFirstLastPara="1" rIns="91425" wrap="square" tIns="91425">
+          <a:bodyPr spcFirstLastPara="1" wrap="square" lIns="91425" tIns="91425" rIns="91425" bIns="91425" anchor="ctr" anchorCtr="0">
             <a:normAutofit/>
           </a:bodyPr>
           <a:lstStyle>
@@ -4031,7 +4164,7 @@
             </a:lvl9pPr>
           </a:lstStyle>
           <a:p>
-            <a:pPr indent="0" lvl="0" marL="0" rtl="0" algn="r">
+            <a:pPr marL="0" lvl="0" indent="0" algn="r" rtl="0">
               <a:spcBef>
                 <a:spcPts val="0"/>
               </a:spcBef>
@@ -4057,11 +4190,11 @@
 </file>
 
 <file path=ppt/slideLayouts/slideLayout4.xml><?xml version="1.0" encoding="utf-8"?>
-<p:sldLayout xmlns:a="http://schemas.openxmlformats.org/drawingml/2006/main" xmlns:r="http://schemas.openxmlformats.org/officeDocument/2006/relationships" xmlns:mc="http://schemas.openxmlformats.org/markup-compatibility/2006" xmlns:mv="urn:schemas-microsoft-com:mac:vml" xmlns:p="http://schemas.openxmlformats.org/presentationml/2006/main" xmlns:c="http://schemas.openxmlformats.org/drawingml/2006/chart" xmlns:dgm="http://schemas.openxmlformats.org/drawingml/2006/diagram" xmlns:o="urn:schemas-microsoft-com:office:office" xmlns:v="urn:schemas-microsoft-com:vml" xmlns:pvml="urn:schemas-microsoft-com:office:powerpoint" xmlns:com="http://schemas.openxmlformats.org/drawingml/2006/compatibility" xmlns:p14="http://schemas.microsoft.com/office/powerpoint/2010/main" xmlns:p15="http://schemas.microsoft.com/office/powerpoint/2012/main" xmlns:ahyp="http://schemas.microsoft.com/office/drawing/2018/hyperlinkcolor" matchingName="Title and two columns" type="twoColTx">
+<p:sldLayout xmlns:a="http://schemas.openxmlformats.org/drawingml/2006/main" xmlns:r="http://schemas.openxmlformats.org/officeDocument/2006/relationships" xmlns:p="http://schemas.openxmlformats.org/presentationml/2006/main" matchingName="Title and two columns" type="twoColTx">
   <p:cSld name="TITLE_AND_TWO_COLUMNS">
     <p:spTree>
       <p:nvGrpSpPr>
-        <p:cNvPr id="24" name="Shape 24"/>
+        <p:cNvPr id="1" name="Shape 24"/>
         <p:cNvGrpSpPr/>
         <p:nvPr/>
       </p:nvGrpSpPr>
@@ -4076,7 +4209,9 @@
       <p:sp>
         <p:nvSpPr>
           <p:cNvPr id="25" name="Google Shape;25;p5"/>
-          <p:cNvSpPr txBox="1"/>
+          <p:cNvSpPr txBox="1">
+            <a:spLocks noGrp="1"/>
+          </p:cNvSpPr>
           <p:nvPr>
             <p:ph type="title"/>
           </p:nvPr>
@@ -4091,7 +4226,7 @@
           </a:prstGeom>
         </p:spPr>
         <p:txBody>
-          <a:bodyPr anchorCtr="0" anchor="t" bIns="91425" lIns="91425" spcFirstLastPara="1" rIns="91425" wrap="square" tIns="91425">
+          <a:bodyPr spcFirstLastPara="1" wrap="square" lIns="91425" tIns="91425" rIns="91425" bIns="91425" anchor="t" anchorCtr="0">
             <a:normAutofit/>
           </a:bodyPr>
           <a:lstStyle>
@@ -4195,15 +4330,19 @@
               <a:defRPr/>
             </a:lvl9pPr>
           </a:lstStyle>
-          <a:p/>
+          <a:p>
+            <a:endParaRPr/>
+          </a:p>
         </p:txBody>
       </p:sp>
       <p:sp>
         <p:nvSpPr>
           <p:cNvPr id="26" name="Google Shape;26;p5"/>
-          <p:cNvSpPr txBox="1"/>
+          <p:cNvSpPr txBox="1">
+            <a:spLocks noGrp="1"/>
+          </p:cNvSpPr>
           <p:nvPr>
-            <p:ph idx="1" type="body"/>
+            <p:ph type="body" idx="1"/>
           </p:nvPr>
         </p:nvSpPr>
         <p:spPr>
@@ -4216,11 +4355,11 @@
           </a:prstGeom>
         </p:spPr>
         <p:txBody>
-          <a:bodyPr anchorCtr="0" anchor="t" bIns="91425" lIns="91425" spcFirstLastPara="1" rIns="91425" wrap="square" tIns="91425">
+          <a:bodyPr spcFirstLastPara="1" wrap="square" lIns="91425" tIns="91425" rIns="91425" bIns="91425" anchor="t" anchorCtr="0">
             <a:normAutofit/>
           </a:bodyPr>
           <a:lstStyle>
-            <a:lvl1pPr indent="-317500" lvl="0" marL="457200">
+            <a:lvl1pPr marL="457200" lvl="0" indent="-317500">
               <a:spcBef>
                 <a:spcPts val="0"/>
               </a:spcBef>
@@ -4231,7 +4370,7 @@
               <a:buChar char="●"/>
               <a:defRPr sz="1400"/>
             </a:lvl1pPr>
-            <a:lvl2pPr indent="-304800" lvl="1" marL="914400">
+            <a:lvl2pPr marL="914400" lvl="1" indent="-304800">
               <a:spcBef>
                 <a:spcPts val="0"/>
               </a:spcBef>
@@ -4242,7 +4381,7 @@
               <a:buChar char="○"/>
               <a:defRPr sz="1200"/>
             </a:lvl2pPr>
-            <a:lvl3pPr indent="-304800" lvl="2" marL="1371600">
+            <a:lvl3pPr marL="1371600" lvl="2" indent="-304800">
               <a:spcBef>
                 <a:spcPts val="0"/>
               </a:spcBef>
@@ -4253,7 +4392,7 @@
               <a:buChar char="■"/>
               <a:defRPr sz="1200"/>
             </a:lvl3pPr>
-            <a:lvl4pPr indent="-304800" lvl="3" marL="1828800">
+            <a:lvl4pPr marL="1828800" lvl="3" indent="-304800">
               <a:spcBef>
                 <a:spcPts val="0"/>
               </a:spcBef>
@@ -4264,7 +4403,7 @@
               <a:buChar char="●"/>
               <a:defRPr sz="1200"/>
             </a:lvl4pPr>
-            <a:lvl5pPr indent="-304800" lvl="4" marL="2286000">
+            <a:lvl5pPr marL="2286000" lvl="4" indent="-304800">
               <a:spcBef>
                 <a:spcPts val="0"/>
               </a:spcBef>
@@ -4275,7 +4414,7 @@
               <a:buChar char="○"/>
               <a:defRPr sz="1200"/>
             </a:lvl5pPr>
-            <a:lvl6pPr indent="-304800" lvl="5" marL="2743200">
+            <a:lvl6pPr marL="2743200" lvl="5" indent="-304800">
               <a:spcBef>
                 <a:spcPts val="0"/>
               </a:spcBef>
@@ -4286,7 +4425,7 @@
               <a:buChar char="■"/>
               <a:defRPr sz="1200"/>
             </a:lvl6pPr>
-            <a:lvl7pPr indent="-304800" lvl="6" marL="3200400">
+            <a:lvl7pPr marL="3200400" lvl="6" indent="-304800">
               <a:spcBef>
                 <a:spcPts val="0"/>
               </a:spcBef>
@@ -4297,7 +4436,7 @@
               <a:buChar char="●"/>
               <a:defRPr sz="1200"/>
             </a:lvl7pPr>
-            <a:lvl8pPr indent="-304800" lvl="7" marL="3657600">
+            <a:lvl8pPr marL="3657600" lvl="7" indent="-304800">
               <a:spcBef>
                 <a:spcPts val="0"/>
               </a:spcBef>
@@ -4308,7 +4447,7 @@
               <a:buChar char="○"/>
               <a:defRPr sz="1200"/>
             </a:lvl8pPr>
-            <a:lvl9pPr indent="-304800" lvl="8" marL="4114800">
+            <a:lvl9pPr marL="4114800" lvl="8" indent="-304800">
               <a:spcBef>
                 <a:spcPts val="0"/>
               </a:spcBef>
@@ -4320,15 +4459,19 @@
               <a:defRPr sz="1200"/>
             </a:lvl9pPr>
           </a:lstStyle>
-          <a:p/>
+          <a:p>
+            <a:endParaRPr/>
+          </a:p>
         </p:txBody>
       </p:sp>
       <p:sp>
         <p:nvSpPr>
           <p:cNvPr id="27" name="Google Shape;27;p5"/>
-          <p:cNvSpPr txBox="1"/>
+          <p:cNvSpPr txBox="1">
+            <a:spLocks noGrp="1"/>
+          </p:cNvSpPr>
           <p:nvPr>
-            <p:ph idx="2" type="body"/>
+            <p:ph type="body" idx="2"/>
           </p:nvPr>
         </p:nvSpPr>
         <p:spPr>
@@ -4341,11 +4484,11 @@
           </a:prstGeom>
         </p:spPr>
         <p:txBody>
-          <a:bodyPr anchorCtr="0" anchor="t" bIns="91425" lIns="91425" spcFirstLastPara="1" rIns="91425" wrap="square" tIns="91425">
+          <a:bodyPr spcFirstLastPara="1" wrap="square" lIns="91425" tIns="91425" rIns="91425" bIns="91425" anchor="t" anchorCtr="0">
             <a:normAutofit/>
           </a:bodyPr>
           <a:lstStyle>
-            <a:lvl1pPr indent="-317500" lvl="0" marL="457200">
+            <a:lvl1pPr marL="457200" lvl="0" indent="-317500">
               <a:spcBef>
                 <a:spcPts val="0"/>
               </a:spcBef>
@@ -4356,7 +4499,7 @@
               <a:buChar char="●"/>
               <a:defRPr sz="1400"/>
             </a:lvl1pPr>
-            <a:lvl2pPr indent="-304800" lvl="1" marL="914400">
+            <a:lvl2pPr marL="914400" lvl="1" indent="-304800">
               <a:spcBef>
                 <a:spcPts val="0"/>
               </a:spcBef>
@@ -4367,7 +4510,7 @@
               <a:buChar char="○"/>
               <a:defRPr sz="1200"/>
             </a:lvl2pPr>
-            <a:lvl3pPr indent="-304800" lvl="2" marL="1371600">
+            <a:lvl3pPr marL="1371600" lvl="2" indent="-304800">
               <a:spcBef>
                 <a:spcPts val="0"/>
               </a:spcBef>
@@ -4378,7 +4521,7 @@
               <a:buChar char="■"/>
               <a:defRPr sz="1200"/>
             </a:lvl3pPr>
-            <a:lvl4pPr indent="-304800" lvl="3" marL="1828800">
+            <a:lvl4pPr marL="1828800" lvl="3" indent="-304800">
               <a:spcBef>
                 <a:spcPts val="0"/>
               </a:spcBef>
@@ -4389,7 +4532,7 @@
               <a:buChar char="●"/>
               <a:defRPr sz="1200"/>
             </a:lvl4pPr>
-            <a:lvl5pPr indent="-304800" lvl="4" marL="2286000">
+            <a:lvl5pPr marL="2286000" lvl="4" indent="-304800">
               <a:spcBef>
                 <a:spcPts val="0"/>
               </a:spcBef>
@@ -4400,7 +4543,7 @@
               <a:buChar char="○"/>
               <a:defRPr sz="1200"/>
             </a:lvl5pPr>
-            <a:lvl6pPr indent="-304800" lvl="5" marL="2743200">
+            <a:lvl6pPr marL="2743200" lvl="5" indent="-304800">
               <a:spcBef>
                 <a:spcPts val="0"/>
               </a:spcBef>
@@ -4411,7 +4554,7 @@
               <a:buChar char="■"/>
               <a:defRPr sz="1200"/>
             </a:lvl6pPr>
-            <a:lvl7pPr indent="-304800" lvl="6" marL="3200400">
+            <a:lvl7pPr marL="3200400" lvl="6" indent="-304800">
               <a:spcBef>
                 <a:spcPts val="0"/>
               </a:spcBef>
@@ -4422,7 +4565,7 @@
               <a:buChar char="●"/>
               <a:defRPr sz="1200"/>
             </a:lvl7pPr>
-            <a:lvl8pPr indent="-304800" lvl="7" marL="3657600">
+            <a:lvl8pPr marL="3657600" lvl="7" indent="-304800">
               <a:spcBef>
                 <a:spcPts val="0"/>
               </a:spcBef>
@@ -4433,7 +4576,7 @@
               <a:buChar char="○"/>
               <a:defRPr sz="1200"/>
             </a:lvl8pPr>
-            <a:lvl9pPr indent="-304800" lvl="8" marL="4114800">
+            <a:lvl9pPr marL="4114800" lvl="8" indent="-304800">
               <a:spcBef>
                 <a:spcPts val="0"/>
               </a:spcBef>
@@ -4445,15 +4588,19 @@
               <a:defRPr sz="1200"/>
             </a:lvl9pPr>
           </a:lstStyle>
-          <a:p/>
+          <a:p>
+            <a:endParaRPr/>
+          </a:p>
         </p:txBody>
       </p:sp>
       <p:sp>
         <p:nvSpPr>
           <p:cNvPr id="28" name="Google Shape;28;p5"/>
-          <p:cNvSpPr txBox="1"/>
+          <p:cNvSpPr txBox="1">
+            <a:spLocks noGrp="1"/>
+          </p:cNvSpPr>
           <p:nvPr>
-            <p:ph idx="12" type="sldNum"/>
+            <p:ph type="sldNum" idx="12"/>
           </p:nvPr>
         </p:nvSpPr>
         <p:spPr>
@@ -4466,7 +4613,7 @@
           </a:prstGeom>
         </p:spPr>
         <p:txBody>
-          <a:bodyPr anchorCtr="0" anchor="ctr" bIns="91425" lIns="91425" spcFirstLastPara="1" rIns="91425" wrap="square" tIns="91425">
+          <a:bodyPr spcFirstLastPara="1" wrap="square" lIns="91425" tIns="91425" rIns="91425" bIns="91425" anchor="ctr" anchorCtr="0">
             <a:normAutofit/>
           </a:bodyPr>
           <a:lstStyle>
@@ -4508,7 +4655,7 @@
             </a:lvl9pPr>
           </a:lstStyle>
           <a:p>
-            <a:pPr indent="0" lvl="0" marL="0" rtl="0" algn="r">
+            <a:pPr marL="0" lvl="0" indent="0" algn="r" rtl="0">
               <a:spcBef>
                 <a:spcPts val="0"/>
               </a:spcBef>
@@ -4534,11 +4681,11 @@
 </file>
 
 <file path=ppt/slideLayouts/slideLayout5.xml><?xml version="1.0" encoding="utf-8"?>
-<p:sldLayout xmlns:a="http://schemas.openxmlformats.org/drawingml/2006/main" xmlns:r="http://schemas.openxmlformats.org/officeDocument/2006/relationships" xmlns:mc="http://schemas.openxmlformats.org/markup-compatibility/2006" xmlns:mv="urn:schemas-microsoft-com:mac:vml" xmlns:p="http://schemas.openxmlformats.org/presentationml/2006/main" xmlns:c="http://schemas.openxmlformats.org/drawingml/2006/chart" xmlns:dgm="http://schemas.openxmlformats.org/drawingml/2006/diagram" xmlns:o="urn:schemas-microsoft-com:office:office" xmlns:v="urn:schemas-microsoft-com:vml" xmlns:pvml="urn:schemas-microsoft-com:office:powerpoint" xmlns:com="http://schemas.openxmlformats.org/drawingml/2006/compatibility" xmlns:p14="http://schemas.microsoft.com/office/powerpoint/2010/main" xmlns:p15="http://schemas.microsoft.com/office/powerpoint/2012/main" xmlns:ahyp="http://schemas.microsoft.com/office/drawing/2018/hyperlinkcolor" matchingName="Title only" type="titleOnly">
+<p:sldLayout xmlns:a="http://schemas.openxmlformats.org/drawingml/2006/main" xmlns:r="http://schemas.openxmlformats.org/officeDocument/2006/relationships" xmlns:p="http://schemas.openxmlformats.org/presentationml/2006/main" matchingName="Title only" type="titleOnly">
   <p:cSld name="TITLE_ONLY">
     <p:spTree>
       <p:nvGrpSpPr>
-        <p:cNvPr id="29" name="Shape 29"/>
+        <p:cNvPr id="1" name="Shape 29"/>
         <p:cNvGrpSpPr/>
         <p:nvPr/>
       </p:nvGrpSpPr>
@@ -4553,7 +4700,9 @@
       <p:sp>
         <p:nvSpPr>
           <p:cNvPr id="30" name="Google Shape;30;p6"/>
-          <p:cNvSpPr txBox="1"/>
+          <p:cNvSpPr txBox="1">
+            <a:spLocks noGrp="1"/>
+          </p:cNvSpPr>
           <p:nvPr>
             <p:ph type="title"/>
           </p:nvPr>
@@ -4568,7 +4717,7 @@
           </a:prstGeom>
         </p:spPr>
         <p:txBody>
-          <a:bodyPr anchorCtr="0" anchor="t" bIns="91425" lIns="91425" spcFirstLastPara="1" rIns="91425" wrap="square" tIns="91425">
+          <a:bodyPr spcFirstLastPara="1" wrap="square" lIns="91425" tIns="91425" rIns="91425" bIns="91425" anchor="t" anchorCtr="0">
             <a:normAutofit/>
           </a:bodyPr>
           <a:lstStyle>
@@ -4672,15 +4821,19 @@
               <a:defRPr/>
             </a:lvl9pPr>
           </a:lstStyle>
-          <a:p/>
+          <a:p>
+            <a:endParaRPr/>
+          </a:p>
         </p:txBody>
       </p:sp>
       <p:sp>
         <p:nvSpPr>
           <p:cNvPr id="31" name="Google Shape;31;p6"/>
-          <p:cNvSpPr txBox="1"/>
+          <p:cNvSpPr txBox="1">
+            <a:spLocks noGrp="1"/>
+          </p:cNvSpPr>
           <p:nvPr>
-            <p:ph idx="12" type="sldNum"/>
+            <p:ph type="sldNum" idx="12"/>
           </p:nvPr>
         </p:nvSpPr>
         <p:spPr>
@@ -4693,7 +4846,7 @@
           </a:prstGeom>
         </p:spPr>
         <p:txBody>
-          <a:bodyPr anchorCtr="0" anchor="ctr" bIns="91425" lIns="91425" spcFirstLastPara="1" rIns="91425" wrap="square" tIns="91425">
+          <a:bodyPr spcFirstLastPara="1" wrap="square" lIns="91425" tIns="91425" rIns="91425" bIns="91425" anchor="ctr" anchorCtr="0">
             <a:normAutofit/>
           </a:bodyPr>
           <a:lstStyle>
@@ -4735,7 +4888,7 @@
             </a:lvl9pPr>
           </a:lstStyle>
           <a:p>
-            <a:pPr indent="0" lvl="0" marL="0" rtl="0" algn="r">
+            <a:pPr marL="0" lvl="0" indent="0" algn="r" rtl="0">
               <a:spcBef>
                 <a:spcPts val="0"/>
               </a:spcBef>
@@ -4761,11 +4914,11 @@
 </file>
 
 <file path=ppt/slideLayouts/slideLayout6.xml><?xml version="1.0" encoding="utf-8"?>
-<p:sldLayout xmlns:a="http://schemas.openxmlformats.org/drawingml/2006/main" xmlns:r="http://schemas.openxmlformats.org/officeDocument/2006/relationships" xmlns:mc="http://schemas.openxmlformats.org/markup-compatibility/2006" xmlns:mv="urn:schemas-microsoft-com:mac:vml" xmlns:p="http://schemas.openxmlformats.org/presentationml/2006/main" xmlns:c="http://schemas.openxmlformats.org/drawingml/2006/chart" xmlns:dgm="http://schemas.openxmlformats.org/drawingml/2006/diagram" xmlns:o="urn:schemas-microsoft-com:office:office" xmlns:v="urn:schemas-microsoft-com:vml" xmlns:pvml="urn:schemas-microsoft-com:office:powerpoint" xmlns:com="http://schemas.openxmlformats.org/drawingml/2006/compatibility" xmlns:p14="http://schemas.microsoft.com/office/powerpoint/2010/main" xmlns:p15="http://schemas.microsoft.com/office/powerpoint/2012/main" xmlns:ahyp="http://schemas.microsoft.com/office/drawing/2018/hyperlinkcolor" matchingName="One column text">
+<p:sldLayout xmlns:a="http://schemas.openxmlformats.org/drawingml/2006/main" xmlns:r="http://schemas.openxmlformats.org/officeDocument/2006/relationships" xmlns:p="http://schemas.openxmlformats.org/presentationml/2006/main" matchingName="One column text">
   <p:cSld name="ONE_COLUMN_TEXT">
     <p:spTree>
       <p:nvGrpSpPr>
-        <p:cNvPr id="32" name="Shape 32"/>
+        <p:cNvPr id="1" name="Shape 32"/>
         <p:cNvGrpSpPr/>
         <p:nvPr/>
       </p:nvGrpSpPr>
@@ -4780,7 +4933,9 @@
       <p:sp>
         <p:nvSpPr>
           <p:cNvPr id="33" name="Google Shape;33;p7"/>
-          <p:cNvSpPr txBox="1"/>
+          <p:cNvSpPr txBox="1">
+            <a:spLocks noGrp="1"/>
+          </p:cNvSpPr>
           <p:nvPr>
             <p:ph type="title"/>
           </p:nvPr>
@@ -4795,7 +4950,7 @@
           </a:prstGeom>
         </p:spPr>
         <p:txBody>
-          <a:bodyPr anchorCtr="0" anchor="b" bIns="91425" lIns="91425" spcFirstLastPara="1" rIns="91425" wrap="square" tIns="91425">
+          <a:bodyPr spcFirstLastPara="1" wrap="square" lIns="91425" tIns="91425" rIns="91425" bIns="91425" anchor="b" anchorCtr="0">
             <a:normAutofit/>
           </a:bodyPr>
           <a:lstStyle>
@@ -4899,15 +5054,19 @@
               <a:defRPr sz="2400"/>
             </a:lvl9pPr>
           </a:lstStyle>
-          <a:p/>
+          <a:p>
+            <a:endParaRPr/>
+          </a:p>
         </p:txBody>
       </p:sp>
       <p:sp>
         <p:nvSpPr>
           <p:cNvPr id="34" name="Google Shape;34;p7"/>
-          <p:cNvSpPr txBox="1"/>
+          <p:cNvSpPr txBox="1">
+            <a:spLocks noGrp="1"/>
+          </p:cNvSpPr>
           <p:nvPr>
-            <p:ph idx="1" type="body"/>
+            <p:ph type="body" idx="1"/>
           </p:nvPr>
         </p:nvSpPr>
         <p:spPr>
@@ -4920,11 +5079,11 @@
           </a:prstGeom>
         </p:spPr>
         <p:txBody>
-          <a:bodyPr anchorCtr="0" anchor="t" bIns="91425" lIns="91425" spcFirstLastPara="1" rIns="91425" wrap="square" tIns="91425">
+          <a:bodyPr spcFirstLastPara="1" wrap="square" lIns="91425" tIns="91425" rIns="91425" bIns="91425" anchor="t" anchorCtr="0">
             <a:normAutofit/>
           </a:bodyPr>
           <a:lstStyle>
-            <a:lvl1pPr indent="-304800" lvl="0" marL="457200">
+            <a:lvl1pPr marL="457200" lvl="0" indent="-304800">
               <a:spcBef>
                 <a:spcPts val="0"/>
               </a:spcBef>
@@ -4935,7 +5094,7 @@
               <a:buChar char="●"/>
               <a:defRPr sz="1200"/>
             </a:lvl1pPr>
-            <a:lvl2pPr indent="-304800" lvl="1" marL="914400">
+            <a:lvl2pPr marL="914400" lvl="1" indent="-304800">
               <a:spcBef>
                 <a:spcPts val="0"/>
               </a:spcBef>
@@ -4946,7 +5105,7 @@
               <a:buChar char="○"/>
               <a:defRPr sz="1200"/>
             </a:lvl2pPr>
-            <a:lvl3pPr indent="-304800" lvl="2" marL="1371600">
+            <a:lvl3pPr marL="1371600" lvl="2" indent="-304800">
               <a:spcBef>
                 <a:spcPts val="0"/>
               </a:spcBef>
@@ -4957,7 +5116,7 @@
               <a:buChar char="■"/>
               <a:defRPr sz="1200"/>
             </a:lvl3pPr>
-            <a:lvl4pPr indent="-304800" lvl="3" marL="1828800">
+            <a:lvl4pPr marL="1828800" lvl="3" indent="-304800">
               <a:spcBef>
                 <a:spcPts val="0"/>
               </a:spcBef>
@@ -4968,7 +5127,7 @@
               <a:buChar char="●"/>
               <a:defRPr sz="1200"/>
             </a:lvl4pPr>
-            <a:lvl5pPr indent="-304800" lvl="4" marL="2286000">
+            <a:lvl5pPr marL="2286000" lvl="4" indent="-304800">
               <a:spcBef>
                 <a:spcPts val="0"/>
               </a:spcBef>
@@ -4979,7 +5138,7 @@
               <a:buChar char="○"/>
               <a:defRPr sz="1200"/>
             </a:lvl5pPr>
-            <a:lvl6pPr indent="-304800" lvl="5" marL="2743200">
+            <a:lvl6pPr marL="2743200" lvl="5" indent="-304800">
               <a:spcBef>
                 <a:spcPts val="0"/>
               </a:spcBef>
@@ -4990,7 +5149,7 @@
               <a:buChar char="■"/>
               <a:defRPr sz="1200"/>
             </a:lvl6pPr>
-            <a:lvl7pPr indent="-304800" lvl="6" marL="3200400">
+            <a:lvl7pPr marL="3200400" lvl="6" indent="-304800">
               <a:spcBef>
                 <a:spcPts val="0"/>
               </a:spcBef>
@@ -5001,7 +5160,7 @@
               <a:buChar char="●"/>
               <a:defRPr sz="1200"/>
             </a:lvl7pPr>
-            <a:lvl8pPr indent="-304800" lvl="7" marL="3657600">
+            <a:lvl8pPr marL="3657600" lvl="7" indent="-304800">
               <a:spcBef>
                 <a:spcPts val="0"/>
               </a:spcBef>
@@ -5012,7 +5171,7 @@
               <a:buChar char="○"/>
               <a:defRPr sz="1200"/>
             </a:lvl8pPr>
-            <a:lvl9pPr indent="-304800" lvl="8" marL="4114800">
+            <a:lvl9pPr marL="4114800" lvl="8" indent="-304800">
               <a:spcBef>
                 <a:spcPts val="0"/>
               </a:spcBef>
@@ -5024,15 +5183,19 @@
               <a:defRPr sz="1200"/>
             </a:lvl9pPr>
           </a:lstStyle>
-          <a:p/>
+          <a:p>
+            <a:endParaRPr/>
+          </a:p>
         </p:txBody>
       </p:sp>
       <p:sp>
         <p:nvSpPr>
           <p:cNvPr id="35" name="Google Shape;35;p7"/>
-          <p:cNvSpPr txBox="1"/>
+          <p:cNvSpPr txBox="1">
+            <a:spLocks noGrp="1"/>
+          </p:cNvSpPr>
           <p:nvPr>
-            <p:ph idx="12" type="sldNum"/>
+            <p:ph type="sldNum" idx="12"/>
           </p:nvPr>
         </p:nvSpPr>
         <p:spPr>
@@ -5045,7 +5208,7 @@
           </a:prstGeom>
         </p:spPr>
         <p:txBody>
-          <a:bodyPr anchorCtr="0" anchor="ctr" bIns="91425" lIns="91425" spcFirstLastPara="1" rIns="91425" wrap="square" tIns="91425">
+          <a:bodyPr spcFirstLastPara="1" wrap="square" lIns="91425" tIns="91425" rIns="91425" bIns="91425" anchor="ctr" anchorCtr="0">
             <a:normAutofit/>
           </a:bodyPr>
           <a:lstStyle>
@@ -5087,7 +5250,7 @@
             </a:lvl9pPr>
           </a:lstStyle>
           <a:p>
-            <a:pPr indent="0" lvl="0" marL="0" rtl="0" algn="r">
+            <a:pPr marL="0" lvl="0" indent="0" algn="r" rtl="0">
               <a:spcBef>
                 <a:spcPts val="0"/>
               </a:spcBef>
@@ -5113,18 +5276,19 @@
 </file>
 
 <file path=ppt/slideLayouts/slideLayout7.xml><?xml version="1.0" encoding="utf-8"?>
-<p:sldLayout xmlns:a="http://schemas.openxmlformats.org/drawingml/2006/main" xmlns:r="http://schemas.openxmlformats.org/officeDocument/2006/relationships" xmlns:mc="http://schemas.openxmlformats.org/markup-compatibility/2006" xmlns:mv="urn:schemas-microsoft-com:mac:vml" xmlns:p="http://schemas.openxmlformats.org/presentationml/2006/main" xmlns:c="http://schemas.openxmlformats.org/drawingml/2006/chart" xmlns:dgm="http://schemas.openxmlformats.org/drawingml/2006/diagram" xmlns:o="urn:schemas-microsoft-com:office:office" xmlns:v="urn:schemas-microsoft-com:vml" xmlns:pvml="urn:schemas-microsoft-com:office:powerpoint" xmlns:com="http://schemas.openxmlformats.org/drawingml/2006/compatibility" xmlns:p14="http://schemas.microsoft.com/office/powerpoint/2010/main" xmlns:p15="http://schemas.microsoft.com/office/powerpoint/2012/main" xmlns:ahyp="http://schemas.microsoft.com/office/drawing/2018/hyperlinkcolor" matchingName="Main point">
+<p:sldLayout xmlns:a="http://schemas.openxmlformats.org/drawingml/2006/main" xmlns:r="http://schemas.openxmlformats.org/officeDocument/2006/relationships" xmlns:p="http://schemas.openxmlformats.org/presentationml/2006/main" matchingName="Main point">
   <p:cSld name="MAIN_POINT">
     <p:bg>
       <p:bgPr>
         <a:solidFill>
           <a:schemeClr val="lt2"/>
         </a:solidFill>
+        <a:effectLst/>
       </p:bgPr>
     </p:bg>
     <p:spTree>
       <p:nvGrpSpPr>
-        <p:cNvPr id="36" name="Shape 36"/>
+        <p:cNvPr id="1" name="Shape 36"/>
         <p:cNvGrpSpPr/>
         <p:nvPr/>
       </p:nvGrpSpPr>
@@ -5139,7 +5303,9 @@
       <p:sp>
         <p:nvSpPr>
           <p:cNvPr id="37" name="Google Shape;37;p8"/>
-          <p:cNvSpPr txBox="1"/>
+          <p:cNvSpPr txBox="1">
+            <a:spLocks noGrp="1"/>
+          </p:cNvSpPr>
           <p:nvPr>
             <p:ph type="title"/>
           </p:nvPr>
@@ -5154,7 +5320,7 @@
           </a:prstGeom>
         </p:spPr>
         <p:txBody>
-          <a:bodyPr anchorCtr="0" anchor="ctr" bIns="91425" lIns="91425" spcFirstLastPara="1" rIns="91425" wrap="square" tIns="91425">
+          <a:bodyPr spcFirstLastPara="1" wrap="square" lIns="91425" tIns="91425" rIns="91425" bIns="91425" anchor="ctr" anchorCtr="0">
             <a:normAutofit/>
           </a:bodyPr>
           <a:lstStyle>
@@ -5321,15 +5487,19 @@
               </a:defRPr>
             </a:lvl9pPr>
           </a:lstStyle>
-          <a:p/>
+          <a:p>
+            <a:endParaRPr/>
+          </a:p>
         </p:txBody>
       </p:sp>
       <p:sp>
         <p:nvSpPr>
           <p:cNvPr id="38" name="Google Shape;38;p8"/>
-          <p:cNvSpPr txBox="1"/>
+          <p:cNvSpPr txBox="1">
+            <a:spLocks noGrp="1"/>
+          </p:cNvSpPr>
           <p:nvPr>
-            <p:ph idx="12" type="sldNum"/>
+            <p:ph type="sldNum" idx="12"/>
           </p:nvPr>
         </p:nvSpPr>
         <p:spPr>
@@ -5342,7 +5512,7 @@
           </a:prstGeom>
         </p:spPr>
         <p:txBody>
-          <a:bodyPr anchorCtr="0" anchor="ctr" bIns="91425" lIns="91425" spcFirstLastPara="1" rIns="91425" wrap="square" tIns="91425">
+          <a:bodyPr spcFirstLastPara="1" wrap="square" lIns="91425" tIns="91425" rIns="91425" bIns="91425" anchor="ctr" anchorCtr="0">
             <a:normAutofit/>
           </a:bodyPr>
           <a:lstStyle>
@@ -5420,7 +5590,7 @@
             </a:lvl9pPr>
           </a:lstStyle>
           <a:p>
-            <a:pPr indent="0" lvl="0" marL="0" rtl="0" algn="r">
+            <a:pPr marL="0" lvl="0" indent="0" algn="r" rtl="0">
               <a:spcBef>
                 <a:spcPts val="0"/>
               </a:spcBef>
@@ -5446,11 +5616,11 @@
 </file>
 
 <file path=ppt/slideLayouts/slideLayout8.xml><?xml version="1.0" encoding="utf-8"?>
-<p:sldLayout xmlns:a="http://schemas.openxmlformats.org/drawingml/2006/main" xmlns:r="http://schemas.openxmlformats.org/officeDocument/2006/relationships" xmlns:mc="http://schemas.openxmlformats.org/markup-compatibility/2006" xmlns:mv="urn:schemas-microsoft-com:mac:vml" xmlns:p="http://schemas.openxmlformats.org/presentationml/2006/main" xmlns:c="http://schemas.openxmlformats.org/drawingml/2006/chart" xmlns:dgm="http://schemas.openxmlformats.org/drawingml/2006/diagram" xmlns:o="urn:schemas-microsoft-com:office:office" xmlns:v="urn:schemas-microsoft-com:vml" xmlns:pvml="urn:schemas-microsoft-com:office:powerpoint" xmlns:com="http://schemas.openxmlformats.org/drawingml/2006/compatibility" xmlns:p14="http://schemas.microsoft.com/office/powerpoint/2010/main" xmlns:p15="http://schemas.microsoft.com/office/powerpoint/2012/main" xmlns:ahyp="http://schemas.microsoft.com/office/drawing/2018/hyperlinkcolor" matchingName="Section title and description">
+<p:sldLayout xmlns:a="http://schemas.openxmlformats.org/drawingml/2006/main" xmlns:r="http://schemas.openxmlformats.org/officeDocument/2006/relationships" xmlns:p="http://schemas.openxmlformats.org/presentationml/2006/main" matchingName="Section title and description">
   <p:cSld name="SECTION_TITLE_AND_DESCRIPTION">
     <p:spTree>
       <p:nvGrpSpPr>
-        <p:cNvPr id="39" name="Shape 39"/>
+        <p:cNvPr id="1" name="Shape 39"/>
         <p:cNvGrpSpPr/>
         <p:nvPr/>
       </p:nvGrpSpPr>
@@ -5484,23 +5654,20 @@
           </a:ln>
         </p:spPr>
         <p:txBody>
-          <a:bodyPr anchorCtr="0" anchor="ctr" bIns="91425" lIns="91425" spcFirstLastPara="1" rIns="91425" wrap="square" tIns="91425">
+          <a:bodyPr spcFirstLastPara="1" wrap="square" lIns="91425" tIns="91425" rIns="91425" bIns="91425" anchor="ctr" anchorCtr="0">
             <a:noAutofit/>
           </a:bodyPr>
           <a:lstStyle/>
           <a:p>
-            <a:pPr indent="0" lvl="0" marL="0" rtl="0" algn="l">
-              <a:spcBef>
-                <a:spcPts val="0"/>
-              </a:spcBef>
-              <a:spcAft>
-                <a:spcPts val="0"/>
-              </a:spcAft>
-              <a:buNone/>
-            </a:pPr>
-            <a:r>
-              <a:t/>
-            </a:r>
+            <a:pPr marL="0" lvl="0" indent="0" algn="l" rtl="0">
+              <a:spcBef>
+                <a:spcPts val="0"/>
+              </a:spcBef>
+              <a:spcAft>
+                <a:spcPts val="0"/>
+              </a:spcAft>
+              <a:buNone/>
+            </a:pPr>
             <a:endParaRPr/>
           </a:p>
         </p:txBody>
@@ -5520,21 +5687,23 @@
             <a:avLst/>
           </a:prstGeom>
           <a:noFill/>
-          <a:ln cap="flat" cmpd="sng" w="19050">
+          <a:ln w="19050" cap="flat" cmpd="sng">
             <a:solidFill>
               <a:schemeClr val="lt1"/>
             </a:solidFill>
             <a:prstDash val="solid"/>
             <a:round/>
-            <a:headEnd len="sm" w="sm" type="none"/>
-            <a:tailEnd len="sm" w="sm" type="none"/>
+            <a:headEnd type="none" w="sm" len="sm"/>
+            <a:tailEnd type="none" w="sm" len="sm"/>
           </a:ln>
         </p:spPr>
       </p:cxnSp>
       <p:sp>
         <p:nvSpPr>
           <p:cNvPr id="42" name="Google Shape;42;p9"/>
-          <p:cNvSpPr txBox="1"/>
+          <p:cNvSpPr txBox="1">
+            <a:spLocks noGrp="1"/>
+          </p:cNvSpPr>
           <p:nvPr>
             <p:ph type="title"/>
           </p:nvPr>
@@ -5549,7 +5718,7 @@
           </a:prstGeom>
         </p:spPr>
         <p:txBody>
-          <a:bodyPr anchorCtr="0" anchor="b" bIns="91425" lIns="91425" spcFirstLastPara="1" rIns="91425" wrap="square" tIns="91425">
+          <a:bodyPr spcFirstLastPara="1" wrap="square" lIns="91425" tIns="91425" rIns="91425" bIns="91425" anchor="b" anchorCtr="0">
             <a:normAutofit/>
           </a:bodyPr>
           <a:lstStyle>
@@ -5653,15 +5822,19 @@
               <a:defRPr sz="4200"/>
             </a:lvl9pPr>
           </a:lstStyle>
-          <a:p/>
+          <a:p>
+            <a:endParaRPr/>
+          </a:p>
         </p:txBody>
       </p:sp>
       <p:sp>
         <p:nvSpPr>
           <p:cNvPr id="43" name="Google Shape;43;p9"/>
-          <p:cNvSpPr txBox="1"/>
+          <p:cNvSpPr txBox="1">
+            <a:spLocks noGrp="1"/>
+          </p:cNvSpPr>
           <p:nvPr>
-            <p:ph idx="1" type="subTitle"/>
+            <p:ph type="subTitle" idx="1"/>
           </p:nvPr>
         </p:nvSpPr>
         <p:spPr>
@@ -5674,7 +5847,7 @@
           </a:prstGeom>
         </p:spPr>
         <p:txBody>
-          <a:bodyPr anchorCtr="0" anchor="t" bIns="91425" lIns="91425" spcFirstLastPara="1" rIns="91425" wrap="square" tIns="91425">
+          <a:bodyPr spcFirstLastPara="1" wrap="square" lIns="91425" tIns="91425" rIns="91425" bIns="91425" anchor="t" anchorCtr="0">
             <a:normAutofit/>
           </a:bodyPr>
           <a:lstStyle>
@@ -5868,15 +6041,19 @@
               </a:defRPr>
             </a:lvl9pPr>
           </a:lstStyle>
-          <a:p/>
+          <a:p>
+            <a:endParaRPr/>
+          </a:p>
         </p:txBody>
       </p:sp>
       <p:sp>
         <p:nvSpPr>
           <p:cNvPr id="44" name="Google Shape;44;p9"/>
-          <p:cNvSpPr txBox="1"/>
+          <p:cNvSpPr txBox="1">
+            <a:spLocks noGrp="1"/>
+          </p:cNvSpPr>
           <p:nvPr>
-            <p:ph idx="2" type="body"/>
+            <p:ph type="body" idx="2"/>
           </p:nvPr>
         </p:nvSpPr>
         <p:spPr>
@@ -5889,11 +6066,11 @@
           </a:prstGeom>
         </p:spPr>
         <p:txBody>
-          <a:bodyPr anchorCtr="0" anchor="ctr" bIns="91425" lIns="91425" spcFirstLastPara="1" rIns="91425" wrap="square" tIns="91425">
+          <a:bodyPr spcFirstLastPara="1" wrap="square" lIns="91425" tIns="91425" rIns="91425" bIns="91425" anchor="ctr" anchorCtr="0">
             <a:normAutofit/>
           </a:bodyPr>
           <a:lstStyle>
-            <a:lvl1pPr indent="-342900" lvl="0" marL="457200">
+            <a:lvl1pPr marL="457200" lvl="0" indent="-342900">
               <a:spcBef>
                 <a:spcPts val="0"/>
               </a:spcBef>
@@ -5911,7 +6088,7 @@
                 </a:solidFill>
               </a:defRPr>
             </a:lvl1pPr>
-            <a:lvl2pPr indent="-317500" lvl="1" marL="914400">
+            <a:lvl2pPr marL="914400" lvl="1" indent="-317500">
               <a:spcBef>
                 <a:spcPts val="0"/>
               </a:spcBef>
@@ -5929,7 +6106,7 @@
                 </a:solidFill>
               </a:defRPr>
             </a:lvl2pPr>
-            <a:lvl3pPr indent="-317500" lvl="2" marL="1371600">
+            <a:lvl3pPr marL="1371600" lvl="2" indent="-317500">
               <a:spcBef>
                 <a:spcPts val="0"/>
               </a:spcBef>
@@ -5947,7 +6124,7 @@
                 </a:solidFill>
               </a:defRPr>
             </a:lvl3pPr>
-            <a:lvl4pPr indent="-317500" lvl="3" marL="1828800">
+            <a:lvl4pPr marL="1828800" lvl="3" indent="-317500">
               <a:spcBef>
                 <a:spcPts val="0"/>
               </a:spcBef>
@@ -5965,7 +6142,7 @@
                 </a:solidFill>
               </a:defRPr>
             </a:lvl4pPr>
-            <a:lvl5pPr indent="-317500" lvl="4" marL="2286000">
+            <a:lvl5pPr marL="2286000" lvl="4" indent="-317500">
               <a:spcBef>
                 <a:spcPts val="0"/>
               </a:spcBef>
@@ -5983,7 +6160,7 @@
                 </a:solidFill>
               </a:defRPr>
             </a:lvl5pPr>
-            <a:lvl6pPr indent="-317500" lvl="5" marL="2743200">
+            <a:lvl6pPr marL="2743200" lvl="5" indent="-317500">
               <a:spcBef>
                 <a:spcPts val="0"/>
               </a:spcBef>
@@ -6001,7 +6178,7 @@
                 </a:solidFill>
               </a:defRPr>
             </a:lvl6pPr>
-            <a:lvl7pPr indent="-317500" lvl="6" marL="3200400">
+            <a:lvl7pPr marL="3200400" lvl="6" indent="-317500">
               <a:spcBef>
                 <a:spcPts val="0"/>
               </a:spcBef>
@@ -6019,7 +6196,7 @@
                 </a:solidFill>
               </a:defRPr>
             </a:lvl7pPr>
-            <a:lvl8pPr indent="-317500" lvl="7" marL="3657600">
+            <a:lvl8pPr marL="3657600" lvl="7" indent="-317500">
               <a:spcBef>
                 <a:spcPts val="0"/>
               </a:spcBef>
@@ -6037,7 +6214,7 @@
                 </a:solidFill>
               </a:defRPr>
             </a:lvl8pPr>
-            <a:lvl9pPr indent="-317500" lvl="8" marL="4114800">
+            <a:lvl9pPr marL="4114800" lvl="8" indent="-317500">
               <a:spcBef>
                 <a:spcPts val="0"/>
               </a:spcBef>
@@ -6056,15 +6233,19 @@
               </a:defRPr>
             </a:lvl9pPr>
           </a:lstStyle>
-          <a:p/>
+          <a:p>
+            <a:endParaRPr/>
+          </a:p>
         </p:txBody>
       </p:sp>
       <p:sp>
         <p:nvSpPr>
           <p:cNvPr id="45" name="Google Shape;45;p9"/>
-          <p:cNvSpPr txBox="1"/>
+          <p:cNvSpPr txBox="1">
+            <a:spLocks noGrp="1"/>
+          </p:cNvSpPr>
           <p:nvPr>
-            <p:ph idx="12" type="sldNum"/>
+            <p:ph type="sldNum" idx="12"/>
           </p:nvPr>
         </p:nvSpPr>
         <p:spPr>
@@ -6077,7 +6258,7 @@
           </a:prstGeom>
         </p:spPr>
         <p:txBody>
-          <a:bodyPr anchorCtr="0" anchor="ctr" bIns="91425" lIns="91425" spcFirstLastPara="1" rIns="91425" wrap="square" tIns="91425">
+          <a:bodyPr spcFirstLastPara="1" wrap="square" lIns="91425" tIns="91425" rIns="91425" bIns="91425" anchor="ctr" anchorCtr="0">
             <a:normAutofit/>
           </a:bodyPr>
           <a:lstStyle>
@@ -6155,7 +6336,7 @@
             </a:lvl9pPr>
           </a:lstStyle>
           <a:p>
-            <a:pPr indent="0" lvl="0" marL="0" rtl="0" algn="r">
+            <a:pPr marL="0" lvl="0" indent="0" algn="r" rtl="0">
               <a:spcBef>
                 <a:spcPts val="0"/>
               </a:spcBef>
@@ -6181,11 +6362,11 @@
 </file>
 
 <file path=ppt/slideLayouts/slideLayout9.xml><?xml version="1.0" encoding="utf-8"?>
-<p:sldLayout xmlns:a="http://schemas.openxmlformats.org/drawingml/2006/main" xmlns:r="http://schemas.openxmlformats.org/officeDocument/2006/relationships" xmlns:mc="http://schemas.openxmlformats.org/markup-compatibility/2006" xmlns:mv="urn:schemas-microsoft-com:mac:vml" xmlns:p="http://schemas.openxmlformats.org/presentationml/2006/main" xmlns:c="http://schemas.openxmlformats.org/drawingml/2006/chart" xmlns:dgm="http://schemas.openxmlformats.org/drawingml/2006/diagram" xmlns:o="urn:schemas-microsoft-com:office:office" xmlns:v="urn:schemas-microsoft-com:vml" xmlns:pvml="urn:schemas-microsoft-com:office:powerpoint" xmlns:com="http://schemas.openxmlformats.org/drawingml/2006/compatibility" xmlns:p14="http://schemas.microsoft.com/office/powerpoint/2010/main" xmlns:p15="http://schemas.microsoft.com/office/powerpoint/2012/main" xmlns:ahyp="http://schemas.microsoft.com/office/drawing/2018/hyperlinkcolor" matchingName="Caption">
+<p:sldLayout xmlns:a="http://schemas.openxmlformats.org/drawingml/2006/main" xmlns:r="http://schemas.openxmlformats.org/officeDocument/2006/relationships" xmlns:p="http://schemas.openxmlformats.org/presentationml/2006/main" matchingName="Caption">
   <p:cSld name="CAPTION_ONLY">
     <p:spTree>
       <p:nvGrpSpPr>
-        <p:cNvPr id="46" name="Shape 46"/>
+        <p:cNvPr id="1" name="Shape 46"/>
         <p:cNvGrpSpPr/>
         <p:nvPr/>
       </p:nvGrpSpPr>
@@ -6200,9 +6381,11 @@
       <p:sp>
         <p:nvSpPr>
           <p:cNvPr id="47" name="Google Shape;47;p10"/>
-          <p:cNvSpPr txBox="1"/>
+          <p:cNvSpPr txBox="1">
+            <a:spLocks noGrp="1"/>
+          </p:cNvSpPr>
           <p:nvPr>
-            <p:ph idx="1" type="body"/>
+            <p:ph type="body" idx="1"/>
           </p:nvPr>
         </p:nvSpPr>
         <p:spPr>
@@ -6215,11 +6398,11 @@
           </a:prstGeom>
         </p:spPr>
         <p:txBody>
-          <a:bodyPr anchorCtr="0" anchor="ctr" bIns="91425" lIns="91425" spcFirstLastPara="1" rIns="91425" wrap="square" tIns="91425">
+          <a:bodyPr spcFirstLastPara="1" wrap="square" lIns="91425" tIns="91425" rIns="91425" bIns="91425" anchor="ctr" anchorCtr="0">
             <a:normAutofit/>
           </a:bodyPr>
           <a:lstStyle>
-            <a:lvl1pPr indent="-228600" lvl="0" marL="457200">
+            <a:lvl1pPr marL="457200" lvl="0" indent="-228600">
               <a:lnSpc>
                 <a:spcPct val="100000"/>
               </a:lnSpc>
@@ -6246,15 +6429,19 @@
               </a:defRPr>
             </a:lvl1pPr>
           </a:lstStyle>
-          <a:p/>
+          <a:p>
+            <a:endParaRPr/>
+          </a:p>
         </p:txBody>
       </p:sp>
       <p:sp>
         <p:nvSpPr>
           <p:cNvPr id="48" name="Google Shape;48;p10"/>
-          <p:cNvSpPr txBox="1"/>
+          <p:cNvSpPr txBox="1">
+            <a:spLocks noGrp="1"/>
+          </p:cNvSpPr>
           <p:nvPr>
-            <p:ph idx="12" type="sldNum"/>
+            <p:ph type="sldNum" idx="12"/>
           </p:nvPr>
         </p:nvSpPr>
         <p:spPr>
@@ -6267,7 +6454,7 @@
           </a:prstGeom>
         </p:spPr>
         <p:txBody>
-          <a:bodyPr anchorCtr="0" anchor="ctr" bIns="91425" lIns="91425" spcFirstLastPara="1" rIns="91425" wrap="square" tIns="91425">
+          <a:bodyPr spcFirstLastPara="1" wrap="square" lIns="91425" tIns="91425" rIns="91425" bIns="91425" anchor="ctr" anchorCtr="0">
             <a:normAutofit/>
           </a:bodyPr>
           <a:lstStyle>
@@ -6309,7 +6496,7 @@
             </a:lvl9pPr>
           </a:lstStyle>
           <a:p>
-            <a:pPr indent="0" lvl="0" marL="0" rtl="0" algn="r">
+            <a:pPr marL="0" lvl="0" indent="0" algn="r" rtl="0">
               <a:spcBef>
                 <a:spcPts val="0"/>
               </a:spcBef>
@@ -6335,18 +6522,19 @@
 </file>
 
 <file path=ppt/slideMasters/slideMaster1.xml><?xml version="1.0" encoding="utf-8"?>
-<p:sldMaster xmlns:a="http://schemas.openxmlformats.org/drawingml/2006/main" xmlns:r="http://schemas.openxmlformats.org/officeDocument/2006/relationships" xmlns:mc="http://schemas.openxmlformats.org/markup-compatibility/2006" xmlns:mv="urn:schemas-microsoft-com:mac:vml" xmlns:p="http://schemas.openxmlformats.org/presentationml/2006/main" xmlns:c="http://schemas.openxmlformats.org/drawingml/2006/chart" xmlns:dgm="http://schemas.openxmlformats.org/drawingml/2006/diagram" xmlns:o="urn:schemas-microsoft-com:office:office" xmlns:v="urn:schemas-microsoft-com:vml" xmlns:pvml="urn:schemas-microsoft-com:office:powerpoint" xmlns:com="http://schemas.openxmlformats.org/drawingml/2006/compatibility" xmlns:p14="http://schemas.microsoft.com/office/powerpoint/2010/main" xmlns:p15="http://schemas.microsoft.com/office/powerpoint/2012/main" xmlns:ahyp="http://schemas.microsoft.com/office/drawing/2018/hyperlinkcolor">
+<p:sldMaster xmlns:a="http://schemas.openxmlformats.org/drawingml/2006/main" xmlns:r="http://schemas.openxmlformats.org/officeDocument/2006/relationships" xmlns:p="http://schemas.openxmlformats.org/presentationml/2006/main">
   <p:cSld name="slate">
     <p:bg>
       <p:bgPr>
         <a:solidFill>
           <a:schemeClr val="lt1"/>
         </a:solidFill>
+        <a:effectLst/>
       </p:bgPr>
     </p:bg>
     <p:spTree>
       <p:nvGrpSpPr>
-        <p:cNvPr id="5" name="Shape 5"/>
+        <p:cNvPr id="1" name="Shape 5"/>
         <p:cNvGrpSpPr/>
         <p:nvPr/>
       </p:nvGrpSpPr>
@@ -6361,7 +6549,9 @@
       <p:sp>
         <p:nvSpPr>
           <p:cNvPr id="6" name="Google Shape;6;p1"/>
-          <p:cNvSpPr txBox="1"/>
+          <p:cNvSpPr txBox="1">
+            <a:spLocks noGrp="1"/>
+          </p:cNvSpPr>
           <p:nvPr>
             <p:ph type="title"/>
           </p:nvPr>
@@ -6380,7 +6570,7 @@
           </a:ln>
         </p:spPr>
         <p:txBody>
-          <a:bodyPr anchorCtr="0" anchor="t" bIns="91425" lIns="91425" spcFirstLastPara="1" rIns="91425" wrap="square" tIns="91425">
+          <a:bodyPr spcFirstLastPara="1" wrap="square" lIns="91425" tIns="91425" rIns="91425" bIns="91425" anchor="t" anchorCtr="0">
             <a:normAutofit/>
           </a:bodyPr>
           <a:lstStyle>
@@ -6592,15 +6782,19 @@
               </a:defRPr>
             </a:lvl9pPr>
           </a:lstStyle>
-          <a:p/>
+          <a:p>
+            <a:endParaRPr/>
+          </a:p>
         </p:txBody>
       </p:sp>
       <p:sp>
         <p:nvSpPr>
           <p:cNvPr id="7" name="Google Shape;7;p1"/>
-          <p:cNvSpPr txBox="1"/>
+          <p:cNvSpPr txBox="1">
+            <a:spLocks noGrp="1"/>
+          </p:cNvSpPr>
           <p:nvPr>
-            <p:ph idx="1" type="body"/>
+            <p:ph type="body" idx="1"/>
           </p:nvPr>
         </p:nvSpPr>
         <p:spPr>
@@ -6617,11 +6811,11 @@
           </a:ln>
         </p:spPr>
         <p:txBody>
-          <a:bodyPr anchorCtr="0" anchor="t" bIns="91425" lIns="91425" spcFirstLastPara="1" rIns="91425" wrap="square" tIns="91425">
+          <a:bodyPr spcFirstLastPara="1" wrap="square" lIns="91425" tIns="91425" rIns="91425" bIns="91425" anchor="t" anchorCtr="0">
             <a:normAutofit/>
           </a:bodyPr>
           <a:lstStyle>
-            <a:lvl1pPr indent="-342900" lvl="0" marL="457200">
+            <a:lvl1pPr marL="457200" lvl="0" indent="-342900">
               <a:lnSpc>
                 <a:spcPct val="115000"/>
               </a:lnSpc>
@@ -6647,7 +6841,7 @@
                 <a:sym typeface="Average"/>
               </a:defRPr>
             </a:lvl1pPr>
-            <a:lvl2pPr indent="-317500" lvl="1" marL="914400">
+            <a:lvl2pPr marL="914400" lvl="1" indent="-317500">
               <a:lnSpc>
                 <a:spcPct val="115000"/>
               </a:lnSpc>
@@ -6673,7 +6867,7 @@
                 <a:sym typeface="Average"/>
               </a:defRPr>
             </a:lvl2pPr>
-            <a:lvl3pPr indent="-317500" lvl="2" marL="1371600">
+            <a:lvl3pPr marL="1371600" lvl="2" indent="-317500">
               <a:lnSpc>
                 <a:spcPct val="115000"/>
               </a:lnSpc>
@@ -6699,7 +6893,7 @@
                 <a:sym typeface="Average"/>
               </a:defRPr>
             </a:lvl3pPr>
-            <a:lvl4pPr indent="-317500" lvl="3" marL="1828800">
+            <a:lvl4pPr marL="1828800" lvl="3" indent="-317500">
               <a:lnSpc>
                 <a:spcPct val="115000"/>
               </a:lnSpc>
@@ -6725,7 +6919,7 @@
                 <a:sym typeface="Average"/>
               </a:defRPr>
             </a:lvl4pPr>
-            <a:lvl5pPr indent="-317500" lvl="4" marL="2286000">
+            <a:lvl5pPr marL="2286000" lvl="4" indent="-317500">
               <a:lnSpc>
                 <a:spcPct val="115000"/>
               </a:lnSpc>
@@ -6751,7 +6945,7 @@
                 <a:sym typeface="Average"/>
               </a:defRPr>
             </a:lvl5pPr>
-            <a:lvl6pPr indent="-317500" lvl="5" marL="2743200">
+            <a:lvl6pPr marL="2743200" lvl="5" indent="-317500">
               <a:lnSpc>
                 <a:spcPct val="115000"/>
               </a:lnSpc>
@@ -6777,7 +6971,7 @@
                 <a:sym typeface="Average"/>
               </a:defRPr>
             </a:lvl6pPr>
-            <a:lvl7pPr indent="-317500" lvl="6" marL="3200400">
+            <a:lvl7pPr marL="3200400" lvl="6" indent="-317500">
               <a:lnSpc>
                 <a:spcPct val="115000"/>
               </a:lnSpc>
@@ -6803,7 +6997,7 @@
                 <a:sym typeface="Average"/>
               </a:defRPr>
             </a:lvl7pPr>
-            <a:lvl8pPr indent="-317500" lvl="7" marL="3657600">
+            <a:lvl8pPr marL="3657600" lvl="7" indent="-317500">
               <a:lnSpc>
                 <a:spcPct val="115000"/>
               </a:lnSpc>
@@ -6829,7 +7023,7 @@
                 <a:sym typeface="Average"/>
               </a:defRPr>
             </a:lvl8pPr>
-            <a:lvl9pPr indent="-317500" lvl="8" marL="4114800">
+            <a:lvl9pPr marL="4114800" lvl="8" indent="-317500">
               <a:lnSpc>
                 <a:spcPct val="115000"/>
               </a:lnSpc>
@@ -6856,15 +7050,19 @@
               </a:defRPr>
             </a:lvl9pPr>
           </a:lstStyle>
-          <a:p/>
+          <a:p>
+            <a:endParaRPr/>
+          </a:p>
         </p:txBody>
       </p:sp>
       <p:sp>
         <p:nvSpPr>
           <p:cNvPr id="8" name="Google Shape;8;p1"/>
-          <p:cNvSpPr txBox="1"/>
+          <p:cNvSpPr txBox="1">
+            <a:spLocks noGrp="1"/>
+          </p:cNvSpPr>
           <p:nvPr>
-            <p:ph idx="12" type="sldNum"/>
+            <p:ph type="sldNum" idx="12"/>
           </p:nvPr>
         </p:nvSpPr>
         <p:spPr>
@@ -6881,7 +7079,7 @@
           </a:ln>
         </p:spPr>
         <p:txBody>
-          <a:bodyPr anchorCtr="0" anchor="ctr" bIns="91425" lIns="91425" spcFirstLastPara="1" rIns="91425" wrap="square" tIns="91425">
+          <a:bodyPr spcFirstLastPara="1" wrap="square" lIns="91425" tIns="91425" rIns="91425" bIns="91425" anchor="ctr" anchorCtr="0">
             <a:normAutofit/>
           </a:bodyPr>
           <a:lstStyle>
@@ -6995,7 +7193,7 @@
             </a:lvl9pPr>
           </a:lstStyle>
           <a:p>
-            <a:pPr indent="0" lvl="0" marL="0" rtl="0" algn="r">
+            <a:pPr marL="0" lvl="0" indent="0" algn="r" rtl="0">
               <a:spcBef>
                 <a:spcPts val="0"/>
               </a:spcBef>
@@ -7014,7 +7212,7 @@
       </p:sp>
     </p:spTree>
   </p:cSld>
-  <p:clrMap accent1="accent1" accent2="accent2" accent3="accent3" accent4="accent4" accent5="accent5" accent6="accent6" bg1="lt1" bg2="dk2" tx1="dk1" tx2="lt2" folHlink="folHlink" hlink="hlink"/>
+  <p:clrMap bg1="lt1" tx1="dk1" bg2="dk2" tx2="lt2" accent1="accent1" accent2="accent2" accent3="accent3" accent4="accent4" accent5="accent5" accent6="accent6" hlink="hlink" folHlink="folHlink"/>
   <p:sldLayoutIdLst>
     <p:sldLayoutId id="2147483648" r:id="rId1"/>
     <p:sldLayoutId id="2147483649" r:id="rId2"/>
@@ -7028,10 +7226,10 @@
     <p:sldLayoutId id="2147483657" r:id="rId10"/>
     <p:sldLayoutId id="2147483658" r:id="rId11"/>
   </p:sldLayoutIdLst>
-  <p:hf dt="0" ftr="0" hdr="0" sldNum="0"/>
+  <p:hf sldNum="0" hdr="0" ftr="0" dt="0"/>
   <p:txStyles>
     <p:titleStyle>
-      <a:defPPr lvl="0" marR="0" rtl="0" algn="l">
+      <a:defPPr marR="0" lvl="0" algn="l" rtl="0">
         <a:lnSpc>
           <a:spcPct val="100000"/>
         </a:lnSpc>
@@ -7042,7 +7240,7 @@
           <a:spcPts val="0"/>
         </a:spcAft>
       </a:defPPr>
-      <a:lvl1pPr lvl="0" marR="0" rtl="0" algn="l">
+      <a:lvl1pPr marR="0" lvl="0" algn="l" rtl="0">
         <a:lnSpc>
           <a:spcPct val="100000"/>
         </a:lnSpc>
@@ -7056,7 +7254,7 @@
           <a:srgbClr val="000000"/>
         </a:buClr>
         <a:buFont typeface="Arial"/>
-        <a:defRPr b="0" i="0" sz="1400" u="none" cap="none" strike="noStrike">
+        <a:defRPr sz="1400" b="0" i="0" u="none" strike="noStrike" cap="none">
           <a:solidFill>
             <a:srgbClr val="000000"/>
           </a:solidFill>
@@ -7066,7 +7264,7 @@
           <a:sym typeface="Arial"/>
         </a:defRPr>
       </a:lvl1pPr>
-      <a:lvl2pPr lvl="1" marR="0" rtl="0" algn="l">
+      <a:lvl2pPr marR="0" lvl="1" algn="l" rtl="0">
         <a:lnSpc>
           <a:spcPct val="100000"/>
         </a:lnSpc>
@@ -7080,7 +7278,7 @@
           <a:srgbClr val="000000"/>
         </a:buClr>
         <a:buFont typeface="Arial"/>
-        <a:defRPr b="0" i="0" sz="1400" u="none" cap="none" strike="noStrike">
+        <a:defRPr sz="1400" b="0" i="0" u="none" strike="noStrike" cap="none">
           <a:solidFill>
             <a:srgbClr val="000000"/>
           </a:solidFill>
@@ -7090,7 +7288,7 @@
           <a:sym typeface="Arial"/>
         </a:defRPr>
       </a:lvl2pPr>
-      <a:lvl3pPr lvl="2" marR="0" rtl="0" algn="l">
+      <a:lvl3pPr marR="0" lvl="2" algn="l" rtl="0">
         <a:lnSpc>
           <a:spcPct val="100000"/>
         </a:lnSpc>
@@ -7104,7 +7302,7 @@
           <a:srgbClr val="000000"/>
         </a:buClr>
         <a:buFont typeface="Arial"/>
-        <a:defRPr b="0" i="0" sz="1400" u="none" cap="none" strike="noStrike">
+        <a:defRPr sz="1400" b="0" i="0" u="none" strike="noStrike" cap="none">
           <a:solidFill>
             <a:srgbClr val="000000"/>
           </a:solidFill>
@@ -7114,7 +7312,7 @@
           <a:sym typeface="Arial"/>
         </a:defRPr>
       </a:lvl3pPr>
-      <a:lvl4pPr lvl="3" marR="0" rtl="0" algn="l">
+      <a:lvl4pPr marR="0" lvl="3" algn="l" rtl="0">
         <a:lnSpc>
           <a:spcPct val="100000"/>
         </a:lnSpc>
@@ -7128,7 +7326,7 @@
           <a:srgbClr val="000000"/>
         </a:buClr>
         <a:buFont typeface="Arial"/>
-        <a:defRPr b="0" i="0" sz="1400" u="none" cap="none" strike="noStrike">
+        <a:defRPr sz="1400" b="0" i="0" u="none" strike="noStrike" cap="none">
           <a:solidFill>
             <a:srgbClr val="000000"/>
           </a:solidFill>
@@ -7138,7 +7336,7 @@
           <a:sym typeface="Arial"/>
         </a:defRPr>
       </a:lvl4pPr>
-      <a:lvl5pPr lvl="4" marR="0" rtl="0" algn="l">
+      <a:lvl5pPr marR="0" lvl="4" algn="l" rtl="0">
         <a:lnSpc>
           <a:spcPct val="100000"/>
         </a:lnSpc>
@@ -7152,7 +7350,7 @@
           <a:srgbClr val="000000"/>
         </a:buClr>
         <a:buFont typeface="Arial"/>
-        <a:defRPr b="0" i="0" sz="1400" u="none" cap="none" strike="noStrike">
+        <a:defRPr sz="1400" b="0" i="0" u="none" strike="noStrike" cap="none">
           <a:solidFill>
             <a:srgbClr val="000000"/>
           </a:solidFill>
@@ -7162,7 +7360,7 @@
           <a:sym typeface="Arial"/>
         </a:defRPr>
       </a:lvl5pPr>
-      <a:lvl6pPr lvl="5" marR="0" rtl="0" algn="l">
+      <a:lvl6pPr marR="0" lvl="5" algn="l" rtl="0">
         <a:lnSpc>
           <a:spcPct val="100000"/>
         </a:lnSpc>
@@ -7176,7 +7374,7 @@
           <a:srgbClr val="000000"/>
         </a:buClr>
         <a:buFont typeface="Arial"/>
-        <a:defRPr b="0" i="0" sz="1400" u="none" cap="none" strike="noStrike">
+        <a:defRPr sz="1400" b="0" i="0" u="none" strike="noStrike" cap="none">
           <a:solidFill>
             <a:srgbClr val="000000"/>
           </a:solidFill>
@@ -7186,7 +7384,7 @@
           <a:sym typeface="Arial"/>
         </a:defRPr>
       </a:lvl6pPr>
-      <a:lvl7pPr lvl="6" marR="0" rtl="0" algn="l">
+      <a:lvl7pPr marR="0" lvl="6" algn="l" rtl="0">
         <a:lnSpc>
           <a:spcPct val="100000"/>
         </a:lnSpc>
@@ -7200,7 +7398,7 @@
           <a:srgbClr val="000000"/>
         </a:buClr>
         <a:buFont typeface="Arial"/>
-        <a:defRPr b="0" i="0" sz="1400" u="none" cap="none" strike="noStrike">
+        <a:defRPr sz="1400" b="0" i="0" u="none" strike="noStrike" cap="none">
           <a:solidFill>
             <a:srgbClr val="000000"/>
           </a:solidFill>
@@ -7210,7 +7408,7 @@
           <a:sym typeface="Arial"/>
         </a:defRPr>
       </a:lvl7pPr>
-      <a:lvl8pPr lvl="7" marR="0" rtl="0" algn="l">
+      <a:lvl8pPr marR="0" lvl="7" algn="l" rtl="0">
         <a:lnSpc>
           <a:spcPct val="100000"/>
         </a:lnSpc>
@@ -7224,7 +7422,7 @@
           <a:srgbClr val="000000"/>
         </a:buClr>
         <a:buFont typeface="Arial"/>
-        <a:defRPr b="0" i="0" sz="1400" u="none" cap="none" strike="noStrike">
+        <a:defRPr sz="1400" b="0" i="0" u="none" strike="noStrike" cap="none">
           <a:solidFill>
             <a:srgbClr val="000000"/>
           </a:solidFill>
@@ -7234,7 +7432,7 @@
           <a:sym typeface="Arial"/>
         </a:defRPr>
       </a:lvl8pPr>
-      <a:lvl9pPr lvl="8" marR="0" rtl="0" algn="l">
+      <a:lvl9pPr marR="0" lvl="8" algn="l" rtl="0">
         <a:lnSpc>
           <a:spcPct val="100000"/>
         </a:lnSpc>
@@ -7248,7 +7446,7 @@
           <a:srgbClr val="000000"/>
         </a:buClr>
         <a:buFont typeface="Arial"/>
-        <a:defRPr b="0" i="0" sz="1400" u="none" cap="none" strike="noStrike">
+        <a:defRPr sz="1400" b="0" i="0" u="none" strike="noStrike" cap="none">
           <a:solidFill>
             <a:srgbClr val="000000"/>
           </a:solidFill>
@@ -7260,7 +7458,7 @@
       </a:lvl9pPr>
     </p:titleStyle>
     <p:bodyStyle>
-      <a:defPPr lvl="0" marR="0" rtl="0" algn="l">
+      <a:defPPr marR="0" lvl="0" algn="l" rtl="0">
         <a:lnSpc>
           <a:spcPct val="100000"/>
         </a:lnSpc>
@@ -7271,7 +7469,7 @@
           <a:spcPts val="0"/>
         </a:spcAft>
       </a:defPPr>
-      <a:lvl1pPr lvl="0" marR="0" rtl="0" algn="l">
+      <a:lvl1pPr marR="0" lvl="0" algn="l" rtl="0">
         <a:lnSpc>
           <a:spcPct val="100000"/>
         </a:lnSpc>
@@ -7285,7 +7483,7 @@
           <a:srgbClr val="000000"/>
         </a:buClr>
         <a:buFont typeface="Arial"/>
-        <a:defRPr b="0" i="0" sz="1400" u="none" cap="none" strike="noStrike">
+        <a:defRPr sz="1400" b="0" i="0" u="none" strike="noStrike" cap="none">
           <a:solidFill>
             <a:srgbClr val="000000"/>
           </a:solidFill>
@@ -7295,7 +7493,7 @@
           <a:sym typeface="Arial"/>
         </a:defRPr>
       </a:lvl1pPr>
-      <a:lvl2pPr lvl="1" marR="0" rtl="0" algn="l">
+      <a:lvl2pPr marR="0" lvl="1" algn="l" rtl="0">
         <a:lnSpc>
           <a:spcPct val="100000"/>
         </a:lnSpc>
@@ -7309,7 +7507,7 @@
           <a:srgbClr val="000000"/>
         </a:buClr>
         <a:buFont typeface="Arial"/>
-        <a:defRPr b="0" i="0" sz="1400" u="none" cap="none" strike="noStrike">
+        <a:defRPr sz="1400" b="0" i="0" u="none" strike="noStrike" cap="none">
           <a:solidFill>
             <a:srgbClr val="000000"/>
           </a:solidFill>
@@ -7319,7 +7517,7 @@
           <a:sym typeface="Arial"/>
         </a:defRPr>
       </a:lvl2pPr>
-      <a:lvl3pPr lvl="2" marR="0" rtl="0" algn="l">
+      <a:lvl3pPr marR="0" lvl="2" algn="l" rtl="0">
         <a:lnSpc>
           <a:spcPct val="100000"/>
         </a:lnSpc>
@@ -7333,7 +7531,7 @@
           <a:srgbClr val="000000"/>
         </a:buClr>
         <a:buFont typeface="Arial"/>
-        <a:defRPr b="0" i="0" sz="1400" u="none" cap="none" strike="noStrike">
+        <a:defRPr sz="1400" b="0" i="0" u="none" strike="noStrike" cap="none">
           <a:solidFill>
             <a:srgbClr val="000000"/>
           </a:solidFill>
@@ -7343,7 +7541,7 @@
           <a:sym typeface="Arial"/>
         </a:defRPr>
       </a:lvl3pPr>
-      <a:lvl4pPr lvl="3" marR="0" rtl="0" algn="l">
+      <a:lvl4pPr marR="0" lvl="3" algn="l" rtl="0">
         <a:lnSpc>
           <a:spcPct val="100000"/>
         </a:lnSpc>
@@ -7357,7 +7555,7 @@
           <a:srgbClr val="000000"/>
         </a:buClr>
         <a:buFont typeface="Arial"/>
-        <a:defRPr b="0" i="0" sz="1400" u="none" cap="none" strike="noStrike">
+        <a:defRPr sz="1400" b="0" i="0" u="none" strike="noStrike" cap="none">
           <a:solidFill>
             <a:srgbClr val="000000"/>
           </a:solidFill>
@@ -7367,7 +7565,7 @@
           <a:sym typeface="Arial"/>
         </a:defRPr>
       </a:lvl4pPr>
-      <a:lvl5pPr lvl="4" marR="0" rtl="0" algn="l">
+      <a:lvl5pPr marR="0" lvl="4" algn="l" rtl="0">
         <a:lnSpc>
           <a:spcPct val="100000"/>
         </a:lnSpc>
@@ -7381,7 +7579,7 @@
           <a:srgbClr val="000000"/>
         </a:buClr>
         <a:buFont typeface="Arial"/>
-        <a:defRPr b="0" i="0" sz="1400" u="none" cap="none" strike="noStrike">
+        <a:defRPr sz="1400" b="0" i="0" u="none" strike="noStrike" cap="none">
           <a:solidFill>
             <a:srgbClr val="000000"/>
           </a:solidFill>
@@ -7391,7 +7589,7 @@
           <a:sym typeface="Arial"/>
         </a:defRPr>
       </a:lvl5pPr>
-      <a:lvl6pPr lvl="5" marR="0" rtl="0" algn="l">
+      <a:lvl6pPr marR="0" lvl="5" algn="l" rtl="0">
         <a:lnSpc>
           <a:spcPct val="100000"/>
         </a:lnSpc>
@@ -7405,7 +7603,7 @@
           <a:srgbClr val="000000"/>
         </a:buClr>
         <a:buFont typeface="Arial"/>
-        <a:defRPr b="0" i="0" sz="1400" u="none" cap="none" strike="noStrike">
+        <a:defRPr sz="1400" b="0" i="0" u="none" strike="noStrike" cap="none">
           <a:solidFill>
             <a:srgbClr val="000000"/>
           </a:solidFill>
@@ -7415,7 +7613,7 @@
           <a:sym typeface="Arial"/>
         </a:defRPr>
       </a:lvl6pPr>
-      <a:lvl7pPr lvl="6" marR="0" rtl="0" algn="l">
+      <a:lvl7pPr marR="0" lvl="6" algn="l" rtl="0">
         <a:lnSpc>
           <a:spcPct val="100000"/>
         </a:lnSpc>
@@ -7429,7 +7627,7 @@
           <a:srgbClr val="000000"/>
         </a:buClr>
         <a:buFont typeface="Arial"/>
-        <a:defRPr b="0" i="0" sz="1400" u="none" cap="none" strike="noStrike">
+        <a:defRPr sz="1400" b="0" i="0" u="none" strike="noStrike" cap="none">
           <a:solidFill>
             <a:srgbClr val="000000"/>
           </a:solidFill>
@@ -7439,7 +7637,7 @@
           <a:sym typeface="Arial"/>
         </a:defRPr>
       </a:lvl7pPr>
-      <a:lvl8pPr lvl="7" marR="0" rtl="0" algn="l">
+      <a:lvl8pPr marR="0" lvl="7" algn="l" rtl="0">
         <a:lnSpc>
           <a:spcPct val="100000"/>
         </a:lnSpc>
@@ -7453,7 +7651,7 @@
           <a:srgbClr val="000000"/>
         </a:buClr>
         <a:buFont typeface="Arial"/>
-        <a:defRPr b="0" i="0" sz="1400" u="none" cap="none" strike="noStrike">
+        <a:defRPr sz="1400" b="0" i="0" u="none" strike="noStrike" cap="none">
           <a:solidFill>
             <a:srgbClr val="000000"/>
           </a:solidFill>
@@ -7463,7 +7661,7 @@
           <a:sym typeface="Arial"/>
         </a:defRPr>
       </a:lvl8pPr>
-      <a:lvl9pPr lvl="8" marR="0" rtl="0" algn="l">
+      <a:lvl9pPr marR="0" lvl="8" algn="l" rtl="0">
         <a:lnSpc>
           <a:spcPct val="100000"/>
         </a:lnSpc>
@@ -7477,7 +7675,7 @@
           <a:srgbClr val="000000"/>
         </a:buClr>
         <a:buFont typeface="Arial"/>
-        <a:defRPr b="0" i="0" sz="1400" u="none" cap="none" strike="noStrike">
+        <a:defRPr sz="1400" b="0" i="0" u="none" strike="noStrike" cap="none">
           <a:solidFill>
             <a:srgbClr val="000000"/>
           </a:solidFill>
@@ -7489,7 +7687,7 @@
       </a:lvl9pPr>
     </p:bodyStyle>
     <p:otherStyle>
-      <a:defPPr lvl="0" marR="0" rtl="0" algn="l">
+      <a:defPPr marR="0" lvl="0" algn="l" rtl="0">
         <a:lnSpc>
           <a:spcPct val="100000"/>
         </a:lnSpc>
@@ -7500,7 +7698,7 @@
           <a:spcPts val="0"/>
         </a:spcAft>
       </a:defPPr>
-      <a:lvl1pPr lvl="0" marR="0" rtl="0" algn="l">
+      <a:lvl1pPr marR="0" lvl="0" algn="l" rtl="0">
         <a:lnSpc>
           <a:spcPct val="100000"/>
         </a:lnSpc>
@@ -7514,7 +7712,7 @@
           <a:srgbClr val="000000"/>
         </a:buClr>
         <a:buFont typeface="Arial"/>
-        <a:defRPr b="0" i="0" sz="1400" u="none" cap="none" strike="noStrike">
+        <a:defRPr sz="1400" b="0" i="0" u="none" strike="noStrike" cap="none">
           <a:solidFill>
             <a:srgbClr val="000000"/>
           </a:solidFill>
@@ -7524,7 +7722,7 @@
           <a:sym typeface="Arial"/>
         </a:defRPr>
       </a:lvl1pPr>
-      <a:lvl2pPr lvl="1" marR="0" rtl="0" algn="l">
+      <a:lvl2pPr marR="0" lvl="1" algn="l" rtl="0">
         <a:lnSpc>
           <a:spcPct val="100000"/>
         </a:lnSpc>
@@ -7538,7 +7736,7 @@
           <a:srgbClr val="000000"/>
         </a:buClr>
         <a:buFont typeface="Arial"/>
-        <a:defRPr b="0" i="0" sz="1400" u="none" cap="none" strike="noStrike">
+        <a:defRPr sz="1400" b="0" i="0" u="none" strike="noStrike" cap="none">
           <a:solidFill>
             <a:srgbClr val="000000"/>
           </a:solidFill>
@@ -7548,7 +7746,7 @@
           <a:sym typeface="Arial"/>
         </a:defRPr>
       </a:lvl2pPr>
-      <a:lvl3pPr lvl="2" marR="0" rtl="0" algn="l">
+      <a:lvl3pPr marR="0" lvl="2" algn="l" rtl="0">
         <a:lnSpc>
           <a:spcPct val="100000"/>
         </a:lnSpc>
@@ -7562,7 +7760,7 @@
           <a:srgbClr val="000000"/>
         </a:buClr>
         <a:buFont typeface="Arial"/>
-        <a:defRPr b="0" i="0" sz="1400" u="none" cap="none" strike="noStrike">
+        <a:defRPr sz="1400" b="0" i="0" u="none" strike="noStrike" cap="none">
           <a:solidFill>
             <a:srgbClr val="000000"/>
           </a:solidFill>
@@ -7572,7 +7770,7 @@
           <a:sym typeface="Arial"/>
         </a:defRPr>
       </a:lvl3pPr>
-      <a:lvl4pPr lvl="3" marR="0" rtl="0" algn="l">
+      <a:lvl4pPr marR="0" lvl="3" algn="l" rtl="0">
         <a:lnSpc>
           <a:spcPct val="100000"/>
         </a:lnSpc>
@@ -7586,7 +7784,7 @@
           <a:srgbClr val="000000"/>
         </a:buClr>
         <a:buFont typeface="Arial"/>
-        <a:defRPr b="0" i="0" sz="1400" u="none" cap="none" strike="noStrike">
+        <a:defRPr sz="1400" b="0" i="0" u="none" strike="noStrike" cap="none">
           <a:solidFill>
             <a:srgbClr val="000000"/>
           </a:solidFill>
@@ -7596,7 +7794,7 @@
           <a:sym typeface="Arial"/>
         </a:defRPr>
       </a:lvl4pPr>
-      <a:lvl5pPr lvl="4" marR="0" rtl="0" algn="l">
+      <a:lvl5pPr marR="0" lvl="4" algn="l" rtl="0">
         <a:lnSpc>
           <a:spcPct val="100000"/>
         </a:lnSpc>
@@ -7610,7 +7808,7 @@
           <a:srgbClr val="000000"/>
         </a:buClr>
         <a:buFont typeface="Arial"/>
-        <a:defRPr b="0" i="0" sz="1400" u="none" cap="none" strike="noStrike">
+        <a:defRPr sz="1400" b="0" i="0" u="none" strike="noStrike" cap="none">
           <a:solidFill>
             <a:srgbClr val="000000"/>
           </a:solidFill>
@@ -7620,7 +7818,7 @@
           <a:sym typeface="Arial"/>
         </a:defRPr>
       </a:lvl5pPr>
-      <a:lvl6pPr lvl="5" marR="0" rtl="0" algn="l">
+      <a:lvl6pPr marR="0" lvl="5" algn="l" rtl="0">
         <a:lnSpc>
           <a:spcPct val="100000"/>
         </a:lnSpc>
@@ -7634,7 +7832,7 @@
           <a:srgbClr val="000000"/>
         </a:buClr>
         <a:buFont typeface="Arial"/>
-        <a:defRPr b="0" i="0" sz="1400" u="none" cap="none" strike="noStrike">
+        <a:defRPr sz="1400" b="0" i="0" u="none" strike="noStrike" cap="none">
           <a:solidFill>
             <a:srgbClr val="000000"/>
           </a:solidFill>
@@ -7644,7 +7842,7 @@
           <a:sym typeface="Arial"/>
         </a:defRPr>
       </a:lvl6pPr>
-      <a:lvl7pPr lvl="6" marR="0" rtl="0" algn="l">
+      <a:lvl7pPr marR="0" lvl="6" algn="l" rtl="0">
         <a:lnSpc>
           <a:spcPct val="100000"/>
         </a:lnSpc>
@@ -7658,7 +7856,7 @@
           <a:srgbClr val="000000"/>
         </a:buClr>
         <a:buFont typeface="Arial"/>
-        <a:defRPr b="0" i="0" sz="1400" u="none" cap="none" strike="noStrike">
+        <a:defRPr sz="1400" b="0" i="0" u="none" strike="noStrike" cap="none">
           <a:solidFill>
             <a:srgbClr val="000000"/>
           </a:solidFill>
@@ -7668,7 +7866,7 @@
           <a:sym typeface="Arial"/>
         </a:defRPr>
       </a:lvl7pPr>
-      <a:lvl8pPr lvl="7" marR="0" rtl="0" algn="l">
+      <a:lvl8pPr marR="0" lvl="7" algn="l" rtl="0">
         <a:lnSpc>
           <a:spcPct val="100000"/>
         </a:lnSpc>
@@ -7682,7 +7880,7 @@
           <a:srgbClr val="000000"/>
         </a:buClr>
         <a:buFont typeface="Arial"/>
-        <a:defRPr b="0" i="0" sz="1400" u="none" cap="none" strike="noStrike">
+        <a:defRPr sz="1400" b="0" i="0" u="none" strike="noStrike" cap="none">
           <a:solidFill>
             <a:srgbClr val="000000"/>
           </a:solidFill>
@@ -7692,7 +7890,7 @@
           <a:sym typeface="Arial"/>
         </a:defRPr>
       </a:lvl8pPr>
-      <a:lvl9pPr lvl="8" marR="0" rtl="0" algn="l">
+      <a:lvl9pPr marR="0" lvl="8" algn="l" rtl="0">
         <a:lnSpc>
           <a:spcPct val="100000"/>
         </a:lnSpc>
@@ -7706,7 +7904,7 @@
           <a:srgbClr val="000000"/>
         </a:buClr>
         <a:buFont typeface="Arial"/>
-        <a:defRPr b="0" i="0" sz="1400" u="none" cap="none" strike="noStrike">
+        <a:defRPr sz="1400" b="0" i="0" u="none" strike="noStrike" cap="none">
           <a:solidFill>
             <a:srgbClr val="000000"/>
           </a:solidFill>
@@ -7722,11 +7920,11 @@
 </file>
 
 <file path=ppt/slides/slide1.xml><?xml version="1.0" encoding="utf-8"?>
-<p:sld xmlns:a="http://schemas.openxmlformats.org/drawingml/2006/main" xmlns:r="http://schemas.openxmlformats.org/officeDocument/2006/relationships" xmlns:mc="http://schemas.openxmlformats.org/markup-compatibility/2006" xmlns:mv="urn:schemas-microsoft-com:mac:vml" xmlns:p="http://schemas.openxmlformats.org/presentationml/2006/main" xmlns:c="http://schemas.openxmlformats.org/drawingml/2006/chart" xmlns:dgm="http://schemas.openxmlformats.org/drawingml/2006/diagram" xmlns:o="urn:schemas-microsoft-com:office:office" xmlns:v="urn:schemas-microsoft-com:vml" xmlns:pvml="urn:schemas-microsoft-com:office:powerpoint" xmlns:com="http://schemas.openxmlformats.org/drawingml/2006/compatibility" xmlns:p14="http://schemas.microsoft.com/office/powerpoint/2010/main" xmlns:p15="http://schemas.microsoft.com/office/powerpoint/2012/main" xmlns:ahyp="http://schemas.microsoft.com/office/drawing/2018/hyperlinkcolor">
+<p:sld xmlns:a="http://schemas.openxmlformats.org/drawingml/2006/main" xmlns:r="http://schemas.openxmlformats.org/officeDocument/2006/relationships" xmlns:p="http://schemas.openxmlformats.org/presentationml/2006/main">
   <p:cSld>
     <p:spTree>
       <p:nvGrpSpPr>
-        <p:cNvPr id="58" name="Shape 58"/>
+        <p:cNvPr id="1" name="Shape 58"/>
         <p:cNvGrpSpPr/>
         <p:nvPr/>
       </p:nvGrpSpPr>
@@ -7741,7 +7939,9 @@
       <p:sp>
         <p:nvSpPr>
           <p:cNvPr id="59" name="Google Shape;59;p13"/>
-          <p:cNvSpPr txBox="1"/>
+          <p:cNvSpPr txBox="1">
+            <a:spLocks noGrp="1"/>
+          </p:cNvSpPr>
           <p:nvPr>
             <p:ph type="ctrTitle"/>
           </p:nvPr>
@@ -7756,12 +7956,12 @@
           </a:prstGeom>
         </p:spPr>
         <p:txBody>
-          <a:bodyPr anchorCtr="0" anchor="b" bIns="91425" lIns="91425" spcFirstLastPara="1" rIns="91425" wrap="square" tIns="91425">
+          <a:bodyPr spcFirstLastPara="1" wrap="square" lIns="91425" tIns="91425" rIns="91425" bIns="91425" anchor="b" anchorCtr="0">
             <a:normAutofit/>
           </a:bodyPr>
           <a:lstStyle/>
           <a:p>
-            <a:pPr indent="0" lvl="0" marL="0" rtl="0" algn="ctr">
+            <a:pPr marL="0" lvl="0" indent="0" algn="ctr" rtl="0">
               <a:spcBef>
                 <a:spcPts val="0"/>
               </a:spcBef>
@@ -7781,9 +7981,11 @@
       <p:sp>
         <p:nvSpPr>
           <p:cNvPr id="60" name="Google Shape;60;p13"/>
-          <p:cNvSpPr txBox="1"/>
+          <p:cNvSpPr txBox="1">
+            <a:spLocks noGrp="1"/>
+          </p:cNvSpPr>
           <p:nvPr>
-            <p:ph idx="1" type="subTitle"/>
+            <p:ph type="subTitle" idx="1"/>
           </p:nvPr>
         </p:nvSpPr>
         <p:spPr>
@@ -7796,12 +7998,12 @@
           </a:prstGeom>
         </p:spPr>
         <p:txBody>
-          <a:bodyPr anchorCtr="0" anchor="t" bIns="91425" lIns="91425" spcFirstLastPara="1" rIns="91425" wrap="square" tIns="91425">
+          <a:bodyPr spcFirstLastPara="1" wrap="square" lIns="91425" tIns="91425" rIns="91425" bIns="91425" anchor="t" anchorCtr="0">
             <a:normAutofit/>
           </a:bodyPr>
           <a:lstStyle/>
           <a:p>
-            <a:pPr indent="0" lvl="0" marL="0" rtl="0" algn="ctr">
+            <a:pPr marL="0" lvl="0" indent="0" algn="ctr" rtl="0">
               <a:spcBef>
                 <a:spcPts val="0"/>
               </a:spcBef>
@@ -7827,11 +8029,78 @@
 </file>
 
 <file path=ppt/slides/slide10.xml><?xml version="1.0" encoding="utf-8"?>
-<p:sld xmlns:a="http://schemas.openxmlformats.org/drawingml/2006/main" xmlns:r="http://schemas.openxmlformats.org/officeDocument/2006/relationships" xmlns:mc="http://schemas.openxmlformats.org/markup-compatibility/2006" xmlns:mv="urn:schemas-microsoft-com:mac:vml" xmlns:p="http://schemas.openxmlformats.org/presentationml/2006/main" xmlns:c="http://schemas.openxmlformats.org/drawingml/2006/chart" xmlns:dgm="http://schemas.openxmlformats.org/drawingml/2006/diagram" xmlns:o="urn:schemas-microsoft-com:office:office" xmlns:v="urn:schemas-microsoft-com:vml" xmlns:pvml="urn:schemas-microsoft-com:office:powerpoint" xmlns:com="http://schemas.openxmlformats.org/drawingml/2006/compatibility" xmlns:p14="http://schemas.microsoft.com/office/powerpoint/2010/main" xmlns:p15="http://schemas.microsoft.com/office/powerpoint/2012/main" xmlns:ahyp="http://schemas.microsoft.com/office/drawing/2018/hyperlinkcolor">
+<p:sld xmlns:a="http://schemas.openxmlformats.org/drawingml/2006/main" xmlns:r="http://schemas.openxmlformats.org/officeDocument/2006/relationships" xmlns:p="http://schemas.openxmlformats.org/presentationml/2006/main">
   <p:cSld>
     <p:spTree>
       <p:nvGrpSpPr>
-        <p:cNvPr id="110" name="Shape 110"/>
+        <p:cNvPr id="1" name="Shape 105"/>
+        <p:cNvGrpSpPr/>
+        <p:nvPr/>
+      </p:nvGrpSpPr>
+      <p:grpSpPr>
+        <a:xfrm>
+          <a:off x="0" y="0"/>
+          <a:ext cx="0" cy="0"/>
+          <a:chOff x="0" y="0"/>
+          <a:chExt cx="0" cy="0"/>
+        </a:xfrm>
+      </p:grpSpPr>
+      <p:sp>
+        <p:nvSpPr>
+          <p:cNvPr id="106" name="Google Shape;106;p21"/>
+          <p:cNvSpPr txBox="1">
+            <a:spLocks noGrp="1"/>
+          </p:cNvSpPr>
+          <p:nvPr>
+            <p:ph type="title"/>
+          </p:nvPr>
+        </p:nvSpPr>
+        <p:spPr>
+          <a:xfrm>
+            <a:off x="671250" y="2141250"/>
+            <a:ext cx="7852200" cy="861000"/>
+          </a:xfrm>
+          <a:prstGeom prst="rect">
+            <a:avLst/>
+          </a:prstGeom>
+        </p:spPr>
+        <p:txBody>
+          <a:bodyPr spcFirstLastPara="1" wrap="square" lIns="91425" tIns="91425" rIns="91425" bIns="91425" anchor="ctr" anchorCtr="0">
+            <a:normAutofit/>
+          </a:bodyPr>
+          <a:lstStyle/>
+          <a:p>
+            <a:pPr marL="0" lvl="0" indent="0" algn="ctr" rtl="0">
+              <a:spcBef>
+                <a:spcPts val="0"/>
+              </a:spcBef>
+              <a:spcAft>
+                <a:spcPts val="0"/>
+              </a:spcAft>
+              <a:buNone/>
+            </a:pPr>
+            <a:r>
+              <a:rPr lang="en"/>
+              <a:t>Next to be Implemented</a:t>
+            </a:r>
+            <a:endParaRPr/>
+          </a:p>
+        </p:txBody>
+      </p:sp>
+    </p:spTree>
+  </p:cSld>
+  <p:clrMapOvr>
+    <a:masterClrMapping/>
+  </p:clrMapOvr>
+</p:sld>
+</file>
+
+<file path=ppt/slides/slide11.xml><?xml version="1.0" encoding="utf-8"?>
+<p:sld xmlns:a="http://schemas.openxmlformats.org/drawingml/2006/main" xmlns:r="http://schemas.openxmlformats.org/officeDocument/2006/relationships" xmlns:p="http://schemas.openxmlformats.org/presentationml/2006/main">
+  <p:cSld>
+    <p:spTree>
+      <p:nvGrpSpPr>
+        <p:cNvPr id="1" name="Shape 110"/>
         <p:cNvGrpSpPr/>
         <p:nvPr/>
       </p:nvGrpSpPr>
@@ -7846,7 +8115,9 @@
       <p:sp>
         <p:nvSpPr>
           <p:cNvPr id="111" name="Google Shape;111;p22"/>
-          <p:cNvSpPr txBox="1"/>
+          <p:cNvSpPr txBox="1">
+            <a:spLocks noGrp="1"/>
+          </p:cNvSpPr>
           <p:nvPr>
             <p:ph type="title"/>
           </p:nvPr>
@@ -7861,12 +8132,12 @@
           </a:prstGeom>
         </p:spPr>
         <p:txBody>
-          <a:bodyPr anchorCtr="0" anchor="t" bIns="91425" lIns="91425" spcFirstLastPara="1" rIns="91425" wrap="square" tIns="91425">
+          <a:bodyPr spcFirstLastPara="1" wrap="square" lIns="91425" tIns="91425" rIns="91425" bIns="91425" anchor="t" anchorCtr="0">
             <a:normAutofit fontScale="90000"/>
           </a:bodyPr>
           <a:lstStyle/>
           <a:p>
-            <a:pPr indent="0" lvl="0" marL="0" rtl="0" algn="l">
+            <a:pPr marL="0" lvl="0" indent="0" algn="l" rtl="0">
               <a:spcBef>
                 <a:spcPts val="0"/>
               </a:spcBef>
@@ -7886,9 +8157,11 @@
       <p:sp>
         <p:nvSpPr>
           <p:cNvPr id="112" name="Google Shape;112;p22"/>
-          <p:cNvSpPr txBox="1"/>
+          <p:cNvSpPr txBox="1">
+            <a:spLocks noGrp="1"/>
+          </p:cNvSpPr>
           <p:nvPr>
-            <p:ph idx="1" type="body"/>
+            <p:ph type="body" idx="1"/>
           </p:nvPr>
         </p:nvSpPr>
         <p:spPr>
@@ -7901,12 +8174,12 @@
           </a:prstGeom>
         </p:spPr>
         <p:txBody>
-          <a:bodyPr anchorCtr="0" anchor="t" bIns="91425" lIns="91425" spcFirstLastPara="1" rIns="91425" wrap="square" tIns="91425">
+          <a:bodyPr spcFirstLastPara="1" wrap="square" lIns="91425" tIns="91425" rIns="91425" bIns="91425" anchor="t" anchorCtr="0">
             <a:normAutofit/>
           </a:bodyPr>
           <a:lstStyle/>
           <a:p>
-            <a:pPr indent="-342900" lvl="0" marL="457200" rtl="0" algn="l">
+            <a:pPr marL="457200" lvl="0" indent="-342900" algn="l" rtl="0">
               <a:spcBef>
                 <a:spcPts val="0"/>
               </a:spcBef>
@@ -7923,7 +8196,7 @@
             <a:endParaRPr/>
           </a:p>
           <a:p>
-            <a:pPr indent="-317500" lvl="1" marL="914400" rtl="0" algn="l">
+            <a:pPr marL="914400" lvl="1" indent="-317500" algn="l" rtl="0">
               <a:spcBef>
                 <a:spcPts val="0"/>
               </a:spcBef>
@@ -7935,28 +8208,12 @@
             </a:pPr>
             <a:r>
               <a:rPr lang="en"/>
-              <a:t>Create </a:t>
+              <a:t>Create a test data to be able to test many components of the program before the creation aspect is made</a:t>
             </a:r>
-            <a:r>
-              <a:rPr lang="en"/>
-              <a:t>a </a:t>
-            </a:r>
-            <a:r>
-              <a:rPr lang="en"/>
-              <a:t>test data to be able to test </a:t>
-            </a:r>
-            <a:r>
-              <a:rPr lang="en"/>
-              <a:t>many</a:t>
-            </a:r>
-            <a:r>
-              <a:rPr lang="en"/>
-              <a:t> components of the program before the creation aspect is made</a:t>
-            </a:r>
-            <a:endParaRPr/>
-          </a:p>
-          <a:p>
-            <a:pPr indent="-317500" lvl="2" marL="1371600" rtl="0" algn="l">
+            <a:endParaRPr/>
+          </a:p>
+          <a:p>
+            <a:pPr marL="1371600" lvl="2" indent="-317500" algn="l" rtl="0">
               <a:spcBef>
                 <a:spcPts val="0"/>
               </a:spcBef>
@@ -7973,7 +8230,7 @@
             <a:endParaRPr/>
           </a:p>
           <a:p>
-            <a:pPr indent="-317500" lvl="2" marL="1371600" rtl="0" algn="l">
+            <a:pPr marL="1371600" lvl="2" indent="-317500" algn="l" rtl="0">
               <a:spcBef>
                 <a:spcPts val="0"/>
               </a:spcBef>
@@ -7990,7 +8247,7 @@
             <a:endParaRPr/>
           </a:p>
           <a:p>
-            <a:pPr indent="-342900" lvl="0" marL="457200" rtl="0" algn="l">
+            <a:pPr marL="457200" lvl="0" indent="-342900" algn="l" rtl="0">
               <a:spcBef>
                 <a:spcPts val="0"/>
               </a:spcBef>
@@ -8007,7 +8264,7 @@
             <a:endParaRPr/>
           </a:p>
           <a:p>
-            <a:pPr indent="-317500" lvl="1" marL="914400" rtl="0" algn="l">
+            <a:pPr marL="914400" lvl="1" indent="-317500" algn="l" rtl="0">
               <a:spcBef>
                 <a:spcPts val="0"/>
               </a:spcBef>
@@ -8024,7 +8281,7 @@
             <a:endParaRPr/>
           </a:p>
           <a:p>
-            <a:pPr indent="-317500" lvl="2" marL="1371600" rtl="0" algn="l">
+            <a:pPr marL="1371600" lvl="2" indent="-317500" algn="l" rtl="0">
               <a:spcBef>
                 <a:spcPts val="0"/>
               </a:spcBef>
@@ -8050,12 +8307,12 @@
 </p:sld>
 </file>
 
-<file path=ppt/slides/slide11.xml><?xml version="1.0" encoding="utf-8"?>
-<p:sld xmlns:a="http://schemas.openxmlformats.org/drawingml/2006/main" xmlns:r="http://schemas.openxmlformats.org/officeDocument/2006/relationships" xmlns:mc="http://schemas.openxmlformats.org/markup-compatibility/2006" xmlns:mv="urn:schemas-microsoft-com:mac:vml" xmlns:p="http://schemas.openxmlformats.org/presentationml/2006/main" xmlns:c="http://schemas.openxmlformats.org/drawingml/2006/chart" xmlns:dgm="http://schemas.openxmlformats.org/drawingml/2006/diagram" xmlns:o="urn:schemas-microsoft-com:office:office" xmlns:v="urn:schemas-microsoft-com:vml" xmlns:pvml="urn:schemas-microsoft-com:office:powerpoint" xmlns:com="http://schemas.openxmlformats.org/drawingml/2006/compatibility" xmlns:p14="http://schemas.microsoft.com/office/powerpoint/2010/main" xmlns:p15="http://schemas.microsoft.com/office/powerpoint/2012/main" xmlns:ahyp="http://schemas.microsoft.com/office/drawing/2018/hyperlinkcolor">
+<file path=ppt/slides/slide12.xml><?xml version="1.0" encoding="utf-8"?>
+<p:sld xmlns:a="http://schemas.openxmlformats.org/drawingml/2006/main" xmlns:r="http://schemas.openxmlformats.org/officeDocument/2006/relationships" xmlns:p="http://schemas.openxmlformats.org/presentationml/2006/main">
   <p:cSld>
     <p:spTree>
       <p:nvGrpSpPr>
-        <p:cNvPr id="116" name="Shape 116"/>
+        <p:cNvPr id="1" name="Shape 116"/>
         <p:cNvGrpSpPr/>
         <p:nvPr/>
       </p:nvGrpSpPr>
@@ -8070,7 +8327,9 @@
       <p:sp>
         <p:nvSpPr>
           <p:cNvPr id="117" name="Google Shape;117;p23"/>
-          <p:cNvSpPr txBox="1"/>
+          <p:cNvSpPr txBox="1">
+            <a:spLocks noGrp="1"/>
+          </p:cNvSpPr>
           <p:nvPr>
             <p:ph type="title"/>
           </p:nvPr>
@@ -8085,12 +8344,12 @@
           </a:prstGeom>
         </p:spPr>
         <p:txBody>
-          <a:bodyPr anchorCtr="0" anchor="ctr" bIns="91425" lIns="91425" spcFirstLastPara="1" rIns="91425" wrap="square" tIns="91425">
+          <a:bodyPr spcFirstLastPara="1" wrap="square" lIns="91425" tIns="91425" rIns="91425" bIns="91425" anchor="ctr" anchorCtr="0">
             <a:normAutofit/>
           </a:bodyPr>
           <a:lstStyle/>
           <a:p>
-            <a:pPr indent="0" lvl="0" marL="0" rtl="0" algn="ctr">
+            <a:pPr marL="0" lvl="0" indent="0" algn="ctr" rtl="0">
               <a:spcBef>
                 <a:spcPts val="0"/>
               </a:spcBef>
@@ -8115,12 +8374,12 @@
 </p:sld>
 </file>
 
-<file path=ppt/slides/slide12.xml><?xml version="1.0" encoding="utf-8"?>
-<p:sld xmlns:a="http://schemas.openxmlformats.org/drawingml/2006/main" xmlns:r="http://schemas.openxmlformats.org/officeDocument/2006/relationships" xmlns:mc="http://schemas.openxmlformats.org/markup-compatibility/2006" xmlns:mv="urn:schemas-microsoft-com:mac:vml" xmlns:p="http://schemas.openxmlformats.org/presentationml/2006/main" xmlns:c="http://schemas.openxmlformats.org/drawingml/2006/chart" xmlns:dgm="http://schemas.openxmlformats.org/drawingml/2006/diagram" xmlns:o="urn:schemas-microsoft-com:office:office" xmlns:v="urn:schemas-microsoft-com:vml" xmlns:pvml="urn:schemas-microsoft-com:office:powerpoint" xmlns:com="http://schemas.openxmlformats.org/drawingml/2006/compatibility" xmlns:p14="http://schemas.microsoft.com/office/powerpoint/2010/main" xmlns:p15="http://schemas.microsoft.com/office/powerpoint/2012/main" xmlns:ahyp="http://schemas.microsoft.com/office/drawing/2018/hyperlinkcolor">
+<file path=ppt/slides/slide13.xml><?xml version="1.0" encoding="utf-8"?>
+<p:sld xmlns:a="http://schemas.openxmlformats.org/drawingml/2006/main" xmlns:r="http://schemas.openxmlformats.org/officeDocument/2006/relationships" xmlns:p="http://schemas.openxmlformats.org/presentationml/2006/main">
   <p:cSld>
     <p:spTree>
       <p:nvGrpSpPr>
-        <p:cNvPr id="121" name="Shape 121"/>
+        <p:cNvPr id="1" name="Shape 121"/>
         <p:cNvGrpSpPr/>
         <p:nvPr/>
       </p:nvGrpSpPr>
@@ -8135,7 +8394,9 @@
       <p:sp>
         <p:nvSpPr>
           <p:cNvPr id="122" name="Google Shape;122;p24"/>
-          <p:cNvSpPr txBox="1"/>
+          <p:cNvSpPr txBox="1">
+            <a:spLocks noGrp="1"/>
+          </p:cNvSpPr>
           <p:nvPr>
             <p:ph type="title"/>
           </p:nvPr>
@@ -8150,12 +8411,12 @@
           </a:prstGeom>
         </p:spPr>
         <p:txBody>
-          <a:bodyPr anchorCtr="0" anchor="t" bIns="91425" lIns="91425" spcFirstLastPara="1" rIns="91425" wrap="square" tIns="91425">
+          <a:bodyPr spcFirstLastPara="1" wrap="square" lIns="91425" tIns="91425" rIns="91425" bIns="91425" anchor="t" anchorCtr="0">
             <a:normAutofit fontScale="90000"/>
           </a:bodyPr>
           <a:lstStyle/>
           <a:p>
-            <a:pPr indent="0" lvl="0" marL="0" rtl="0" algn="l">
+            <a:pPr marL="0" lvl="0" indent="0" algn="l" rtl="0">
               <a:spcBef>
                 <a:spcPts val="0"/>
               </a:spcBef>
@@ -8175,9 +8436,11 @@
       <p:sp>
         <p:nvSpPr>
           <p:cNvPr id="123" name="Google Shape;123;p24"/>
-          <p:cNvSpPr txBox="1"/>
+          <p:cNvSpPr txBox="1">
+            <a:spLocks noGrp="1"/>
+          </p:cNvSpPr>
           <p:nvPr>
-            <p:ph idx="1" type="body"/>
+            <p:ph type="body" idx="1"/>
           </p:nvPr>
         </p:nvSpPr>
         <p:spPr>
@@ -8190,12 +8453,12 @@
           </a:prstGeom>
         </p:spPr>
         <p:txBody>
-          <a:bodyPr anchorCtr="0" anchor="t" bIns="91425" lIns="91425" spcFirstLastPara="1" rIns="91425" wrap="square" tIns="91425">
-            <a:normAutofit/>
+          <a:bodyPr spcFirstLastPara="1" wrap="square" lIns="91425" tIns="91425" rIns="91425" bIns="91425" anchor="t" anchorCtr="0">
+            <a:normAutofit lnSpcReduction="10000"/>
           </a:bodyPr>
           <a:lstStyle/>
           <a:p>
-            <a:pPr indent="-342900" lvl="0" marL="457200" rtl="0" algn="l">
+            <a:pPr marL="457200" lvl="0" indent="-342900" algn="l" rtl="0">
               <a:spcBef>
                 <a:spcPts val="0"/>
               </a:spcBef>
@@ -8207,16 +8470,12 @@
             </a:pPr>
             <a:r>
               <a:rPr lang="en"/>
-              <a:t>Gamification</a:t>
+              <a:t>Gamification Layer</a:t>
             </a:r>
-            <a:r>
-              <a:rPr lang="en"/>
-              <a:t> Layer</a:t>
-            </a:r>
-            <a:endParaRPr/>
-          </a:p>
-          <a:p>
-            <a:pPr indent="-317500" lvl="1" marL="914400" rtl="0" algn="l">
+            <a:endParaRPr/>
+          </a:p>
+          <a:p>
+            <a:pPr marL="914400" lvl="1" indent="-317500" algn="l" rtl="0">
               <a:spcBef>
                 <a:spcPts val="0"/>
               </a:spcBef>
@@ -8233,7 +8492,7 @@
             <a:endParaRPr/>
           </a:p>
           <a:p>
-            <a:pPr indent="-317500" lvl="1" marL="914400" rtl="0" algn="l">
+            <a:pPr marL="914400" lvl="1" indent="-317500" algn="l" rtl="0">
               <a:spcBef>
                 <a:spcPts val="0"/>
               </a:spcBef>
@@ -8250,7 +8509,7 @@
             <a:endParaRPr/>
           </a:p>
           <a:p>
-            <a:pPr indent="-317500" lvl="1" marL="914400" rtl="0" algn="l">
+            <a:pPr marL="914400" lvl="1" indent="-317500" algn="l" rtl="0">
               <a:spcBef>
                 <a:spcPts val="0"/>
               </a:spcBef>
@@ -8267,7 +8526,7 @@
             <a:endParaRPr/>
           </a:p>
           <a:p>
-            <a:pPr indent="-342900" lvl="0" marL="457200" rtl="0" algn="l">
+            <a:pPr marL="457200" lvl="0" indent="-342900" algn="l" rtl="0">
               <a:spcBef>
                 <a:spcPts val="0"/>
               </a:spcBef>
@@ -8279,16 +8538,12 @@
             </a:pPr>
             <a:r>
               <a:rPr lang="en"/>
-              <a:t>Workout Page</a:t>
+              <a:t>Workout Page UI and Functionality</a:t>
             </a:r>
-            <a:r>
-              <a:rPr lang="en"/>
-              <a:t> UI and Functionality</a:t>
-            </a:r>
-            <a:endParaRPr/>
-          </a:p>
-          <a:p>
-            <a:pPr indent="-342900" lvl="0" marL="457200" rtl="0" algn="l">
+            <a:endParaRPr/>
+          </a:p>
+          <a:p>
+            <a:pPr marL="457200" lvl="0" indent="-342900" algn="l" rtl="0">
               <a:spcBef>
                 <a:spcPts val="0"/>
               </a:spcBef>
@@ -8305,7 +8560,7 @@
             <a:endParaRPr/>
           </a:p>
           <a:p>
-            <a:pPr indent="-342900" lvl="0" marL="457200" rtl="0" algn="l">
+            <a:pPr marL="457200" lvl="0" indent="-342900" algn="l" rtl="0">
               <a:spcBef>
                 <a:spcPts val="0"/>
               </a:spcBef>
@@ -8322,7 +8577,7 @@
             <a:endParaRPr/>
           </a:p>
           <a:p>
-            <a:pPr indent="-342900" lvl="0" marL="457200" rtl="0" algn="l">
+            <a:pPr marL="457200" lvl="0" indent="-342900" algn="l" rtl="0">
               <a:spcBef>
                 <a:spcPts val="0"/>
               </a:spcBef>
@@ -8339,7 +8594,7 @@
             <a:endParaRPr/>
           </a:p>
           <a:p>
-            <a:pPr indent="-342900" lvl="0" marL="457200" rtl="0" algn="l">
+            <a:pPr marL="457200" lvl="0" indent="-342900" algn="l" rtl="0">
               <a:spcBef>
                 <a:spcPts val="0"/>
               </a:spcBef>
@@ -8356,7 +8611,7 @@
             <a:endParaRPr/>
           </a:p>
           <a:p>
-            <a:pPr indent="-342900" lvl="0" marL="457200" rtl="0" algn="l">
+            <a:pPr marL="457200" lvl="0" indent="-342900" algn="l" rtl="0">
               <a:spcBef>
                 <a:spcPts val="0"/>
               </a:spcBef>
@@ -8373,7 +8628,7 @@
             <a:endParaRPr/>
           </a:p>
           <a:p>
-            <a:pPr indent="-342900" lvl="0" marL="457200" rtl="0" algn="l">
+            <a:pPr marL="457200" lvl="0" indent="-342900" algn="l" rtl="0">
               <a:spcBef>
                 <a:spcPts val="0"/>
               </a:spcBef>
@@ -8399,12 +8654,12 @@
 </p:sld>
 </file>
 
-<file path=ppt/slides/slide13.xml><?xml version="1.0" encoding="utf-8"?>
-<p:sld xmlns:a="http://schemas.openxmlformats.org/drawingml/2006/main" xmlns:r="http://schemas.openxmlformats.org/officeDocument/2006/relationships" xmlns:mc="http://schemas.openxmlformats.org/markup-compatibility/2006" xmlns:mv="urn:schemas-microsoft-com:mac:vml" xmlns:p="http://schemas.openxmlformats.org/presentationml/2006/main" xmlns:c="http://schemas.openxmlformats.org/drawingml/2006/chart" xmlns:dgm="http://schemas.openxmlformats.org/drawingml/2006/diagram" xmlns:o="urn:schemas-microsoft-com:office:office" xmlns:v="urn:schemas-microsoft-com:vml" xmlns:pvml="urn:schemas-microsoft-com:office:powerpoint" xmlns:com="http://schemas.openxmlformats.org/drawingml/2006/compatibility" xmlns:p14="http://schemas.microsoft.com/office/powerpoint/2010/main" xmlns:p15="http://schemas.microsoft.com/office/powerpoint/2012/main" xmlns:ahyp="http://schemas.microsoft.com/office/drawing/2018/hyperlinkcolor">
+<file path=ppt/slides/slide14.xml><?xml version="1.0" encoding="utf-8"?>
+<p:sld xmlns:a="http://schemas.openxmlformats.org/drawingml/2006/main" xmlns:r="http://schemas.openxmlformats.org/officeDocument/2006/relationships" xmlns:p="http://schemas.openxmlformats.org/presentationml/2006/main">
   <p:cSld>
     <p:spTree>
       <p:nvGrpSpPr>
-        <p:cNvPr id="127" name="Shape 127"/>
+        <p:cNvPr id="1" name="Shape 127"/>
         <p:cNvGrpSpPr/>
         <p:nvPr/>
       </p:nvGrpSpPr>
@@ -8419,7 +8674,9 @@
       <p:sp>
         <p:nvSpPr>
           <p:cNvPr id="128" name="Google Shape;128;p25"/>
-          <p:cNvSpPr txBox="1"/>
+          <p:cNvSpPr txBox="1">
+            <a:spLocks noGrp="1"/>
+          </p:cNvSpPr>
           <p:nvPr>
             <p:ph type="title"/>
           </p:nvPr>
@@ -8434,12 +8691,12 @@
           </a:prstGeom>
         </p:spPr>
         <p:txBody>
-          <a:bodyPr anchorCtr="0" anchor="t" bIns="91425" lIns="91425" spcFirstLastPara="1" rIns="91425" wrap="square" tIns="91425">
+          <a:bodyPr spcFirstLastPara="1" wrap="square" lIns="91425" tIns="91425" rIns="91425" bIns="91425" anchor="t" anchorCtr="0">
             <a:normAutofit fontScale="90000"/>
           </a:bodyPr>
           <a:lstStyle/>
           <a:p>
-            <a:pPr indent="0" lvl="0" marL="0" rtl="0" algn="l">
+            <a:pPr marL="0" lvl="0" indent="0" algn="l" rtl="0">
               <a:spcBef>
                 <a:spcPts val="0"/>
               </a:spcBef>
@@ -8459,9 +8716,11 @@
       <p:sp>
         <p:nvSpPr>
           <p:cNvPr id="129" name="Google Shape;129;p25"/>
-          <p:cNvSpPr txBox="1"/>
+          <p:cNvSpPr txBox="1">
+            <a:spLocks noGrp="1"/>
+          </p:cNvSpPr>
           <p:nvPr>
-            <p:ph idx="1" type="body"/>
+            <p:ph type="body" idx="1"/>
           </p:nvPr>
         </p:nvSpPr>
         <p:spPr>
@@ -8474,12 +8733,12 @@
           </a:prstGeom>
         </p:spPr>
         <p:txBody>
-          <a:bodyPr anchorCtr="0" anchor="t" bIns="91425" lIns="91425" spcFirstLastPara="1" rIns="91425" wrap="square" tIns="91425">
+          <a:bodyPr spcFirstLastPara="1" wrap="square" lIns="91425" tIns="91425" rIns="91425" bIns="91425" anchor="t" anchorCtr="0">
             <a:normAutofit/>
           </a:bodyPr>
           <a:lstStyle/>
           <a:p>
-            <a:pPr indent="0" lvl="0" marL="0" rtl="0" algn="ctr">
+            <a:pPr marL="0" lvl="0" indent="0" algn="ctr" rtl="0">
               <a:spcBef>
                 <a:spcPts val="0"/>
               </a:spcBef>
@@ -8495,7 +8754,7 @@
             <a:endParaRPr u="sng"/>
           </a:p>
           <a:p>
-            <a:pPr indent="-342900" lvl="0" marL="457200" rtl="0" algn="l">
+            <a:pPr marL="457200" lvl="0" indent="-342900" algn="l" rtl="0">
               <a:spcBef>
                 <a:spcPts val="1200"/>
               </a:spcBef>
@@ -8512,7 +8771,7 @@
             <a:endParaRPr/>
           </a:p>
           <a:p>
-            <a:pPr indent="-342900" lvl="0" marL="457200" rtl="0" algn="l">
+            <a:pPr marL="457200" lvl="0" indent="-342900" algn="l" rtl="0">
               <a:spcBef>
                 <a:spcPts val="0"/>
               </a:spcBef>
@@ -8529,7 +8788,7 @@
             <a:endParaRPr/>
           </a:p>
           <a:p>
-            <a:pPr indent="-342900" lvl="0" marL="457200" rtl="0" algn="l">
+            <a:pPr marL="457200" lvl="0" indent="-342900" algn="l" rtl="0">
               <a:spcBef>
                 <a:spcPts val="0"/>
               </a:spcBef>
@@ -8546,7 +8805,7 @@
             <a:endParaRPr/>
           </a:p>
           <a:p>
-            <a:pPr indent="-317500" lvl="1" marL="914400" rtl="0" algn="l">
+            <a:pPr marL="914400" lvl="1" indent="-317500" algn="l" rtl="0">
               <a:spcBef>
                 <a:spcPts val="0"/>
               </a:spcBef>
@@ -8563,7 +8822,7 @@
             <a:endParaRPr/>
           </a:p>
           <a:p>
-            <a:pPr indent="-317500" lvl="2" marL="1371600" rtl="0" algn="l">
+            <a:pPr marL="1371600" lvl="2" indent="-317500" algn="l" rtl="0">
               <a:spcBef>
                 <a:spcPts val="0"/>
               </a:spcBef>
@@ -8580,7 +8839,7 @@
             <a:endParaRPr/>
           </a:p>
           <a:p>
-            <a:pPr indent="-317500" lvl="2" marL="1371600" rtl="0" algn="l">
+            <a:pPr marL="1371600" lvl="2" indent="-317500" algn="l" rtl="0">
               <a:spcBef>
                 <a:spcPts val="0"/>
               </a:spcBef>
@@ -8597,7 +8856,7 @@
             <a:endParaRPr/>
           </a:p>
           <a:p>
-            <a:pPr indent="-317500" lvl="1" marL="914400" rtl="0" algn="l">
+            <a:pPr marL="914400" lvl="1" indent="-317500" algn="l" rtl="0">
               <a:spcBef>
                 <a:spcPts val="0"/>
               </a:spcBef>
@@ -8614,7 +8873,7 @@
             <a:endParaRPr/>
           </a:p>
           <a:p>
-            <a:pPr indent="-317500" lvl="2" marL="1371600" rtl="0" algn="l">
+            <a:pPr marL="1371600" lvl="2" indent="-317500" algn="l" rtl="0">
               <a:spcBef>
                 <a:spcPts val="0"/>
               </a:spcBef>
@@ -8635,9 +8894,11 @@
       <p:sp>
         <p:nvSpPr>
           <p:cNvPr id="130" name="Google Shape;130;p25"/>
-          <p:cNvSpPr txBox="1"/>
+          <p:cNvSpPr txBox="1">
+            <a:spLocks noGrp="1"/>
+          </p:cNvSpPr>
           <p:nvPr>
-            <p:ph idx="1" type="body"/>
+            <p:ph type="body" idx="1"/>
           </p:nvPr>
         </p:nvSpPr>
         <p:spPr>
@@ -8650,12 +8911,12 @@
           </a:prstGeom>
         </p:spPr>
         <p:txBody>
-          <a:bodyPr anchorCtr="0" anchor="t" bIns="91425" lIns="91425" spcFirstLastPara="1" rIns="91425" wrap="square" tIns="91425">
+          <a:bodyPr spcFirstLastPara="1" wrap="square" lIns="91425" tIns="91425" rIns="91425" bIns="91425" anchor="t" anchorCtr="0">
             <a:normAutofit/>
           </a:bodyPr>
           <a:lstStyle/>
           <a:p>
-            <a:pPr indent="0" lvl="0" marL="0" rtl="0" algn="ctr">
+            <a:pPr marL="0" lvl="0" indent="0" algn="ctr" rtl="0">
               <a:spcBef>
                 <a:spcPts val="0"/>
               </a:spcBef>
@@ -8671,7 +8932,7 @@
             <a:endParaRPr u="sng"/>
           </a:p>
           <a:p>
-            <a:pPr indent="-342900" lvl="0" marL="457200" rtl="0" algn="l">
+            <a:pPr marL="457200" lvl="0" indent="-342900" algn="l" rtl="0">
               <a:spcBef>
                 <a:spcPts val="1200"/>
               </a:spcBef>
@@ -8688,7 +8949,7 @@
             <a:endParaRPr/>
           </a:p>
           <a:p>
-            <a:pPr indent="-342900" lvl="0" marL="457200" rtl="0" algn="l">
+            <a:pPr marL="457200" lvl="0" indent="-342900" algn="l" rtl="0">
               <a:spcBef>
                 <a:spcPts val="0"/>
               </a:spcBef>
@@ -8705,7 +8966,7 @@
             <a:endParaRPr/>
           </a:p>
           <a:p>
-            <a:pPr indent="-342900" lvl="0" marL="457200" rtl="0" algn="l">
+            <a:pPr marL="457200" lvl="0" indent="-342900" algn="l" rtl="0">
               <a:spcBef>
                 <a:spcPts val="0"/>
               </a:spcBef>
@@ -8722,7 +8983,7 @@
             <a:endParaRPr/>
           </a:p>
           <a:p>
-            <a:pPr indent="-342900" lvl="0" marL="457200" rtl="0" algn="l">
+            <a:pPr marL="457200" lvl="0" indent="-342900" algn="l" rtl="0">
               <a:spcBef>
                 <a:spcPts val="0"/>
               </a:spcBef>
@@ -8739,7 +9000,7 @@
             <a:endParaRPr/>
           </a:p>
           <a:p>
-            <a:pPr indent="-342900" lvl="0" marL="457200" rtl="0" algn="l">
+            <a:pPr marL="457200" lvl="0" indent="-342900" algn="l" rtl="0">
               <a:spcBef>
                 <a:spcPts val="0"/>
               </a:spcBef>
@@ -8756,7 +9017,7 @@
             <a:endParaRPr/>
           </a:p>
           <a:p>
-            <a:pPr indent="-342900" lvl="0" marL="457200" rtl="0" algn="l">
+            <a:pPr marL="457200" lvl="0" indent="-342900" algn="l" rtl="0">
               <a:spcBef>
                 <a:spcPts val="0"/>
               </a:spcBef>
@@ -8768,11 +9029,7 @@
             </a:pPr>
             <a:r>
               <a:rPr lang="en"/>
-              <a:t>Goal</a:t>
-            </a:r>
-            <a:r>
-              <a:rPr lang="en"/>
-              <a:t>s Screen</a:t>
+              <a:t>Goals Screen</a:t>
             </a:r>
             <a:endParaRPr/>
           </a:p>
@@ -8786,12 +9043,12 @@
 </p:sld>
 </file>
 
-<file path=ppt/slides/slide14.xml><?xml version="1.0" encoding="utf-8"?>
-<p:sld xmlns:a="http://schemas.openxmlformats.org/drawingml/2006/main" xmlns:r="http://schemas.openxmlformats.org/officeDocument/2006/relationships" xmlns:mc="http://schemas.openxmlformats.org/markup-compatibility/2006" xmlns:mv="urn:schemas-microsoft-com:mac:vml" xmlns:p="http://schemas.openxmlformats.org/presentationml/2006/main" xmlns:c="http://schemas.openxmlformats.org/drawingml/2006/chart" xmlns:dgm="http://schemas.openxmlformats.org/drawingml/2006/diagram" xmlns:o="urn:schemas-microsoft-com:office:office" xmlns:v="urn:schemas-microsoft-com:vml" xmlns:pvml="urn:schemas-microsoft-com:office:powerpoint" xmlns:com="http://schemas.openxmlformats.org/drawingml/2006/compatibility" xmlns:p14="http://schemas.microsoft.com/office/powerpoint/2010/main" xmlns:p15="http://schemas.microsoft.com/office/powerpoint/2012/main" xmlns:ahyp="http://schemas.microsoft.com/office/drawing/2018/hyperlinkcolor">
+<file path=ppt/slides/slide15.xml><?xml version="1.0" encoding="utf-8"?>
+<p:sld xmlns:a="http://schemas.openxmlformats.org/drawingml/2006/main" xmlns:r="http://schemas.openxmlformats.org/officeDocument/2006/relationships" xmlns:p="http://schemas.openxmlformats.org/presentationml/2006/main">
   <p:cSld>
     <p:spTree>
       <p:nvGrpSpPr>
-        <p:cNvPr id="134" name="Shape 134"/>
+        <p:cNvPr id="1" name="Shape 134"/>
         <p:cNvGrpSpPr/>
         <p:nvPr/>
       </p:nvGrpSpPr>
@@ -8834,7 +9091,9 @@
       <p:sp>
         <p:nvSpPr>
           <p:cNvPr id="136" name="Google Shape;136;p26"/>
-          <p:cNvSpPr txBox="1"/>
+          <p:cNvSpPr txBox="1">
+            <a:spLocks noGrp="1"/>
+          </p:cNvSpPr>
           <p:nvPr>
             <p:ph type="title"/>
           </p:nvPr>
@@ -8849,12 +9108,12 @@
           </a:prstGeom>
         </p:spPr>
         <p:txBody>
-          <a:bodyPr anchorCtr="0" anchor="t" bIns="91425" lIns="91425" spcFirstLastPara="1" rIns="91425" wrap="square" tIns="91425">
+          <a:bodyPr spcFirstLastPara="1" wrap="square" lIns="91425" tIns="91425" rIns="91425" bIns="91425" anchor="t" anchorCtr="0">
             <a:normAutofit fontScale="90000"/>
           </a:bodyPr>
           <a:lstStyle/>
           <a:p>
-            <a:pPr indent="0" lvl="0" marL="0" rtl="0" algn="ctr">
+            <a:pPr marL="0" lvl="0" indent="0" algn="ctr" rtl="0">
               <a:spcBef>
                 <a:spcPts val="0"/>
               </a:spcBef>
@@ -8879,12 +9138,12 @@
 </p:sld>
 </file>
 
-<file path=ppt/slides/slide15.xml><?xml version="1.0" encoding="utf-8"?>
-<p:sld xmlns:a="http://schemas.openxmlformats.org/drawingml/2006/main" xmlns:r="http://schemas.openxmlformats.org/officeDocument/2006/relationships" xmlns:mc="http://schemas.openxmlformats.org/markup-compatibility/2006" xmlns:mv="urn:schemas-microsoft-com:mac:vml" xmlns:p="http://schemas.openxmlformats.org/presentationml/2006/main" xmlns:c="http://schemas.openxmlformats.org/drawingml/2006/chart" xmlns:dgm="http://schemas.openxmlformats.org/drawingml/2006/diagram" xmlns:o="urn:schemas-microsoft-com:office:office" xmlns:v="urn:schemas-microsoft-com:vml" xmlns:pvml="urn:schemas-microsoft-com:office:powerpoint" xmlns:com="http://schemas.openxmlformats.org/drawingml/2006/compatibility" xmlns:p14="http://schemas.microsoft.com/office/powerpoint/2010/main" xmlns:p15="http://schemas.microsoft.com/office/powerpoint/2012/main" xmlns:ahyp="http://schemas.microsoft.com/office/drawing/2018/hyperlinkcolor">
+<file path=ppt/slides/slide16.xml><?xml version="1.0" encoding="utf-8"?>
+<p:sld xmlns:a="http://schemas.openxmlformats.org/drawingml/2006/main" xmlns:r="http://schemas.openxmlformats.org/officeDocument/2006/relationships" xmlns:p="http://schemas.openxmlformats.org/presentationml/2006/main">
   <p:cSld>
     <p:spTree>
       <p:nvGrpSpPr>
-        <p:cNvPr id="140" name="Shape 140"/>
+        <p:cNvPr id="1" name="Shape 140"/>
         <p:cNvGrpSpPr/>
         <p:nvPr/>
       </p:nvGrpSpPr>
@@ -8899,7 +9158,9 @@
       <p:sp>
         <p:nvSpPr>
           <p:cNvPr id="141" name="Google Shape;141;p27"/>
-          <p:cNvSpPr txBox="1"/>
+          <p:cNvSpPr txBox="1">
+            <a:spLocks noGrp="1"/>
+          </p:cNvSpPr>
           <p:nvPr>
             <p:ph type="title"/>
           </p:nvPr>
@@ -8914,12 +9175,12 @@
           </a:prstGeom>
         </p:spPr>
         <p:txBody>
-          <a:bodyPr anchorCtr="0" anchor="t" bIns="91425" lIns="91425" spcFirstLastPara="1" rIns="91425" wrap="square" tIns="91425">
+          <a:bodyPr spcFirstLastPara="1" wrap="square" lIns="91425" tIns="91425" rIns="91425" bIns="91425" anchor="t" anchorCtr="0">
             <a:normAutofit fontScale="90000"/>
           </a:bodyPr>
           <a:lstStyle/>
           <a:p>
-            <a:pPr indent="0" lvl="0" marL="0" rtl="0" algn="ctr">
+            <a:pPr marL="0" lvl="0" indent="0" algn="ctr" rtl="0">
               <a:spcBef>
                 <a:spcPts val="0"/>
               </a:spcBef>
@@ -8972,12 +9233,12 @@
 </p:sld>
 </file>
 
-<file path=ppt/slides/slide16.xml><?xml version="1.0" encoding="utf-8"?>
-<p:sld xmlns:a="http://schemas.openxmlformats.org/drawingml/2006/main" xmlns:r="http://schemas.openxmlformats.org/officeDocument/2006/relationships" xmlns:mc="http://schemas.openxmlformats.org/markup-compatibility/2006" xmlns:mv="urn:schemas-microsoft-com:mac:vml" xmlns:p="http://schemas.openxmlformats.org/presentationml/2006/main" xmlns:c="http://schemas.openxmlformats.org/drawingml/2006/chart" xmlns:dgm="http://schemas.openxmlformats.org/drawingml/2006/diagram" xmlns:o="urn:schemas-microsoft-com:office:office" xmlns:v="urn:schemas-microsoft-com:vml" xmlns:pvml="urn:schemas-microsoft-com:office:powerpoint" xmlns:com="http://schemas.openxmlformats.org/drawingml/2006/compatibility" xmlns:p14="http://schemas.microsoft.com/office/powerpoint/2010/main" xmlns:p15="http://schemas.microsoft.com/office/powerpoint/2012/main" xmlns:ahyp="http://schemas.microsoft.com/office/drawing/2018/hyperlinkcolor">
+<file path=ppt/slides/slide17.xml><?xml version="1.0" encoding="utf-8"?>
+<p:sld xmlns:a="http://schemas.openxmlformats.org/drawingml/2006/main" xmlns:r="http://schemas.openxmlformats.org/officeDocument/2006/relationships" xmlns:p="http://schemas.openxmlformats.org/presentationml/2006/main">
   <p:cSld>
     <p:spTree>
       <p:nvGrpSpPr>
-        <p:cNvPr id="146" name="Shape 146"/>
+        <p:cNvPr id="1" name="Shape 146"/>
         <p:cNvGrpSpPr/>
         <p:nvPr/>
       </p:nvGrpSpPr>
@@ -8999,7 +9260,7 @@
           <a:blip r:embed="rId3">
             <a:alphaModFix/>
           </a:blip>
-          <a:srcRect b="0" l="0" r="0" t="12319"/>
+          <a:srcRect t="12319"/>
           <a:stretch/>
         </p:blipFill>
         <p:spPr>
@@ -9019,7 +9280,9 @@
       <p:sp>
         <p:nvSpPr>
           <p:cNvPr id="148" name="Google Shape;148;p28"/>
-          <p:cNvSpPr txBox="1"/>
+          <p:cNvSpPr txBox="1">
+            <a:spLocks noGrp="1"/>
+          </p:cNvSpPr>
           <p:nvPr>
             <p:ph type="title"/>
           </p:nvPr>
@@ -9034,12 +9297,12 @@
           </a:prstGeom>
         </p:spPr>
         <p:txBody>
-          <a:bodyPr anchorCtr="0" anchor="t" bIns="91425" lIns="91425" spcFirstLastPara="1" rIns="91425" wrap="square" tIns="91425">
+          <a:bodyPr spcFirstLastPara="1" wrap="square" lIns="91425" tIns="91425" rIns="91425" bIns="91425" anchor="t" anchorCtr="0">
             <a:normAutofit fontScale="90000"/>
           </a:bodyPr>
           <a:lstStyle/>
           <a:p>
-            <a:pPr indent="0" lvl="0" marL="0" rtl="0" algn="ctr">
+            <a:pPr marL="0" lvl="0" indent="0" algn="ctr" rtl="0">
               <a:spcBef>
                 <a:spcPts val="0"/>
               </a:spcBef>
@@ -9064,12 +9327,12 @@
 </p:sld>
 </file>
 
-<file path=ppt/slides/slide17.xml><?xml version="1.0" encoding="utf-8"?>
-<p:sld xmlns:a="http://schemas.openxmlformats.org/drawingml/2006/main" xmlns:r="http://schemas.openxmlformats.org/officeDocument/2006/relationships" xmlns:mc="http://schemas.openxmlformats.org/markup-compatibility/2006" xmlns:mv="urn:schemas-microsoft-com:mac:vml" xmlns:p="http://schemas.openxmlformats.org/presentationml/2006/main" xmlns:c="http://schemas.openxmlformats.org/drawingml/2006/chart" xmlns:dgm="http://schemas.openxmlformats.org/drawingml/2006/diagram" xmlns:o="urn:schemas-microsoft-com:office:office" xmlns:v="urn:schemas-microsoft-com:vml" xmlns:pvml="urn:schemas-microsoft-com:office:powerpoint" xmlns:com="http://schemas.openxmlformats.org/drawingml/2006/compatibility" xmlns:p14="http://schemas.microsoft.com/office/powerpoint/2010/main" xmlns:p15="http://schemas.microsoft.com/office/powerpoint/2012/main" xmlns:ahyp="http://schemas.microsoft.com/office/drawing/2018/hyperlinkcolor">
+<file path=ppt/slides/slide18.xml><?xml version="1.0" encoding="utf-8"?>
+<p:sld xmlns:a="http://schemas.openxmlformats.org/drawingml/2006/main" xmlns:r="http://schemas.openxmlformats.org/officeDocument/2006/relationships" xmlns:p="http://schemas.openxmlformats.org/presentationml/2006/main">
   <p:cSld>
     <p:spTree>
       <p:nvGrpSpPr>
-        <p:cNvPr id="152" name="Shape 152"/>
+        <p:cNvPr id="1" name="Shape 152"/>
         <p:cNvGrpSpPr/>
         <p:nvPr/>
       </p:nvGrpSpPr>
@@ -9084,7 +9347,9 @@
       <p:sp>
         <p:nvSpPr>
           <p:cNvPr id="153" name="Google Shape;153;p29"/>
-          <p:cNvSpPr txBox="1"/>
+          <p:cNvSpPr txBox="1">
+            <a:spLocks noGrp="1"/>
+          </p:cNvSpPr>
           <p:nvPr>
             <p:ph type="title"/>
           </p:nvPr>
@@ -9099,12 +9364,12 @@
           </a:prstGeom>
         </p:spPr>
         <p:txBody>
-          <a:bodyPr anchorCtr="0" anchor="t" bIns="91425" lIns="91425" spcFirstLastPara="1" rIns="91425" wrap="square" tIns="91425">
+          <a:bodyPr spcFirstLastPara="1" wrap="square" lIns="91425" tIns="91425" rIns="91425" bIns="91425" anchor="t" anchorCtr="0">
             <a:normAutofit fontScale="90000"/>
           </a:bodyPr>
           <a:lstStyle/>
           <a:p>
-            <a:pPr indent="0" lvl="0" marL="0" rtl="0" algn="l">
+            <a:pPr marL="0" lvl="0" indent="0" algn="l" rtl="0">
               <a:spcBef>
                 <a:spcPts val="0"/>
               </a:spcBef>
@@ -9124,9 +9389,11 @@
       <p:sp>
         <p:nvSpPr>
           <p:cNvPr id="154" name="Google Shape;154;p29"/>
-          <p:cNvSpPr txBox="1"/>
+          <p:cNvSpPr txBox="1">
+            <a:spLocks noGrp="1"/>
+          </p:cNvSpPr>
           <p:nvPr>
-            <p:ph idx="1" type="body"/>
+            <p:ph type="body" idx="1"/>
           </p:nvPr>
         </p:nvSpPr>
         <p:spPr>
@@ -9139,12 +9406,12 @@
           </a:prstGeom>
         </p:spPr>
         <p:txBody>
-          <a:bodyPr anchorCtr="0" anchor="t" bIns="91425" lIns="91425" spcFirstLastPara="1" rIns="91425" wrap="square" tIns="91425">
+          <a:bodyPr spcFirstLastPara="1" wrap="square" lIns="91425" tIns="91425" rIns="91425" bIns="91425" anchor="t" anchorCtr="0">
             <a:normAutofit/>
           </a:bodyPr>
           <a:lstStyle/>
           <a:p>
-            <a:pPr indent="-342900" lvl="0" marL="457200" rtl="0" algn="l">
+            <a:pPr marL="457200" lvl="0" indent="-342900" algn="l" rtl="0">
               <a:spcBef>
                 <a:spcPts val="0"/>
               </a:spcBef>
@@ -9161,7 +9428,7 @@
             <a:endParaRPr/>
           </a:p>
           <a:p>
-            <a:pPr indent="-342900" lvl="0" marL="457200" rtl="0" algn="l">
+            <a:pPr marL="457200" lvl="0" indent="-342900" algn="l" rtl="0">
               <a:spcBef>
                 <a:spcPts val="0"/>
               </a:spcBef>
@@ -9178,7 +9445,7 @@
             <a:endParaRPr/>
           </a:p>
           <a:p>
-            <a:pPr indent="-342900" lvl="0" marL="457200" rtl="0" algn="l">
+            <a:pPr marL="457200" lvl="0" indent="-342900" algn="l" rtl="0">
               <a:spcBef>
                 <a:spcPts val="0"/>
               </a:spcBef>
@@ -9195,7 +9462,7 @@
             <a:endParaRPr/>
           </a:p>
           <a:p>
-            <a:pPr indent="-342900" lvl="0" marL="457200" rtl="0" algn="l">
+            <a:pPr marL="457200" lvl="0" indent="-342900" algn="l" rtl="0">
               <a:spcBef>
                 <a:spcPts val="0"/>
               </a:spcBef>
@@ -9212,7 +9479,7 @@
             <a:endParaRPr/>
           </a:p>
           <a:p>
-            <a:pPr indent="-317500" lvl="1" marL="914400" rtl="0" algn="l">
+            <a:pPr marL="914400" lvl="1" indent="-317500" algn="l" rtl="0">
               <a:spcBef>
                 <a:spcPts val="0"/>
               </a:spcBef>
@@ -9229,7 +9496,7 @@
             <a:endParaRPr/>
           </a:p>
           <a:p>
-            <a:pPr indent="-317500" lvl="1" marL="914400" rtl="0" algn="l">
+            <a:pPr marL="914400" lvl="1" indent="-317500" algn="l" rtl="0">
               <a:spcBef>
                 <a:spcPts val="0"/>
               </a:spcBef>
@@ -9246,7 +9513,7 @@
             <a:endParaRPr/>
           </a:p>
           <a:p>
-            <a:pPr indent="-317500" lvl="1" marL="914400" rtl="0" algn="l">
+            <a:pPr marL="914400" lvl="1" indent="-317500" algn="l" rtl="0">
               <a:spcBef>
                 <a:spcPts val="0"/>
               </a:spcBef>
@@ -9263,7 +9530,7 @@
             <a:endParaRPr/>
           </a:p>
           <a:p>
-            <a:pPr indent="-317500" lvl="1" marL="914400" rtl="0" algn="l">
+            <a:pPr marL="914400" lvl="1" indent="-317500" algn="l" rtl="0">
               <a:spcBef>
                 <a:spcPts val="0"/>
               </a:spcBef>
@@ -9289,12 +9556,12 @@
 </p:sld>
 </file>
 
-<file path=ppt/slides/slide18.xml><?xml version="1.0" encoding="utf-8"?>
-<p:sld xmlns:a="http://schemas.openxmlformats.org/drawingml/2006/main" xmlns:r="http://schemas.openxmlformats.org/officeDocument/2006/relationships" xmlns:mc="http://schemas.openxmlformats.org/markup-compatibility/2006" xmlns:mv="urn:schemas-microsoft-com:mac:vml" xmlns:p="http://schemas.openxmlformats.org/presentationml/2006/main" xmlns:c="http://schemas.openxmlformats.org/drawingml/2006/chart" xmlns:dgm="http://schemas.openxmlformats.org/drawingml/2006/diagram" xmlns:o="urn:schemas-microsoft-com:office:office" xmlns:v="urn:schemas-microsoft-com:vml" xmlns:pvml="urn:schemas-microsoft-com:office:powerpoint" xmlns:com="http://schemas.openxmlformats.org/drawingml/2006/compatibility" xmlns:p14="http://schemas.microsoft.com/office/powerpoint/2010/main" xmlns:p15="http://schemas.microsoft.com/office/powerpoint/2012/main" xmlns:ahyp="http://schemas.microsoft.com/office/drawing/2018/hyperlinkcolor">
+<file path=ppt/slides/slide19.xml><?xml version="1.0" encoding="utf-8"?>
+<p:sld xmlns:a="http://schemas.openxmlformats.org/drawingml/2006/main" xmlns:r="http://schemas.openxmlformats.org/officeDocument/2006/relationships" xmlns:p="http://schemas.openxmlformats.org/presentationml/2006/main">
   <p:cSld>
     <p:spTree>
       <p:nvGrpSpPr>
-        <p:cNvPr id="158" name="Shape 158"/>
+        <p:cNvPr id="1" name="Shape 158"/>
         <p:cNvGrpSpPr/>
         <p:nvPr/>
       </p:nvGrpSpPr>
@@ -9309,7 +9576,9 @@
       <p:sp>
         <p:nvSpPr>
           <p:cNvPr id="159" name="Google Shape;159;p30"/>
-          <p:cNvSpPr txBox="1"/>
+          <p:cNvSpPr txBox="1">
+            <a:spLocks noGrp="1"/>
+          </p:cNvSpPr>
           <p:nvPr>
             <p:ph type="title"/>
           </p:nvPr>
@@ -9324,23 +9593,20 @@
           </a:prstGeom>
         </p:spPr>
         <p:txBody>
-          <a:bodyPr anchorCtr="0" anchor="t" bIns="91425" lIns="91425" spcFirstLastPara="1" rIns="91425" wrap="square" tIns="91425">
+          <a:bodyPr spcFirstLastPara="1" wrap="square" lIns="91425" tIns="91425" rIns="91425" bIns="91425" anchor="t" anchorCtr="0">
             <a:normAutofit fontScale="90000"/>
           </a:bodyPr>
           <a:lstStyle/>
           <a:p>
-            <a:pPr indent="0" lvl="0" marL="0" rtl="0" algn="l">
-              <a:spcBef>
-                <a:spcPts val="0"/>
-              </a:spcBef>
-              <a:spcAft>
-                <a:spcPts val="0"/>
-              </a:spcAft>
-              <a:buNone/>
-            </a:pPr>
-            <a:r>
-              <a:t/>
-            </a:r>
+            <a:pPr marL="0" lvl="0" indent="0" algn="l" rtl="0">
+              <a:spcBef>
+                <a:spcPts val="0"/>
+              </a:spcBef>
+              <a:spcAft>
+                <a:spcPts val="0"/>
+              </a:spcAft>
+              <a:buNone/>
+            </a:pPr>
             <a:endParaRPr/>
           </a:p>
         </p:txBody>
@@ -9348,9 +9614,11 @@
       <p:sp>
         <p:nvSpPr>
           <p:cNvPr id="160" name="Google Shape;160;p30"/>
-          <p:cNvSpPr txBox="1"/>
+          <p:cNvSpPr txBox="1">
+            <a:spLocks noGrp="1"/>
+          </p:cNvSpPr>
           <p:nvPr>
-            <p:ph idx="1" type="body"/>
+            <p:ph type="body" idx="1"/>
           </p:nvPr>
         </p:nvSpPr>
         <p:spPr>
@@ -9363,12 +9631,12 @@
           </a:prstGeom>
         </p:spPr>
         <p:txBody>
-          <a:bodyPr anchorCtr="0" anchor="t" bIns="91425" lIns="91425" spcFirstLastPara="1" rIns="91425" wrap="square" tIns="91425">
+          <a:bodyPr spcFirstLastPara="1" wrap="square" lIns="91425" tIns="91425" rIns="91425" bIns="91425" anchor="t" anchorCtr="0">
             <a:normAutofit/>
           </a:bodyPr>
           <a:lstStyle/>
           <a:p>
-            <a:pPr indent="0" lvl="0" marL="0" rtl="0" algn="l">
+            <a:pPr marL="0" lvl="0" indent="0" algn="l" rtl="0">
               <a:spcBef>
                 <a:spcPts val="0"/>
               </a:spcBef>
@@ -9384,7 +9652,7 @@
             <a:endParaRPr sz="3000"/>
           </a:p>
           <a:p>
-            <a:pPr indent="0" lvl="0" marL="0" rtl="0" algn="l">
+            <a:pPr marL="0" lvl="0" indent="0" algn="l" rtl="0">
               <a:spcBef>
                 <a:spcPts val="1200"/>
               </a:spcBef>
@@ -9410,11 +9678,11 @@
 </file>
 
 <file path=ppt/slides/slide2.xml><?xml version="1.0" encoding="utf-8"?>
-<p:sld xmlns:a="http://schemas.openxmlformats.org/drawingml/2006/main" xmlns:r="http://schemas.openxmlformats.org/officeDocument/2006/relationships" xmlns:mc="http://schemas.openxmlformats.org/markup-compatibility/2006" xmlns:mv="urn:schemas-microsoft-com:mac:vml" xmlns:p="http://schemas.openxmlformats.org/presentationml/2006/main" xmlns:c="http://schemas.openxmlformats.org/drawingml/2006/chart" xmlns:dgm="http://schemas.openxmlformats.org/drawingml/2006/diagram" xmlns:o="urn:schemas-microsoft-com:office:office" xmlns:v="urn:schemas-microsoft-com:vml" xmlns:pvml="urn:schemas-microsoft-com:office:powerpoint" xmlns:com="http://schemas.openxmlformats.org/drawingml/2006/compatibility" xmlns:p14="http://schemas.microsoft.com/office/powerpoint/2010/main" xmlns:p15="http://schemas.microsoft.com/office/powerpoint/2012/main" xmlns:ahyp="http://schemas.microsoft.com/office/drawing/2018/hyperlinkcolor">
+<p:sld xmlns:a="http://schemas.openxmlformats.org/drawingml/2006/main" xmlns:r="http://schemas.openxmlformats.org/officeDocument/2006/relationships" xmlns:p="http://schemas.openxmlformats.org/presentationml/2006/main">
   <p:cSld>
     <p:spTree>
       <p:nvGrpSpPr>
-        <p:cNvPr id="64" name="Shape 64"/>
+        <p:cNvPr id="1" name="Shape 64"/>
         <p:cNvGrpSpPr/>
         <p:nvPr/>
       </p:nvGrpSpPr>
@@ -9429,7 +9697,9 @@
       <p:sp>
         <p:nvSpPr>
           <p:cNvPr id="65" name="Google Shape;65;p14"/>
-          <p:cNvSpPr txBox="1"/>
+          <p:cNvSpPr txBox="1">
+            <a:spLocks noGrp="1"/>
+          </p:cNvSpPr>
           <p:nvPr>
             <p:ph type="title"/>
           </p:nvPr>
@@ -9444,12 +9714,12 @@
           </a:prstGeom>
         </p:spPr>
         <p:txBody>
-          <a:bodyPr anchorCtr="0" anchor="t" bIns="91425" lIns="91425" spcFirstLastPara="1" rIns="91425" wrap="square" tIns="91425">
+          <a:bodyPr spcFirstLastPara="1" wrap="square" lIns="91425" tIns="91425" rIns="91425" bIns="91425" anchor="t" anchorCtr="0">
             <a:normAutofit fontScale="90000"/>
           </a:bodyPr>
           <a:lstStyle/>
           <a:p>
-            <a:pPr indent="0" lvl="0" marL="0" rtl="0" algn="l">
+            <a:pPr marL="0" lvl="0" indent="0" algn="l" rtl="0">
               <a:spcBef>
                 <a:spcPts val="0"/>
               </a:spcBef>
@@ -9469,9 +9739,11 @@
       <p:sp>
         <p:nvSpPr>
           <p:cNvPr id="66" name="Google Shape;66;p14"/>
-          <p:cNvSpPr txBox="1"/>
+          <p:cNvSpPr txBox="1">
+            <a:spLocks noGrp="1"/>
+          </p:cNvSpPr>
           <p:nvPr>
-            <p:ph idx="1" type="body"/>
+            <p:ph type="body" idx="1"/>
           </p:nvPr>
         </p:nvSpPr>
         <p:spPr>
@@ -9484,12 +9756,12 @@
           </a:prstGeom>
         </p:spPr>
         <p:txBody>
-          <a:bodyPr anchorCtr="0" anchor="t" bIns="91425" lIns="91425" spcFirstLastPara="1" rIns="91425" wrap="square" tIns="91425">
+          <a:bodyPr spcFirstLastPara="1" wrap="square" lIns="91425" tIns="91425" rIns="91425" bIns="91425" anchor="t" anchorCtr="0">
             <a:normAutofit/>
           </a:bodyPr>
           <a:lstStyle/>
           <a:p>
-            <a:pPr indent="-342900" lvl="0" marL="457200" rtl="0" algn="l">
+            <a:pPr marL="457200" lvl="0" indent="-342900" algn="l" rtl="0">
               <a:spcBef>
                 <a:spcPts val="0"/>
               </a:spcBef>
@@ -9509,7 +9781,7 @@
             <a:endParaRPr/>
           </a:p>
           <a:p>
-            <a:pPr indent="-342900" lvl="0" marL="457200" rtl="0" algn="l">
+            <a:pPr marL="457200" lvl="0" indent="-342900" algn="l" rtl="0">
               <a:spcBef>
                 <a:spcPts val="0"/>
               </a:spcBef>
@@ -9526,7 +9798,7 @@
             <a:endParaRPr/>
           </a:p>
           <a:p>
-            <a:pPr indent="-317500" lvl="1" marL="914400" rtl="0" algn="l">
+            <a:pPr marL="914400" lvl="1" indent="-317500" algn="l" rtl="0">
               <a:spcBef>
                 <a:spcPts val="0"/>
               </a:spcBef>
@@ -9543,7 +9815,7 @@
             <a:endParaRPr/>
           </a:p>
           <a:p>
-            <a:pPr indent="-317500" lvl="1" marL="914400" rtl="0" algn="l">
+            <a:pPr marL="914400" lvl="1" indent="-317500" algn="l" rtl="0">
               <a:spcBef>
                 <a:spcPts val="0"/>
               </a:spcBef>
@@ -9560,7 +9832,7 @@
             <a:endParaRPr/>
           </a:p>
           <a:p>
-            <a:pPr indent="-317500" lvl="1" marL="914400" rtl="0" algn="l">
+            <a:pPr marL="914400" lvl="1" indent="-317500" algn="l" rtl="0">
               <a:spcBef>
                 <a:spcPts val="0"/>
               </a:spcBef>
@@ -9577,7 +9849,7 @@
             <a:endParaRPr/>
           </a:p>
           <a:p>
-            <a:pPr indent="-317500" lvl="1" marL="914400" rtl="0" algn="l">
+            <a:pPr marL="914400" lvl="1" indent="-317500" algn="l" rtl="0">
               <a:spcBef>
                 <a:spcPts val="0"/>
               </a:spcBef>
@@ -9594,7 +9866,7 @@
             <a:endParaRPr/>
           </a:p>
           <a:p>
-            <a:pPr indent="-317500" lvl="1" marL="914400" rtl="0" algn="l">
+            <a:pPr marL="914400" lvl="1" indent="-317500" algn="l" rtl="0">
               <a:spcBef>
                 <a:spcPts val="0"/>
               </a:spcBef>
@@ -9611,7 +9883,7 @@
             <a:endParaRPr/>
           </a:p>
           <a:p>
-            <a:pPr indent="-317500" lvl="1" marL="914400" rtl="0" algn="l">
+            <a:pPr marL="914400" lvl="1" indent="-317500" algn="l" rtl="0">
               <a:spcBef>
                 <a:spcPts val="0"/>
               </a:spcBef>
@@ -9628,7 +9900,7 @@
             <a:endParaRPr/>
           </a:p>
           <a:p>
-            <a:pPr indent="-317500" lvl="1" marL="914400" rtl="0" algn="l">
+            <a:pPr marL="914400" lvl="1" indent="-317500" algn="l" rtl="0">
               <a:spcBef>
                 <a:spcPts val="0"/>
               </a:spcBef>
@@ -9645,7 +9917,7 @@
             <a:endParaRPr/>
           </a:p>
           <a:p>
-            <a:pPr indent="0" lvl="0" marL="914400" rtl="0" algn="l">
+            <a:pPr marL="914400" lvl="0" indent="0" algn="l" rtl="0">
               <a:spcBef>
                 <a:spcPts val="1200"/>
               </a:spcBef>
@@ -9654,9 +9926,6 @@
               </a:spcAft>
               <a:buNone/>
             </a:pPr>
-            <a:r>
-              <a:t/>
-            </a:r>
             <a:endParaRPr/>
           </a:p>
         </p:txBody>
@@ -9670,11 +9939,11 @@
 </file>
 
 <file path=ppt/slides/slide3.xml><?xml version="1.0" encoding="utf-8"?>
-<p:sld xmlns:a="http://schemas.openxmlformats.org/drawingml/2006/main" xmlns:r="http://schemas.openxmlformats.org/officeDocument/2006/relationships" xmlns:mc="http://schemas.openxmlformats.org/markup-compatibility/2006" xmlns:mv="urn:schemas-microsoft-com:mac:vml" xmlns:p="http://schemas.openxmlformats.org/presentationml/2006/main" xmlns:c="http://schemas.openxmlformats.org/drawingml/2006/chart" xmlns:dgm="http://schemas.openxmlformats.org/drawingml/2006/diagram" xmlns:o="urn:schemas-microsoft-com:office:office" xmlns:v="urn:schemas-microsoft-com:vml" xmlns:pvml="urn:schemas-microsoft-com:office:powerpoint" xmlns:com="http://schemas.openxmlformats.org/drawingml/2006/compatibility" xmlns:p14="http://schemas.microsoft.com/office/powerpoint/2010/main" xmlns:p15="http://schemas.microsoft.com/office/powerpoint/2012/main" xmlns:ahyp="http://schemas.microsoft.com/office/drawing/2018/hyperlinkcolor">
+<p:sld xmlns:a="http://schemas.openxmlformats.org/drawingml/2006/main" xmlns:r="http://schemas.openxmlformats.org/officeDocument/2006/relationships" xmlns:p="http://schemas.openxmlformats.org/presentationml/2006/main">
   <p:cSld>
     <p:spTree>
       <p:nvGrpSpPr>
-        <p:cNvPr id="70" name="Shape 70"/>
+        <p:cNvPr id="1" name="Shape 70"/>
         <p:cNvGrpSpPr/>
         <p:nvPr/>
       </p:nvGrpSpPr>
@@ -9689,7 +9958,9 @@
       <p:sp>
         <p:nvSpPr>
           <p:cNvPr id="71" name="Google Shape;71;p15"/>
-          <p:cNvSpPr txBox="1"/>
+          <p:cNvSpPr txBox="1">
+            <a:spLocks noGrp="1"/>
+          </p:cNvSpPr>
           <p:nvPr>
             <p:ph type="title"/>
           </p:nvPr>
@@ -9704,12 +9975,12 @@
           </a:prstGeom>
         </p:spPr>
         <p:txBody>
-          <a:bodyPr anchorCtr="0" anchor="t" bIns="91425" lIns="91425" spcFirstLastPara="1" rIns="91425" wrap="square" tIns="91425">
+          <a:bodyPr spcFirstLastPara="1" wrap="square" lIns="91425" tIns="91425" rIns="91425" bIns="91425" anchor="t" anchorCtr="0">
             <a:normAutofit fontScale="90000"/>
           </a:bodyPr>
           <a:lstStyle/>
           <a:p>
-            <a:pPr indent="0" lvl="0" marL="0" rtl="0" algn="l">
+            <a:pPr marL="0" lvl="0" indent="0" algn="l" rtl="0">
               <a:spcBef>
                 <a:spcPts val="0"/>
               </a:spcBef>
@@ -9729,9 +10000,11 @@
       <p:sp>
         <p:nvSpPr>
           <p:cNvPr id="72" name="Google Shape;72;p15"/>
-          <p:cNvSpPr txBox="1"/>
+          <p:cNvSpPr txBox="1">
+            <a:spLocks noGrp="1"/>
+          </p:cNvSpPr>
           <p:nvPr>
-            <p:ph idx="1" type="body"/>
+            <p:ph type="body" idx="1"/>
           </p:nvPr>
         </p:nvSpPr>
         <p:spPr>
@@ -9744,12 +10017,12 @@
           </a:prstGeom>
         </p:spPr>
         <p:txBody>
-          <a:bodyPr anchorCtr="0" anchor="t" bIns="91425" lIns="91425" spcFirstLastPara="1" rIns="91425" wrap="square" tIns="91425">
+          <a:bodyPr spcFirstLastPara="1" wrap="square" lIns="91425" tIns="91425" rIns="91425" bIns="91425" anchor="t" anchorCtr="0">
             <a:normAutofit/>
           </a:bodyPr>
           <a:lstStyle/>
           <a:p>
-            <a:pPr indent="-342900" lvl="0" marL="457200" rtl="0" algn="l">
+            <a:pPr marL="457200" lvl="0" indent="-342900" algn="l" rtl="0">
               <a:spcBef>
                 <a:spcPts val="0"/>
               </a:spcBef>
@@ -9766,7 +10039,7 @@
             <a:endParaRPr/>
           </a:p>
           <a:p>
-            <a:pPr indent="-342900" lvl="0" marL="457200" rtl="0" algn="l">
+            <a:pPr marL="457200" lvl="0" indent="-342900" algn="l" rtl="0">
               <a:spcBef>
                 <a:spcPts val="0"/>
               </a:spcBef>
@@ -9783,7 +10056,7 @@
             <a:endParaRPr/>
           </a:p>
           <a:p>
-            <a:pPr indent="-342900" lvl="0" marL="457200" rtl="0" algn="l">
+            <a:pPr marL="457200" lvl="0" indent="-342900" algn="l" rtl="0">
               <a:spcBef>
                 <a:spcPts val="0"/>
               </a:spcBef>
@@ -9800,7 +10073,7 @@
             <a:endParaRPr/>
           </a:p>
           <a:p>
-            <a:pPr indent="-342900" lvl="0" marL="457200" rtl="0" algn="l">
+            <a:pPr marL="457200" lvl="0" indent="-342900" algn="l" rtl="0">
               <a:spcBef>
                 <a:spcPts val="0"/>
               </a:spcBef>
@@ -9817,7 +10090,7 @@
             <a:endParaRPr/>
           </a:p>
           <a:p>
-            <a:pPr indent="-342900" lvl="0" marL="457200" rtl="0" algn="l">
+            <a:pPr marL="457200" lvl="0" indent="-342900" algn="l" rtl="0">
               <a:spcBef>
                 <a:spcPts val="0"/>
               </a:spcBef>
@@ -9834,7 +10107,7 @@
             <a:endParaRPr/>
           </a:p>
           <a:p>
-            <a:pPr indent="-342900" lvl="0" marL="457200" rtl="0" algn="l">
+            <a:pPr marL="457200" lvl="0" indent="-342900" algn="l" rtl="0">
               <a:spcBef>
                 <a:spcPts val="0"/>
               </a:spcBef>
@@ -9851,7 +10124,7 @@
             <a:endParaRPr/>
           </a:p>
           <a:p>
-            <a:pPr indent="0" lvl="0" marL="457200" rtl="0" algn="l">
+            <a:pPr marL="457200" lvl="0" indent="0" algn="l" rtl="0">
               <a:spcBef>
                 <a:spcPts val="1200"/>
               </a:spcBef>
@@ -9860,9 +10133,6 @@
               </a:spcAft>
               <a:buNone/>
             </a:pPr>
-            <a:r>
-              <a:t/>
-            </a:r>
             <a:endParaRPr/>
           </a:p>
         </p:txBody>
@@ -9876,11 +10146,11 @@
 </file>
 
 <file path=ppt/slides/slide4.xml><?xml version="1.0" encoding="utf-8"?>
-<p:sld xmlns:a="http://schemas.openxmlformats.org/drawingml/2006/main" xmlns:r="http://schemas.openxmlformats.org/officeDocument/2006/relationships" xmlns:mc="http://schemas.openxmlformats.org/markup-compatibility/2006" xmlns:mv="urn:schemas-microsoft-com:mac:vml" xmlns:p="http://schemas.openxmlformats.org/presentationml/2006/main" xmlns:c="http://schemas.openxmlformats.org/drawingml/2006/chart" xmlns:dgm="http://schemas.openxmlformats.org/drawingml/2006/diagram" xmlns:o="urn:schemas-microsoft-com:office:office" xmlns:v="urn:schemas-microsoft-com:vml" xmlns:pvml="urn:schemas-microsoft-com:office:powerpoint" xmlns:com="http://schemas.openxmlformats.org/drawingml/2006/compatibility" xmlns:p14="http://schemas.microsoft.com/office/powerpoint/2010/main" xmlns:p15="http://schemas.microsoft.com/office/powerpoint/2012/main" xmlns:ahyp="http://schemas.microsoft.com/office/drawing/2018/hyperlinkcolor">
+<p:sld xmlns:a="http://schemas.openxmlformats.org/drawingml/2006/main" xmlns:r="http://schemas.openxmlformats.org/officeDocument/2006/relationships" xmlns:p="http://schemas.openxmlformats.org/presentationml/2006/main">
   <p:cSld>
     <p:spTree>
       <p:nvGrpSpPr>
-        <p:cNvPr id="76" name="Shape 76"/>
+        <p:cNvPr id="1" name="Shape 76"/>
         <p:cNvGrpSpPr/>
         <p:nvPr/>
       </p:nvGrpSpPr>
@@ -9895,7 +10165,9 @@
       <p:sp>
         <p:nvSpPr>
           <p:cNvPr id="77" name="Google Shape;77;p16"/>
-          <p:cNvSpPr txBox="1"/>
+          <p:cNvSpPr txBox="1">
+            <a:spLocks noGrp="1"/>
+          </p:cNvSpPr>
           <p:nvPr>
             <p:ph type="title"/>
           </p:nvPr>
@@ -9910,12 +10182,12 @@
           </a:prstGeom>
         </p:spPr>
         <p:txBody>
-          <a:bodyPr anchorCtr="0" anchor="ctr" bIns="91425" lIns="91425" spcFirstLastPara="1" rIns="91425" wrap="square" tIns="91425">
+          <a:bodyPr spcFirstLastPara="1" wrap="square" lIns="91425" tIns="91425" rIns="91425" bIns="91425" anchor="ctr" anchorCtr="0">
             <a:normAutofit/>
           </a:bodyPr>
           <a:lstStyle/>
           <a:p>
-            <a:pPr indent="0" lvl="0" marL="0" rtl="0" algn="ctr">
+            <a:pPr marL="0" lvl="0" indent="0" algn="ctr" rtl="0">
               <a:spcBef>
                 <a:spcPts val="0"/>
               </a:spcBef>
@@ -9941,11 +10213,11 @@
 </file>
 
 <file path=ppt/slides/slide5.xml><?xml version="1.0" encoding="utf-8"?>
-<p:sld xmlns:a="http://schemas.openxmlformats.org/drawingml/2006/main" xmlns:r="http://schemas.openxmlformats.org/officeDocument/2006/relationships" xmlns:mc="http://schemas.openxmlformats.org/markup-compatibility/2006" xmlns:mv="urn:schemas-microsoft-com:mac:vml" xmlns:p="http://schemas.openxmlformats.org/presentationml/2006/main" xmlns:c="http://schemas.openxmlformats.org/drawingml/2006/chart" xmlns:dgm="http://schemas.openxmlformats.org/drawingml/2006/diagram" xmlns:o="urn:schemas-microsoft-com:office:office" xmlns:v="urn:schemas-microsoft-com:vml" xmlns:pvml="urn:schemas-microsoft-com:office:powerpoint" xmlns:com="http://schemas.openxmlformats.org/drawingml/2006/compatibility" xmlns:p14="http://schemas.microsoft.com/office/powerpoint/2010/main" xmlns:p15="http://schemas.microsoft.com/office/powerpoint/2012/main" xmlns:ahyp="http://schemas.microsoft.com/office/drawing/2018/hyperlinkcolor">
+<p:sld xmlns:a="http://schemas.openxmlformats.org/drawingml/2006/main" xmlns:r="http://schemas.openxmlformats.org/officeDocument/2006/relationships" xmlns:p="http://schemas.openxmlformats.org/presentationml/2006/main">
   <p:cSld>
     <p:spTree>
       <p:nvGrpSpPr>
-        <p:cNvPr id="81" name="Shape 81"/>
+        <p:cNvPr id="1" name="Shape 81"/>
         <p:cNvGrpSpPr/>
         <p:nvPr/>
       </p:nvGrpSpPr>
@@ -9960,7 +10232,9 @@
       <p:sp>
         <p:nvSpPr>
           <p:cNvPr id="82" name="Google Shape;82;p17"/>
-          <p:cNvSpPr txBox="1"/>
+          <p:cNvSpPr txBox="1">
+            <a:spLocks noGrp="1"/>
+          </p:cNvSpPr>
           <p:nvPr>
             <p:ph type="title"/>
           </p:nvPr>
@@ -9975,12 +10249,12 @@
           </a:prstGeom>
         </p:spPr>
         <p:txBody>
-          <a:bodyPr anchorCtr="0" anchor="t" bIns="91425" lIns="91425" spcFirstLastPara="1" rIns="91425" wrap="square" tIns="91425">
+          <a:bodyPr spcFirstLastPara="1" wrap="square" lIns="91425" tIns="91425" rIns="91425" bIns="91425" anchor="t" anchorCtr="0">
             <a:normAutofit fontScale="90000"/>
           </a:bodyPr>
           <a:lstStyle/>
           <a:p>
-            <a:pPr indent="0" lvl="0" marL="0" rtl="0" algn="l">
+            <a:pPr marL="0" lvl="0" indent="0" algn="l" rtl="0">
               <a:spcBef>
                 <a:spcPts val="0"/>
               </a:spcBef>
@@ -10000,9 +10274,11 @@
       <p:sp>
         <p:nvSpPr>
           <p:cNvPr id="83" name="Google Shape;83;p17"/>
-          <p:cNvSpPr txBox="1"/>
+          <p:cNvSpPr txBox="1">
+            <a:spLocks noGrp="1"/>
+          </p:cNvSpPr>
           <p:nvPr>
-            <p:ph idx="1" type="body"/>
+            <p:ph type="body" idx="1"/>
           </p:nvPr>
         </p:nvSpPr>
         <p:spPr>
@@ -10015,12 +10291,12 @@
           </a:prstGeom>
         </p:spPr>
         <p:txBody>
-          <a:bodyPr anchorCtr="0" anchor="t" bIns="91425" lIns="91425" spcFirstLastPara="1" rIns="91425" wrap="square" tIns="91425">
+          <a:bodyPr spcFirstLastPara="1" wrap="square" lIns="91425" tIns="91425" rIns="91425" bIns="91425" anchor="t" anchorCtr="0">
             <a:normAutofit/>
           </a:bodyPr>
           <a:lstStyle/>
           <a:p>
-            <a:pPr indent="-342900" lvl="0" marL="457200" rtl="0" algn="l">
+            <a:pPr marL="457200" lvl="0" indent="-342900" algn="l" rtl="0">
               <a:spcBef>
                 <a:spcPts val="0"/>
               </a:spcBef>
@@ -10037,7 +10313,7 @@
             <a:endParaRPr/>
           </a:p>
           <a:p>
-            <a:pPr indent="-317500" lvl="1" marL="914400" rtl="0" algn="l">
+            <a:pPr marL="914400" lvl="1" indent="-317500" algn="l" rtl="0">
               <a:spcBef>
                 <a:spcPts val="0"/>
               </a:spcBef>
@@ -10054,7 +10330,7 @@
             <a:endParaRPr/>
           </a:p>
           <a:p>
-            <a:pPr indent="-317500" lvl="2" marL="1371600" rtl="0" algn="l">
+            <a:pPr marL="1371600" lvl="2" indent="-317500" algn="l" rtl="0">
               <a:spcBef>
                 <a:spcPts val="0"/>
               </a:spcBef>
@@ -10071,7 +10347,7 @@
             <a:endParaRPr/>
           </a:p>
           <a:p>
-            <a:pPr indent="-317500" lvl="2" marL="1371600" rtl="0" algn="l">
+            <a:pPr marL="1371600" lvl="2" indent="-317500" algn="l" rtl="0">
               <a:spcBef>
                 <a:spcPts val="0"/>
               </a:spcBef>
@@ -10088,7 +10364,7 @@
             <a:endParaRPr/>
           </a:p>
           <a:p>
-            <a:pPr indent="-317500" lvl="2" marL="1371600" rtl="0" algn="l">
+            <a:pPr marL="1371600" lvl="2" indent="-317500" algn="l" rtl="0">
               <a:spcBef>
                 <a:spcPts val="0"/>
               </a:spcBef>
@@ -10105,7 +10381,7 @@
             <a:endParaRPr/>
           </a:p>
           <a:p>
-            <a:pPr indent="-317500" lvl="2" marL="1371600" rtl="0" algn="l">
+            <a:pPr marL="1371600" lvl="2" indent="-317500" algn="l" rtl="0">
               <a:spcBef>
                 <a:spcPts val="0"/>
               </a:spcBef>
@@ -10122,7 +10398,7 @@
             <a:endParaRPr/>
           </a:p>
           <a:p>
-            <a:pPr indent="-317500" lvl="2" marL="1371600" rtl="0" algn="l">
+            <a:pPr marL="1371600" lvl="2" indent="-317500" algn="l" rtl="0">
               <a:spcBef>
                 <a:spcPts val="0"/>
               </a:spcBef>
@@ -10139,7 +10415,7 @@
             <a:endParaRPr/>
           </a:p>
           <a:p>
-            <a:pPr indent="-317500" lvl="1" marL="914400" rtl="0" algn="l">
+            <a:pPr marL="914400" lvl="1" indent="-317500" algn="l" rtl="0">
               <a:spcBef>
                 <a:spcPts val="0"/>
               </a:spcBef>
@@ -10156,7 +10432,7 @@
             <a:endParaRPr/>
           </a:p>
           <a:p>
-            <a:pPr indent="-317500" lvl="2" marL="1371600" rtl="0" algn="l">
+            <a:pPr marL="1371600" lvl="2" indent="-317500" algn="l" rtl="0">
               <a:spcBef>
                 <a:spcPts val="0"/>
               </a:spcBef>
@@ -10173,7 +10449,7 @@
             <a:endParaRPr/>
           </a:p>
           <a:p>
-            <a:pPr indent="-317500" lvl="2" marL="1371600" rtl="0" algn="l">
+            <a:pPr marL="1371600" lvl="2" indent="-317500" algn="l" rtl="0">
               <a:spcBef>
                 <a:spcPts val="0"/>
               </a:spcBef>
@@ -10200,11 +10476,131 @@
 </file>
 
 <file path=ppt/slides/slide6.xml><?xml version="1.0" encoding="utf-8"?>
-<p:sld xmlns:a="http://schemas.openxmlformats.org/drawingml/2006/main" xmlns:r="http://schemas.openxmlformats.org/officeDocument/2006/relationships" xmlns:mc="http://schemas.openxmlformats.org/markup-compatibility/2006" xmlns:mv="urn:schemas-microsoft-com:mac:vml" xmlns:p="http://schemas.openxmlformats.org/presentationml/2006/main" xmlns:c="http://schemas.openxmlformats.org/drawingml/2006/chart" xmlns:dgm="http://schemas.openxmlformats.org/drawingml/2006/diagram" xmlns:o="urn:schemas-microsoft-com:office:office" xmlns:v="urn:schemas-microsoft-com:vml" xmlns:pvml="urn:schemas-microsoft-com:office:powerpoint" xmlns:com="http://schemas.openxmlformats.org/drawingml/2006/compatibility" xmlns:p14="http://schemas.microsoft.com/office/powerpoint/2010/main" xmlns:p15="http://schemas.microsoft.com/office/powerpoint/2012/main" xmlns:ahyp="http://schemas.microsoft.com/office/drawing/2018/hyperlinkcolor">
+<p:sld xmlns:a="http://schemas.openxmlformats.org/drawingml/2006/main" xmlns:r="http://schemas.openxmlformats.org/officeDocument/2006/relationships" xmlns:p="http://schemas.openxmlformats.org/presentationml/2006/main">
   <p:cSld>
     <p:spTree>
       <p:nvGrpSpPr>
-        <p:cNvPr id="87" name="Shape 87"/>
+        <p:cNvPr id="1" name=""/>
+        <p:cNvGrpSpPr/>
+        <p:nvPr/>
+      </p:nvGrpSpPr>
+      <p:grpSpPr>
+        <a:xfrm>
+          <a:off x="0" y="0"/>
+          <a:ext cx="0" cy="0"/>
+          <a:chOff x="0" y="0"/>
+          <a:chExt cx="0" cy="0"/>
+        </a:xfrm>
+      </p:grpSpPr>
+      <p:sp>
+        <p:nvSpPr>
+          <p:cNvPr id="3" name="Text Placeholder 2">
+            <a:extLst>
+              <a:ext uri="{FF2B5EF4-FFF2-40B4-BE49-F238E27FC236}">
+                <a16:creationId xmlns:a16="http://schemas.microsoft.com/office/drawing/2014/main" id="{D526FF57-46CE-6316-B83C-E50D24672759}"/>
+              </a:ext>
+            </a:extLst>
+          </p:cNvPr>
+          <p:cNvSpPr>
+            <a:spLocks noGrp="1"/>
+          </p:cNvSpPr>
+          <p:nvPr>
+            <p:ph type="body" idx="1"/>
+          </p:nvPr>
+        </p:nvSpPr>
+        <p:spPr>
+          <a:xfrm>
+            <a:off x="311700" y="401782"/>
+            <a:ext cx="8520600" cy="4167093"/>
+          </a:xfrm>
+        </p:spPr>
+        <p:txBody>
+          <a:bodyPr/>
+          <a:lstStyle/>
+          <a:p>
+            <a:endParaRPr lang="en-US" dirty="0"/>
+          </a:p>
+        </p:txBody>
+      </p:sp>
+      <p:pic>
+        <p:nvPicPr>
+          <p:cNvPr id="9" name="Picture 8" descr="A screenshot of a phone&#10;&#10;AI-generated content may be incorrect.">
+            <a:extLst>
+              <a:ext uri="{FF2B5EF4-FFF2-40B4-BE49-F238E27FC236}">
+                <a16:creationId xmlns:a16="http://schemas.microsoft.com/office/drawing/2014/main" id="{68F2A7BC-AC0B-4FCC-8A0F-81D15B3A057F}"/>
+              </a:ext>
+            </a:extLst>
+          </p:cNvPr>
+          <p:cNvPicPr>
+            <a:picLocks noChangeAspect="1"/>
+          </p:cNvPicPr>
+          <p:nvPr/>
+        </p:nvPicPr>
+        <p:blipFill>
+          <a:blip r:embed="rId2"/>
+          <a:stretch>
+            <a:fillRect/>
+          </a:stretch>
+        </p:blipFill>
+        <p:spPr>
+          <a:xfrm>
+            <a:off x="1551274" y="0"/>
+            <a:ext cx="2314575" cy="5143500"/>
+          </a:xfrm>
+          <a:prstGeom prst="rect">
+            <a:avLst/>
+          </a:prstGeom>
+        </p:spPr>
+      </p:pic>
+      <p:pic>
+        <p:nvPicPr>
+          <p:cNvPr id="11" name="Picture 10" descr="A screenshot of a computer&#10;&#10;AI-generated content may be incorrect.">
+            <a:extLst>
+              <a:ext uri="{FF2B5EF4-FFF2-40B4-BE49-F238E27FC236}">
+                <a16:creationId xmlns:a16="http://schemas.microsoft.com/office/drawing/2014/main" id="{1D76DB55-DB24-6D1E-D237-0E3233524410}"/>
+              </a:ext>
+            </a:extLst>
+          </p:cNvPr>
+          <p:cNvPicPr>
+            <a:picLocks noChangeAspect="1"/>
+          </p:cNvPicPr>
+          <p:nvPr/>
+        </p:nvPicPr>
+        <p:blipFill>
+          <a:blip r:embed="rId3"/>
+          <a:stretch>
+            <a:fillRect/>
+          </a:stretch>
+        </p:blipFill>
+        <p:spPr>
+          <a:xfrm>
+            <a:off x="5278151" y="0"/>
+            <a:ext cx="2314575" cy="5143500"/>
+          </a:xfrm>
+          <a:prstGeom prst="rect">
+            <a:avLst/>
+          </a:prstGeom>
+        </p:spPr>
+      </p:pic>
+    </p:spTree>
+    <p:extLst>
+      <p:ext uri="{BB962C8B-B14F-4D97-AF65-F5344CB8AC3E}">
+        <p14:creationId xmlns:p14="http://schemas.microsoft.com/office/powerpoint/2010/main" val="3246930234"/>
+      </p:ext>
+    </p:extLst>
+  </p:cSld>
+  <p:clrMapOvr>
+    <a:masterClrMapping/>
+  </p:clrMapOvr>
+</p:sld>
+</file>
+
+<file path=ppt/slides/slide7.xml><?xml version="1.0" encoding="utf-8"?>
+<p:sld xmlns:a="http://schemas.openxmlformats.org/drawingml/2006/main" xmlns:r="http://schemas.openxmlformats.org/officeDocument/2006/relationships" xmlns:p="http://schemas.openxmlformats.org/presentationml/2006/main">
+  <p:cSld>
+    <p:spTree>
+      <p:nvGrpSpPr>
+        <p:cNvPr id="1" name="Shape 87"/>
         <p:cNvGrpSpPr/>
         <p:nvPr/>
       </p:nvGrpSpPr>
@@ -10219,7 +10615,9 @@
       <p:sp>
         <p:nvSpPr>
           <p:cNvPr id="88" name="Google Shape;88;p18"/>
-          <p:cNvSpPr txBox="1"/>
+          <p:cNvSpPr txBox="1">
+            <a:spLocks noGrp="1"/>
+          </p:cNvSpPr>
           <p:nvPr>
             <p:ph type="title"/>
           </p:nvPr>
@@ -10234,12 +10632,12 @@
           </a:prstGeom>
         </p:spPr>
         <p:txBody>
-          <a:bodyPr anchorCtr="0" anchor="t" bIns="91425" lIns="91425" spcFirstLastPara="1" rIns="91425" wrap="square" tIns="91425">
+          <a:bodyPr spcFirstLastPara="1" wrap="square" lIns="91425" tIns="91425" rIns="91425" bIns="91425" anchor="t" anchorCtr="0">
             <a:normAutofit fontScale="90000"/>
           </a:bodyPr>
           <a:lstStyle/>
           <a:p>
-            <a:pPr indent="0" lvl="0" marL="0" rtl="0" algn="l">
+            <a:pPr marL="0" lvl="0" indent="0" algn="l" rtl="0">
               <a:spcBef>
                 <a:spcPts val="0"/>
               </a:spcBef>
@@ -10259,9 +10657,11 @@
       <p:sp>
         <p:nvSpPr>
           <p:cNvPr id="89" name="Google Shape;89;p18"/>
-          <p:cNvSpPr txBox="1"/>
+          <p:cNvSpPr txBox="1">
+            <a:spLocks noGrp="1"/>
+          </p:cNvSpPr>
           <p:nvPr>
-            <p:ph idx="1" type="body"/>
+            <p:ph type="body" idx="1"/>
           </p:nvPr>
         </p:nvSpPr>
         <p:spPr>
@@ -10274,12 +10674,12 @@
           </a:prstGeom>
         </p:spPr>
         <p:txBody>
-          <a:bodyPr anchorCtr="0" anchor="t" bIns="91425" lIns="91425" spcFirstLastPara="1" rIns="91425" wrap="square" tIns="91425">
-            <a:normAutofit lnSpcReduction="20000"/>
+          <a:bodyPr spcFirstLastPara="1" wrap="square" lIns="91425" tIns="91425" rIns="91425" bIns="91425" anchor="t" anchorCtr="0">
+            <a:normAutofit/>
           </a:bodyPr>
           <a:lstStyle/>
           <a:p>
-            <a:pPr indent="-342900" lvl="0" marL="457200" rtl="0" algn="l">
+            <a:pPr marL="457200" lvl="0" indent="-342900" algn="l" rtl="0">
               <a:spcBef>
                 <a:spcPts val="0"/>
               </a:spcBef>
@@ -10296,7 +10696,7 @@
             <a:endParaRPr/>
           </a:p>
           <a:p>
-            <a:pPr indent="-342900" lvl="0" marL="457200" rtl="0" algn="l">
+            <a:pPr marL="457200" lvl="0" indent="-342900" algn="l" rtl="0">
               <a:spcBef>
                 <a:spcPts val="0"/>
               </a:spcBef>
@@ -10313,7 +10713,7 @@
             <a:endParaRPr/>
           </a:p>
           <a:p>
-            <a:pPr indent="-317500" lvl="1" marL="914400" rtl="0" algn="l">
+            <a:pPr marL="914400" lvl="1" indent="-317500" algn="l" rtl="0">
               <a:spcBef>
                 <a:spcPts val="0"/>
               </a:spcBef>
@@ -10330,7 +10730,7 @@
             <a:endParaRPr/>
           </a:p>
           <a:p>
-            <a:pPr indent="-317500" lvl="2" marL="1371600" rtl="0" algn="l">
+            <a:pPr marL="1371600" lvl="2" indent="-317500" algn="l" rtl="0">
               <a:spcBef>
                 <a:spcPts val="0"/>
               </a:spcBef>
@@ -10347,7 +10747,7 @@
             <a:endParaRPr/>
           </a:p>
           <a:p>
-            <a:pPr indent="-317500" lvl="2" marL="1371600" rtl="0" algn="l">
+            <a:pPr marL="1371600" lvl="2" indent="-317500" algn="l" rtl="0">
               <a:spcBef>
                 <a:spcPts val="0"/>
               </a:spcBef>
@@ -10364,7 +10764,7 @@
             <a:endParaRPr/>
           </a:p>
           <a:p>
-            <a:pPr indent="-317500" lvl="2" marL="1371600" rtl="0" algn="l">
+            <a:pPr marL="1371600" lvl="2" indent="-317500" algn="l" rtl="0">
               <a:spcBef>
                 <a:spcPts val="0"/>
               </a:spcBef>
@@ -10381,7 +10781,7 @@
             <a:endParaRPr/>
           </a:p>
           <a:p>
-            <a:pPr indent="-317500" lvl="2" marL="1371600" rtl="0" algn="l">
+            <a:pPr marL="1371600" lvl="2" indent="-317500" algn="l" rtl="0">
               <a:spcBef>
                 <a:spcPts val="0"/>
               </a:spcBef>
@@ -10398,7 +10798,7 @@
             <a:endParaRPr/>
           </a:p>
           <a:p>
-            <a:pPr indent="-342900" lvl="0" marL="457200" rtl="0" algn="l">
+            <a:pPr marL="457200" lvl="0" indent="-342900" algn="l" rtl="0">
               <a:spcBef>
                 <a:spcPts val="0"/>
               </a:spcBef>
@@ -10415,7 +10815,7 @@
             <a:endParaRPr/>
           </a:p>
           <a:p>
-            <a:pPr indent="0" lvl="0" marL="1371600" rtl="0" algn="l">
+            <a:pPr marL="1371600" lvl="0" indent="0" algn="l" rtl="0">
               <a:spcBef>
                 <a:spcPts val="1200"/>
               </a:spcBef>
@@ -10424,13 +10824,10 @@
               </a:spcAft>
               <a:buNone/>
             </a:pPr>
-            <a:r>
-              <a:t/>
-            </a:r>
             <a:endParaRPr sz="1400"/>
           </a:p>
           <a:p>
-            <a:pPr indent="0" lvl="0" marL="1371600" rtl="0" algn="l">
+            <a:pPr marL="1371600" lvl="0" indent="0" algn="l" rtl="0">
               <a:spcBef>
                 <a:spcPts val="1200"/>
               </a:spcBef>
@@ -10439,9 +10836,6 @@
               </a:spcAft>
               <a:buNone/>
             </a:pPr>
-            <a:r>
-              <a:t/>
-            </a:r>
             <a:endParaRPr sz="1400"/>
           </a:p>
         </p:txBody>
@@ -10454,12 +10848,12 @@
 </p:sld>
 </file>
 
-<file path=ppt/slides/slide7.xml><?xml version="1.0" encoding="utf-8"?>
-<p:sld xmlns:a="http://schemas.openxmlformats.org/drawingml/2006/main" xmlns:r="http://schemas.openxmlformats.org/officeDocument/2006/relationships" xmlns:mc="http://schemas.openxmlformats.org/markup-compatibility/2006" xmlns:mv="urn:schemas-microsoft-com:mac:vml" xmlns:p="http://schemas.openxmlformats.org/presentationml/2006/main" xmlns:c="http://schemas.openxmlformats.org/drawingml/2006/chart" xmlns:dgm="http://schemas.openxmlformats.org/drawingml/2006/diagram" xmlns:o="urn:schemas-microsoft-com:office:office" xmlns:v="urn:schemas-microsoft-com:vml" xmlns:pvml="urn:schemas-microsoft-com:office:powerpoint" xmlns:com="http://schemas.openxmlformats.org/drawingml/2006/compatibility" xmlns:p14="http://schemas.microsoft.com/office/powerpoint/2010/main" xmlns:p15="http://schemas.microsoft.com/office/powerpoint/2012/main" xmlns:ahyp="http://schemas.microsoft.com/office/drawing/2018/hyperlinkcolor">
+<file path=ppt/slides/slide8.xml><?xml version="1.0" encoding="utf-8"?>
+<p:sld xmlns:a="http://schemas.openxmlformats.org/drawingml/2006/main" xmlns:r="http://schemas.openxmlformats.org/officeDocument/2006/relationships" xmlns:p="http://schemas.openxmlformats.org/presentationml/2006/main">
   <p:cSld>
     <p:spTree>
       <p:nvGrpSpPr>
-        <p:cNvPr id="93" name="Shape 93"/>
+        <p:cNvPr id="1" name="Shape 93"/>
         <p:cNvGrpSpPr/>
         <p:nvPr/>
       </p:nvGrpSpPr>
@@ -10474,7 +10868,9 @@
       <p:sp>
         <p:nvSpPr>
           <p:cNvPr id="94" name="Google Shape;94;p19"/>
-          <p:cNvSpPr txBox="1"/>
+          <p:cNvSpPr txBox="1">
+            <a:spLocks noGrp="1"/>
+          </p:cNvSpPr>
           <p:nvPr>
             <p:ph type="title"/>
           </p:nvPr>
@@ -10489,12 +10885,12 @@
           </a:prstGeom>
         </p:spPr>
         <p:txBody>
-          <a:bodyPr anchorCtr="0" anchor="ctr" bIns="91425" lIns="91425" spcFirstLastPara="1" rIns="91425" wrap="square" tIns="91425">
+          <a:bodyPr spcFirstLastPara="1" wrap="square" lIns="91425" tIns="91425" rIns="91425" bIns="91425" anchor="ctr" anchorCtr="0">
             <a:normAutofit/>
           </a:bodyPr>
           <a:lstStyle/>
           <a:p>
-            <a:pPr indent="0" lvl="0" marL="0" rtl="0" algn="ctr">
+            <a:pPr marL="0" lvl="0" indent="0" algn="ctr" rtl="0">
               <a:spcBef>
                 <a:spcPts val="0"/>
               </a:spcBef>
@@ -10519,12 +10915,12 @@
 </p:sld>
 </file>
 
-<file path=ppt/slides/slide8.xml><?xml version="1.0" encoding="utf-8"?>
-<p:sld xmlns:a="http://schemas.openxmlformats.org/drawingml/2006/main" xmlns:r="http://schemas.openxmlformats.org/officeDocument/2006/relationships" xmlns:mc="http://schemas.openxmlformats.org/markup-compatibility/2006" xmlns:mv="urn:schemas-microsoft-com:mac:vml" xmlns:p="http://schemas.openxmlformats.org/presentationml/2006/main" xmlns:c="http://schemas.openxmlformats.org/drawingml/2006/chart" xmlns:dgm="http://schemas.openxmlformats.org/drawingml/2006/diagram" xmlns:o="urn:schemas-microsoft-com:office:office" xmlns:v="urn:schemas-microsoft-com:vml" xmlns:pvml="urn:schemas-microsoft-com:office:powerpoint" xmlns:com="http://schemas.openxmlformats.org/drawingml/2006/compatibility" xmlns:p14="http://schemas.microsoft.com/office/powerpoint/2010/main" xmlns:p15="http://schemas.microsoft.com/office/powerpoint/2012/main" xmlns:ahyp="http://schemas.microsoft.com/office/drawing/2018/hyperlinkcolor">
+<file path=ppt/slides/slide9.xml><?xml version="1.0" encoding="utf-8"?>
+<p:sld xmlns:a="http://schemas.openxmlformats.org/drawingml/2006/main" xmlns:r="http://schemas.openxmlformats.org/officeDocument/2006/relationships" xmlns:p="http://schemas.openxmlformats.org/presentationml/2006/main">
   <p:cSld>
     <p:spTree>
       <p:nvGrpSpPr>
-        <p:cNvPr id="98" name="Shape 98"/>
+        <p:cNvPr id="1" name="Shape 98"/>
         <p:cNvGrpSpPr/>
         <p:nvPr/>
       </p:nvGrpSpPr>
@@ -10539,7 +10935,9 @@
       <p:sp>
         <p:nvSpPr>
           <p:cNvPr id="99" name="Google Shape;99;p20"/>
-          <p:cNvSpPr txBox="1"/>
+          <p:cNvSpPr txBox="1">
+            <a:spLocks noGrp="1"/>
+          </p:cNvSpPr>
           <p:nvPr>
             <p:ph type="title"/>
           </p:nvPr>
@@ -10554,12 +10952,12 @@
           </a:prstGeom>
         </p:spPr>
         <p:txBody>
-          <a:bodyPr anchorCtr="0" anchor="t" bIns="91425" lIns="91425" spcFirstLastPara="1" rIns="91425" wrap="square" tIns="91425">
+          <a:bodyPr spcFirstLastPara="1" wrap="square" lIns="91425" tIns="91425" rIns="91425" bIns="91425" anchor="t" anchorCtr="0">
             <a:normAutofit fontScale="90000"/>
           </a:bodyPr>
           <a:lstStyle/>
           <a:p>
-            <a:pPr indent="0" lvl="0" marL="0" rtl="0" algn="l">
+            <a:pPr marL="0" lvl="0" indent="0" algn="l" rtl="0">
               <a:spcBef>
                 <a:spcPts val="0"/>
               </a:spcBef>
@@ -10579,9 +10977,11 @@
       <p:sp>
         <p:nvSpPr>
           <p:cNvPr id="100" name="Google Shape;100;p20"/>
-          <p:cNvSpPr txBox="1"/>
+          <p:cNvSpPr txBox="1">
+            <a:spLocks noGrp="1"/>
+          </p:cNvSpPr>
           <p:nvPr>
-            <p:ph idx="1" type="body"/>
+            <p:ph type="body" idx="1"/>
           </p:nvPr>
         </p:nvSpPr>
         <p:spPr>
@@ -10594,12 +10994,12 @@
           </a:prstGeom>
         </p:spPr>
         <p:txBody>
-          <a:bodyPr anchorCtr="0" anchor="t" bIns="91425" lIns="91425" spcFirstLastPara="1" rIns="91425" wrap="square" tIns="91425">
+          <a:bodyPr spcFirstLastPara="1" wrap="square" lIns="91425" tIns="91425" rIns="91425" bIns="91425" anchor="t" anchorCtr="0">
             <a:normAutofit/>
           </a:bodyPr>
           <a:lstStyle/>
           <a:p>
-            <a:pPr indent="-342900" lvl="0" marL="457200" rtl="0" algn="l">
+            <a:pPr marL="457200" lvl="0" indent="-342900" algn="l" rtl="0">
               <a:spcBef>
                 <a:spcPts val="0"/>
               </a:spcBef>
@@ -10611,15 +11011,7 @@
             </a:pPr>
             <a:r>
               <a:rPr lang="en"/>
-              <a:t>This tester has been constructed to demonstrate core </a:t>
-            </a:r>
-            <a:r>
-              <a:rPr lang="en"/>
-              <a:t>database</a:t>
-            </a:r>
-            <a:r>
-              <a:rPr lang="en"/>
-              <a:t> operations</a:t>
+              <a:t>This tester has been constructed to demonstrate core database operations</a:t>
             </a:r>
             <a:br>
               <a:rPr lang="en"/>
@@ -10627,7 +11019,7 @@
             <a:endParaRPr/>
           </a:p>
           <a:p>
-            <a:pPr indent="-342900" lvl="0" marL="457200" rtl="0" algn="l">
+            <a:pPr marL="457200" lvl="0" indent="-342900" algn="l" rtl="0">
               <a:spcBef>
                 <a:spcPts val="0"/>
               </a:spcBef>
@@ -10647,7 +11039,7 @@
             <a:endParaRPr/>
           </a:p>
           <a:p>
-            <a:pPr indent="-342900" lvl="0" marL="457200" rtl="0" algn="l">
+            <a:pPr marL="457200" lvl="0" indent="-342900" algn="l" rtl="0">
               <a:spcBef>
                 <a:spcPts val="0"/>
               </a:spcBef>
@@ -10659,11 +11051,7 @@
             </a:pPr>
             <a:r>
               <a:rPr lang="en"/>
-              <a:t>Database development has not deviated from the </a:t>
-            </a:r>
-            <a:r>
-              <a:rPr lang="en"/>
-              <a:t>original proposal</a:t>
+              <a:t>Database development has not deviated from the original proposal</a:t>
             </a:r>
             <a:endParaRPr/>
           </a:p>
@@ -10705,73 +11093,289 @@
 </p:sld>
 </file>
 
-<file path=ppt/slides/slide9.xml><?xml version="1.0" encoding="utf-8"?>
-<p:sld xmlns:a="http://schemas.openxmlformats.org/drawingml/2006/main" xmlns:r="http://schemas.openxmlformats.org/officeDocument/2006/relationships" xmlns:mc="http://schemas.openxmlformats.org/markup-compatibility/2006" xmlns:mv="urn:schemas-microsoft-com:mac:vml" xmlns:p="http://schemas.openxmlformats.org/presentationml/2006/main" xmlns:c="http://schemas.openxmlformats.org/drawingml/2006/chart" xmlns:dgm="http://schemas.openxmlformats.org/drawingml/2006/diagram" xmlns:o="urn:schemas-microsoft-com:office:office" xmlns:v="urn:schemas-microsoft-com:vml" xmlns:pvml="urn:schemas-microsoft-com:office:powerpoint" xmlns:com="http://schemas.openxmlformats.org/drawingml/2006/compatibility" xmlns:p14="http://schemas.microsoft.com/office/powerpoint/2010/main" xmlns:p15="http://schemas.microsoft.com/office/powerpoint/2012/main" xmlns:ahyp="http://schemas.microsoft.com/office/drawing/2018/hyperlinkcolor">
-  <p:cSld>
-    <p:spTree>
-      <p:nvGrpSpPr>
-        <p:cNvPr id="105" name="Shape 105"/>
-        <p:cNvGrpSpPr/>
-        <p:nvPr/>
-      </p:nvGrpSpPr>
-      <p:grpSpPr>
-        <a:xfrm>
-          <a:off x="0" y="0"/>
-          <a:ext cx="0" cy="0"/>
-          <a:chOff x="0" y="0"/>
-          <a:chExt cx="0" cy="0"/>
-        </a:xfrm>
-      </p:grpSpPr>
-      <p:sp>
-        <p:nvSpPr>
-          <p:cNvPr id="106" name="Google Shape;106;p21"/>
-          <p:cNvSpPr txBox="1"/>
-          <p:nvPr>
-            <p:ph type="title"/>
-          </p:nvPr>
-        </p:nvSpPr>
-        <p:spPr>
-          <a:xfrm>
-            <a:off x="671250" y="2141250"/>
-            <a:ext cx="7852200" cy="861000"/>
-          </a:xfrm>
-          <a:prstGeom prst="rect">
-            <a:avLst/>
-          </a:prstGeom>
-        </p:spPr>
-        <p:txBody>
-          <a:bodyPr anchorCtr="0" anchor="ctr" bIns="91425" lIns="91425" spcFirstLastPara="1" rIns="91425" wrap="square" tIns="91425">
-            <a:normAutofit/>
-          </a:bodyPr>
-          <a:lstStyle/>
-          <a:p>
-            <a:pPr indent="0" lvl="0" marL="0" rtl="0" algn="ctr">
-              <a:spcBef>
-                <a:spcPts val="0"/>
-              </a:spcBef>
-              <a:spcAft>
-                <a:spcPts val="0"/>
-              </a:spcAft>
-              <a:buNone/>
-            </a:pPr>
-            <a:r>
-              <a:rPr lang="en"/>
-              <a:t>Next to be Implemented</a:t>
-            </a:r>
-            <a:endParaRPr/>
-          </a:p>
-        </p:txBody>
-      </p:sp>
-    </p:spTree>
-  </p:cSld>
-  <p:clrMapOvr>
-    <a:masterClrMapping/>
-  </p:clrMapOvr>
-</p:sld>
+<file path=ppt/theme/theme1.xml><?xml version="1.0" encoding="utf-8"?>
+<a:theme xmlns:a="http://schemas.openxmlformats.org/drawingml/2006/main" name="Slate">
+  <a:themeElements>
+    <a:clrScheme name="Slate">
+      <a:dk1>
+        <a:srgbClr val="FFFFFF"/>
+      </a:dk1>
+      <a:lt1>
+        <a:srgbClr val="37474F"/>
+      </a:lt1>
+      <a:dk2>
+        <a:srgbClr val="9E9E9E"/>
+      </a:dk2>
+      <a:lt2>
+        <a:srgbClr val="E0E0E0"/>
+      </a:lt2>
+      <a:accent1>
+        <a:srgbClr val="616161"/>
+      </a:accent1>
+      <a:accent2>
+        <a:srgbClr val="78909C"/>
+      </a:accent2>
+      <a:accent3>
+        <a:srgbClr val="CACACA"/>
+      </a:accent3>
+      <a:accent4>
+        <a:srgbClr val="64FFDA"/>
+      </a:accent4>
+      <a:accent5>
+        <a:srgbClr val="FFD966"/>
+      </a:accent5>
+      <a:accent6>
+        <a:srgbClr val="F5F5F5"/>
+      </a:accent6>
+      <a:hlink>
+        <a:srgbClr val="FFD966"/>
+      </a:hlink>
+      <a:folHlink>
+        <a:srgbClr val="FFD966"/>
+      </a:folHlink>
+    </a:clrScheme>
+    <a:fontScheme name="Office">
+      <a:majorFont>
+        <a:latin typeface="Arial"/>
+        <a:ea typeface=""/>
+        <a:cs typeface=""/>
+        <a:font script="Jpan" typeface="ＭＳ Ｐゴシック"/>
+        <a:font script="Hang" typeface="맑은 고딕"/>
+        <a:font script="Hans" typeface="宋体"/>
+        <a:font script="Hant" typeface="新細明體"/>
+        <a:font script="Arab" typeface="Times New Roman"/>
+        <a:font script="Hebr" typeface="Times New Roman"/>
+        <a:font script="Thai" typeface="Angsana New"/>
+        <a:font script="Ethi" typeface="Nyala"/>
+        <a:font script="Beng" typeface="Vrinda"/>
+        <a:font script="Gujr" typeface="Shruti"/>
+        <a:font script="Khmr" typeface="MoolBoran"/>
+        <a:font script="Knda" typeface="Tunga"/>
+        <a:font script="Guru" typeface="Raavi"/>
+        <a:font script="Cans" typeface="Euphemia"/>
+        <a:font script="Cher" typeface="Plantagenet Cherokee"/>
+        <a:font script="Yiii" typeface="Microsoft Yi Baiti"/>
+        <a:font script="Tibt" typeface="Microsoft Himalaya"/>
+        <a:font script="Thaa" typeface="MV Boli"/>
+        <a:font script="Deva" typeface="Mangal"/>
+        <a:font script="Telu" typeface="Gautami"/>
+        <a:font script="Taml" typeface="Latha"/>
+        <a:font script="Syrc" typeface="Estrangelo Edessa"/>
+        <a:font script="Orya" typeface="Kalinga"/>
+        <a:font script="Mlym" typeface="Kartika"/>
+        <a:font script="Laoo" typeface="DokChampa"/>
+        <a:font script="Sinh" typeface="Iskoola Pota"/>
+        <a:font script="Mong" typeface="Mongolian Baiti"/>
+        <a:font script="Viet" typeface="Times New Roman"/>
+        <a:font script="Uigh" typeface="Microsoft Uighur"/>
+        <a:font script="Geor" typeface="Sylfaen"/>
+      </a:majorFont>
+      <a:minorFont>
+        <a:latin typeface="Arial"/>
+        <a:ea typeface=""/>
+        <a:cs typeface=""/>
+        <a:font script="Jpan" typeface="ＭＳ Ｐゴシック"/>
+        <a:font script="Hang" typeface="맑은 고딕"/>
+        <a:font script="Hans" typeface="宋体"/>
+        <a:font script="Hant" typeface="新細明體"/>
+        <a:font script="Arab" typeface="Arial"/>
+        <a:font script="Hebr" typeface="Arial"/>
+        <a:font script="Thai" typeface="Cordia New"/>
+        <a:font script="Ethi" typeface="Nyala"/>
+        <a:font script="Beng" typeface="Vrinda"/>
+        <a:font script="Gujr" typeface="Shruti"/>
+        <a:font script="Khmr" typeface="DaunPenh"/>
+        <a:font script="Knda" typeface="Tunga"/>
+        <a:font script="Guru" typeface="Raavi"/>
+        <a:font script="Cans" typeface="Euphemia"/>
+        <a:font script="Cher" typeface="Plantagenet Cherokee"/>
+        <a:font script="Yiii" typeface="Microsoft Yi Baiti"/>
+        <a:font script="Tibt" typeface="Microsoft Himalaya"/>
+        <a:font script="Thaa" typeface="MV Boli"/>
+        <a:font script="Deva" typeface="Mangal"/>
+        <a:font script="Telu" typeface="Gautami"/>
+        <a:font script="Taml" typeface="Latha"/>
+        <a:font script="Syrc" typeface="Estrangelo Edessa"/>
+        <a:font script="Orya" typeface="Kalinga"/>
+        <a:font script="Mlym" typeface="Kartika"/>
+        <a:font script="Laoo" typeface="DokChampa"/>
+        <a:font script="Sinh" typeface="Iskoola Pota"/>
+        <a:font script="Mong" typeface="Mongolian Baiti"/>
+        <a:font script="Viet" typeface="Arial"/>
+        <a:font script="Uigh" typeface="Microsoft Uighur"/>
+        <a:font script="Geor" typeface="Sylfaen"/>
+      </a:minorFont>
+    </a:fontScheme>
+    <a:fmtScheme name="Office">
+      <a:fillStyleLst>
+        <a:solidFill>
+          <a:schemeClr val="phClr"/>
+        </a:solidFill>
+        <a:gradFill rotWithShape="1">
+          <a:gsLst>
+            <a:gs pos="0">
+              <a:schemeClr val="phClr">
+                <a:tint val="50000"/>
+                <a:satMod val="300000"/>
+              </a:schemeClr>
+            </a:gs>
+            <a:gs pos="35000">
+              <a:schemeClr val="phClr">
+                <a:tint val="37000"/>
+                <a:satMod val="300000"/>
+              </a:schemeClr>
+            </a:gs>
+            <a:gs pos="100000">
+              <a:schemeClr val="phClr">
+                <a:tint val="15000"/>
+                <a:satMod val="350000"/>
+              </a:schemeClr>
+            </a:gs>
+          </a:gsLst>
+          <a:lin ang="16200000" scaled="1"/>
+        </a:gradFill>
+        <a:gradFill rotWithShape="1">
+          <a:gsLst>
+            <a:gs pos="0">
+              <a:schemeClr val="phClr">
+                <a:tint val="100000"/>
+                <a:shade val="100000"/>
+                <a:satMod val="130000"/>
+              </a:schemeClr>
+            </a:gs>
+            <a:gs pos="100000">
+              <a:schemeClr val="phClr">
+                <a:tint val="50000"/>
+                <a:shade val="100000"/>
+                <a:satMod val="350000"/>
+              </a:schemeClr>
+            </a:gs>
+          </a:gsLst>
+          <a:lin ang="16200000" scaled="0"/>
+        </a:gradFill>
+      </a:fillStyleLst>
+      <a:lnStyleLst>
+        <a:ln w="9525" cap="flat" cmpd="sng" algn="ctr">
+          <a:solidFill>
+            <a:schemeClr val="phClr">
+              <a:shade val="95000"/>
+              <a:satMod val="105000"/>
+            </a:schemeClr>
+          </a:solidFill>
+          <a:prstDash val="solid"/>
+        </a:ln>
+        <a:ln w="25400" cap="flat" cmpd="sng" algn="ctr">
+          <a:solidFill>
+            <a:schemeClr val="phClr"/>
+          </a:solidFill>
+          <a:prstDash val="solid"/>
+        </a:ln>
+        <a:ln w="38100" cap="flat" cmpd="sng" algn="ctr">
+          <a:solidFill>
+            <a:schemeClr val="phClr"/>
+          </a:solidFill>
+          <a:prstDash val="solid"/>
+        </a:ln>
+      </a:lnStyleLst>
+      <a:effectStyleLst>
+        <a:effectStyle>
+          <a:effectLst>
+            <a:outerShdw blurRad="40000" dist="20000" dir="5400000" rotWithShape="0">
+              <a:srgbClr val="000000">
+                <a:alpha val="38000"/>
+              </a:srgbClr>
+            </a:outerShdw>
+          </a:effectLst>
+        </a:effectStyle>
+        <a:effectStyle>
+          <a:effectLst>
+            <a:outerShdw blurRad="40000" dist="23000" dir="5400000" rotWithShape="0">
+              <a:srgbClr val="000000">
+                <a:alpha val="35000"/>
+              </a:srgbClr>
+            </a:outerShdw>
+          </a:effectLst>
+        </a:effectStyle>
+        <a:effectStyle>
+          <a:effectLst>
+            <a:outerShdw blurRad="40000" dist="23000" dir="5400000" rotWithShape="0">
+              <a:srgbClr val="000000">
+                <a:alpha val="35000"/>
+              </a:srgbClr>
+            </a:outerShdw>
+          </a:effectLst>
+          <a:scene3d>
+            <a:camera prst="orthographicFront">
+              <a:rot lat="0" lon="0" rev="0"/>
+            </a:camera>
+            <a:lightRig rig="threePt" dir="t">
+              <a:rot lat="0" lon="0" rev="1200000"/>
+            </a:lightRig>
+          </a:scene3d>
+          <a:sp3d>
+            <a:bevelT w="63500" h="25400"/>
+          </a:sp3d>
+        </a:effectStyle>
+      </a:effectStyleLst>
+      <a:bgFillStyleLst>
+        <a:solidFill>
+          <a:schemeClr val="phClr"/>
+        </a:solidFill>
+        <a:gradFill rotWithShape="1">
+          <a:gsLst>
+            <a:gs pos="0">
+              <a:schemeClr val="phClr">
+                <a:tint val="40000"/>
+                <a:satMod val="350000"/>
+              </a:schemeClr>
+            </a:gs>
+            <a:gs pos="40000">
+              <a:schemeClr val="phClr">
+                <a:tint val="45000"/>
+                <a:shade val="99000"/>
+                <a:satMod val="350000"/>
+              </a:schemeClr>
+            </a:gs>
+            <a:gs pos="100000">
+              <a:schemeClr val="phClr">
+                <a:shade val="20000"/>
+                <a:satMod val="255000"/>
+              </a:schemeClr>
+            </a:gs>
+          </a:gsLst>
+          <a:path path="circle">
+            <a:fillToRect l="50000" t="-80000" r="50000" b="180000"/>
+          </a:path>
+        </a:gradFill>
+        <a:gradFill rotWithShape="1">
+          <a:gsLst>
+            <a:gs pos="0">
+              <a:schemeClr val="phClr">
+                <a:tint val="80000"/>
+                <a:satMod val="300000"/>
+              </a:schemeClr>
+            </a:gs>
+            <a:gs pos="100000">
+              <a:schemeClr val="phClr">
+                <a:shade val="30000"/>
+                <a:satMod val="200000"/>
+              </a:schemeClr>
+            </a:gs>
+          </a:gsLst>
+          <a:path path="circle">
+            <a:fillToRect l="50000" t="50000" r="50000" b="50000"/>
+          </a:path>
+        </a:gradFill>
+      </a:bgFillStyleLst>
+    </a:fmtScheme>
+  </a:themeElements>
+  <a:objectDefaults/>
+  <a:extraClrSchemeLst/>
+</a:theme>
 </file>
 
-<file path=ppt/theme/theme1.xml><?xml version="1.0" encoding="utf-8"?>
-<a:theme xmlns:a="http://schemas.openxmlformats.org/drawingml/2006/main" xmlns:r="http://schemas.openxmlformats.org/officeDocument/2006/relationships">
+<file path=ppt/theme/theme2.xml><?xml version="1.0" encoding="utf-8"?>
+<a:theme xmlns:a="http://schemas.openxmlformats.org/drawingml/2006/main">
   <a:themeElements>
     <a:clrScheme name="Default">
       <a:dk1>
@@ -11046,284 +11650,7 @@
       </a:bgFillStyleLst>
     </a:fmtScheme>
   </a:themeElements>
-</a:theme>
-</file>
-
-<file path=ppt/theme/theme2.xml><?xml version="1.0" encoding="utf-8"?>
-<a:theme xmlns:a="http://schemas.openxmlformats.org/drawingml/2006/main" xmlns:r="http://schemas.openxmlformats.org/officeDocument/2006/relationships" name="Slate">
-  <a:themeElements>
-    <a:clrScheme name="Slate">
-      <a:dk1>
-        <a:srgbClr val="FFFFFF"/>
-      </a:dk1>
-      <a:lt1>
-        <a:srgbClr val="37474F"/>
-      </a:lt1>
-      <a:dk2>
-        <a:srgbClr val="9E9E9E"/>
-      </a:dk2>
-      <a:lt2>
-        <a:srgbClr val="E0E0E0"/>
-      </a:lt2>
-      <a:accent1>
-        <a:srgbClr val="616161"/>
-      </a:accent1>
-      <a:accent2>
-        <a:srgbClr val="78909C"/>
-      </a:accent2>
-      <a:accent3>
-        <a:srgbClr val="CACACA"/>
-      </a:accent3>
-      <a:accent4>
-        <a:srgbClr val="64FFDA"/>
-      </a:accent4>
-      <a:accent5>
-        <a:srgbClr val="FFD966"/>
-      </a:accent5>
-      <a:accent6>
-        <a:srgbClr val="F5F5F5"/>
-      </a:accent6>
-      <a:hlink>
-        <a:srgbClr val="FFD966"/>
-      </a:hlink>
-      <a:folHlink>
-        <a:srgbClr val="FFD966"/>
-      </a:folHlink>
-    </a:clrScheme>
-    <a:fontScheme name="Office">
-      <a:majorFont>
-        <a:latin typeface="Arial"/>
-        <a:ea typeface=""/>
-        <a:cs typeface=""/>
-        <a:font script="Jpan" typeface="ＭＳ Ｐゴシック"/>
-        <a:font script="Hang" typeface="맑은 고딕"/>
-        <a:font script="Hans" typeface="宋体"/>
-        <a:font script="Hant" typeface="新細明體"/>
-        <a:font script="Arab" typeface="Times New Roman"/>
-        <a:font script="Hebr" typeface="Times New Roman"/>
-        <a:font script="Thai" typeface="Angsana New"/>
-        <a:font script="Ethi" typeface="Nyala"/>
-        <a:font script="Beng" typeface="Vrinda"/>
-        <a:font script="Gujr" typeface="Shruti"/>
-        <a:font script="Khmr" typeface="MoolBoran"/>
-        <a:font script="Knda" typeface="Tunga"/>
-        <a:font script="Guru" typeface="Raavi"/>
-        <a:font script="Cans" typeface="Euphemia"/>
-        <a:font script="Cher" typeface="Plantagenet Cherokee"/>
-        <a:font script="Yiii" typeface="Microsoft Yi Baiti"/>
-        <a:font script="Tibt" typeface="Microsoft Himalaya"/>
-        <a:font script="Thaa" typeface="MV Boli"/>
-        <a:font script="Deva" typeface="Mangal"/>
-        <a:font script="Telu" typeface="Gautami"/>
-        <a:font script="Taml" typeface="Latha"/>
-        <a:font script="Syrc" typeface="Estrangelo Edessa"/>
-        <a:font script="Orya" typeface="Kalinga"/>
-        <a:font script="Mlym" typeface="Kartika"/>
-        <a:font script="Laoo" typeface="DokChampa"/>
-        <a:font script="Sinh" typeface="Iskoola Pota"/>
-        <a:font script="Mong" typeface="Mongolian Baiti"/>
-        <a:font script="Viet" typeface="Times New Roman"/>
-        <a:font script="Uigh" typeface="Microsoft Uighur"/>
-        <a:font script="Geor" typeface="Sylfaen"/>
-      </a:majorFont>
-      <a:minorFont>
-        <a:latin typeface="Arial"/>
-        <a:ea typeface=""/>
-        <a:cs typeface=""/>
-        <a:font script="Jpan" typeface="ＭＳ Ｐゴシック"/>
-        <a:font script="Hang" typeface="맑은 고딕"/>
-        <a:font script="Hans" typeface="宋体"/>
-        <a:font script="Hant" typeface="新細明體"/>
-        <a:font script="Arab" typeface="Arial"/>
-        <a:font script="Hebr" typeface="Arial"/>
-        <a:font script="Thai" typeface="Cordia New"/>
-        <a:font script="Ethi" typeface="Nyala"/>
-        <a:font script="Beng" typeface="Vrinda"/>
-        <a:font script="Gujr" typeface="Shruti"/>
-        <a:font script="Khmr" typeface="DaunPenh"/>
-        <a:font script="Knda" typeface="Tunga"/>
-        <a:font script="Guru" typeface="Raavi"/>
-        <a:font script="Cans" typeface="Euphemia"/>
-        <a:font script="Cher" typeface="Plantagenet Cherokee"/>
-        <a:font script="Yiii" typeface="Microsoft Yi Baiti"/>
-        <a:font script="Tibt" typeface="Microsoft Himalaya"/>
-        <a:font script="Thaa" typeface="MV Boli"/>
-        <a:font script="Deva" typeface="Mangal"/>
-        <a:font script="Telu" typeface="Gautami"/>
-        <a:font script="Taml" typeface="Latha"/>
-        <a:font script="Syrc" typeface="Estrangelo Edessa"/>
-        <a:font script="Orya" typeface="Kalinga"/>
-        <a:font script="Mlym" typeface="Kartika"/>
-        <a:font script="Laoo" typeface="DokChampa"/>
-        <a:font script="Sinh" typeface="Iskoola Pota"/>
-        <a:font script="Mong" typeface="Mongolian Baiti"/>
-        <a:font script="Viet" typeface="Arial"/>
-        <a:font script="Uigh" typeface="Microsoft Uighur"/>
-        <a:font script="Geor" typeface="Sylfaen"/>
-      </a:minorFont>
-    </a:fontScheme>
-    <a:fmtScheme name="Office">
-      <a:fillStyleLst>
-        <a:solidFill>
-          <a:schemeClr val="phClr"/>
-        </a:solidFill>
-        <a:gradFill rotWithShape="1">
-          <a:gsLst>
-            <a:gs pos="0">
-              <a:schemeClr val="phClr">
-                <a:tint val="50000"/>
-                <a:satMod val="300000"/>
-              </a:schemeClr>
-            </a:gs>
-            <a:gs pos="35000">
-              <a:schemeClr val="phClr">
-                <a:tint val="37000"/>
-                <a:satMod val="300000"/>
-              </a:schemeClr>
-            </a:gs>
-            <a:gs pos="100000">
-              <a:schemeClr val="phClr">
-                <a:tint val="15000"/>
-                <a:satMod val="350000"/>
-              </a:schemeClr>
-            </a:gs>
-          </a:gsLst>
-          <a:lin ang="16200000" scaled="1"/>
-        </a:gradFill>
-        <a:gradFill rotWithShape="1">
-          <a:gsLst>
-            <a:gs pos="0">
-              <a:schemeClr val="phClr">
-                <a:tint val="100000"/>
-                <a:shade val="100000"/>
-                <a:satMod val="130000"/>
-              </a:schemeClr>
-            </a:gs>
-            <a:gs pos="100000">
-              <a:schemeClr val="phClr">
-                <a:tint val="50000"/>
-                <a:shade val="100000"/>
-                <a:satMod val="350000"/>
-              </a:schemeClr>
-            </a:gs>
-          </a:gsLst>
-          <a:lin ang="16200000" scaled="0"/>
-        </a:gradFill>
-      </a:fillStyleLst>
-      <a:lnStyleLst>
-        <a:ln w="9525" cap="flat" cmpd="sng" algn="ctr">
-          <a:solidFill>
-            <a:schemeClr val="phClr">
-              <a:shade val="95000"/>
-              <a:satMod val="105000"/>
-            </a:schemeClr>
-          </a:solidFill>
-          <a:prstDash val="solid"/>
-        </a:ln>
-        <a:ln w="25400" cap="flat" cmpd="sng" algn="ctr">
-          <a:solidFill>
-            <a:schemeClr val="phClr"/>
-          </a:solidFill>
-          <a:prstDash val="solid"/>
-        </a:ln>
-        <a:ln w="38100" cap="flat" cmpd="sng" algn="ctr">
-          <a:solidFill>
-            <a:schemeClr val="phClr"/>
-          </a:solidFill>
-          <a:prstDash val="solid"/>
-        </a:ln>
-      </a:lnStyleLst>
-      <a:effectStyleLst>
-        <a:effectStyle>
-          <a:effectLst>
-            <a:outerShdw blurRad="40000" dist="20000" dir="5400000" rotWithShape="0">
-              <a:srgbClr val="000000">
-                <a:alpha val="38000"/>
-              </a:srgbClr>
-            </a:outerShdw>
-          </a:effectLst>
-        </a:effectStyle>
-        <a:effectStyle>
-          <a:effectLst>
-            <a:outerShdw blurRad="40000" dist="23000" dir="5400000" rotWithShape="0">
-              <a:srgbClr val="000000">
-                <a:alpha val="35000"/>
-              </a:srgbClr>
-            </a:outerShdw>
-          </a:effectLst>
-        </a:effectStyle>
-        <a:effectStyle>
-          <a:effectLst>
-            <a:outerShdw blurRad="40000" dist="23000" dir="5400000" rotWithShape="0">
-              <a:srgbClr val="000000">
-                <a:alpha val="35000"/>
-              </a:srgbClr>
-            </a:outerShdw>
-          </a:effectLst>
-          <a:scene3d>
-            <a:camera prst="orthographicFront">
-              <a:rot lat="0" lon="0" rev="0"/>
-            </a:camera>
-            <a:lightRig rig="threePt" dir="t">
-              <a:rot lat="0" lon="0" rev="1200000"/>
-            </a:lightRig>
-          </a:scene3d>
-          <a:sp3d>
-            <a:bevelT w="63500" h="25400"/>
-          </a:sp3d>
-        </a:effectStyle>
-      </a:effectStyleLst>
-      <a:bgFillStyleLst>
-        <a:solidFill>
-          <a:schemeClr val="phClr"/>
-        </a:solidFill>
-        <a:gradFill rotWithShape="1">
-          <a:gsLst>
-            <a:gs pos="0">
-              <a:schemeClr val="phClr">
-                <a:tint val="40000"/>
-                <a:satMod val="350000"/>
-              </a:schemeClr>
-            </a:gs>
-            <a:gs pos="40000">
-              <a:schemeClr val="phClr">
-                <a:tint val="45000"/>
-                <a:shade val="99000"/>
-                <a:satMod val="350000"/>
-              </a:schemeClr>
-            </a:gs>
-            <a:gs pos="100000">
-              <a:schemeClr val="phClr">
-                <a:shade val="20000"/>
-                <a:satMod val="255000"/>
-              </a:schemeClr>
-            </a:gs>
-          </a:gsLst>
-          <a:path path="circle">
-            <a:fillToRect l="50000" t="-80000" r="50000" b="180000"/>
-          </a:path>
-        </a:gradFill>
-        <a:gradFill rotWithShape="1">
-          <a:gsLst>
-            <a:gs pos="0">
-              <a:schemeClr val="phClr">
-                <a:tint val="80000"/>
-                <a:satMod val="300000"/>
-              </a:schemeClr>
-            </a:gs>
-            <a:gs pos="100000">
-              <a:schemeClr val="phClr">
-                <a:shade val="30000"/>
-                <a:satMod val="200000"/>
-              </a:schemeClr>
-            </a:gs>
-          </a:gsLst>
-          <a:path path="circle">
-            <a:fillToRect l="50000" t="50000" r="50000" b="50000"/>
-          </a:path>
-        </a:gradFill>
-      </a:bgFillStyleLst>
-    </a:fmtScheme>
-  </a:themeElements>
+  <a:objectDefaults/>
+  <a:extraClrSchemeLst/>
 </a:theme>
 </file>